--- a/Account Takeover/slide/presentation.pptx
+++ b/Account Takeover/slide/presentation.pptx
@@ -115,6 +115,11 @@
       </a:defRPr>
     </a:lvl9pPr>
   </p:defaultTextStyle>
+  <p:extLst>
+    <p:ext uri="{EFAFB233-063F-42B5-8137-9DF3F51BA10A}">
+      <p15:sldGuideLst xmlns:p15="http://schemas.microsoft.com/office/powerpoint/2012/main"/>
+    </p:ext>
+  </p:extLst>
 </p:presentation>
 </file>
 
@@ -2373,7 +2378,7 @@
           <a:p>
             <a:fld id="{CEC31ED4-C5E5-7147-82DD-0F76E9618B01}" type="datetimeFigureOut">
               <a:rPr lang="en-US" smtClean="0"/>
-              <a:t>7/21/22</a:t>
+              <a:t>7/26/22</a:t>
             </a:fld>
             <a:endParaRPr lang="en-US"/>
           </a:p>
@@ -2940,7 +2945,7 @@
           <a:p>
             <a:fld id="{579A109F-2D3F-9C4A-9D94-2A63D4BBDA5A}" type="datetimeFigureOut">
               <a:rPr lang="en-US" smtClean="0"/>
-              <a:t>7/21/22</a:t>
+              <a:t>7/26/22</a:t>
             </a:fld>
             <a:endParaRPr lang="en-US"/>
           </a:p>
@@ -3110,7 +3115,7 @@
           <a:p>
             <a:fld id="{579A109F-2D3F-9C4A-9D94-2A63D4BBDA5A}" type="datetimeFigureOut">
               <a:rPr lang="en-US" smtClean="0"/>
-              <a:t>7/21/22</a:t>
+              <a:t>7/26/22</a:t>
             </a:fld>
             <a:endParaRPr lang="en-US"/>
           </a:p>
@@ -3290,7 +3295,7 @@
           <a:p>
             <a:fld id="{579A109F-2D3F-9C4A-9D94-2A63D4BBDA5A}" type="datetimeFigureOut">
               <a:rPr lang="en-US" smtClean="0"/>
-              <a:t>7/21/22</a:t>
+              <a:t>7/26/22</a:t>
             </a:fld>
             <a:endParaRPr lang="en-US"/>
           </a:p>
@@ -5416,7 +5421,7 @@
           <a:p>
             <a:fld id="{579A109F-2D3F-9C4A-9D94-2A63D4BBDA5A}" type="datetimeFigureOut">
               <a:rPr lang="en-US" smtClean="0"/>
-              <a:t>7/21/22</a:t>
+              <a:t>7/26/22</a:t>
             </a:fld>
             <a:endParaRPr lang="en-US"/>
           </a:p>
@@ -6492,7 +6497,7 @@
           <a:graphicData uri="http://schemas.openxmlformats.org/presentationml/2006/ole">
             <mc:AlternateContent xmlns:mc="http://schemas.openxmlformats.org/markup-compatibility/2006">
               <mc:Choice xmlns:v="urn:schemas-microsoft-com:vml" Requires="v">
-                <p:oleObj spid="_x0000_s2050" name="think-cell Slide" r:id="rId4" imgW="7763510" imgH="10049510" progId="TCLayout.ActiveDocument.1">
+                <p:oleObj spid="_x0000_s2051" name="think-cell Slide" r:id="rId4" imgW="7763510" imgH="10049510" progId="TCLayout.ActiveDocument.1">
                   <p:embed/>
                 </p:oleObj>
               </mc:Choice>
@@ -6925,7 +6930,7 @@
           <a:p>
             <a:fld id="{C508AC19-0796-4750-A574-3F640E3F84BA}" type="datetimeFigureOut">
               <a:rPr lang="zh-CN" altLang="en-US" smtClean="0"/>
-              <a:t>2022/7/21</a:t>
+              <a:t>2022/7/26</a:t>
             </a:fld>
             <a:endParaRPr lang="zh-CN" altLang="en-US"/>
           </a:p>
@@ -7111,7 +7116,7 @@
           <a:p>
             <a:fld id="{C508AC19-0796-4750-A574-3F640E3F84BA}" type="datetimeFigureOut">
               <a:rPr lang="zh-CN" altLang="en-US" smtClean="0"/>
-              <a:t>2022/7/21</a:t>
+              <a:t>2022/7/26</a:t>
             </a:fld>
             <a:endParaRPr lang="zh-CN" altLang="en-US"/>
           </a:p>
@@ -7373,7 +7378,7 @@
           <a:p>
             <a:fld id="{C508AC19-0796-4750-A574-3F640E3F84BA}" type="datetimeFigureOut">
               <a:rPr lang="zh-CN" altLang="en-US" smtClean="0"/>
-              <a:t>2022/7/21</a:t>
+              <a:t>2022/7/26</a:t>
             </a:fld>
             <a:endParaRPr lang="zh-CN" altLang="en-US"/>
           </a:p>
@@ -7621,7 +7626,7 @@
           <a:p>
             <a:fld id="{C508AC19-0796-4750-A574-3F640E3F84BA}" type="datetimeFigureOut">
               <a:rPr lang="zh-CN" altLang="en-US" smtClean="0"/>
-              <a:t>2022/7/21</a:t>
+              <a:t>2022/7/26</a:t>
             </a:fld>
             <a:endParaRPr lang="zh-CN" altLang="en-US"/>
           </a:p>
@@ -8004,7 +8009,7 @@
           <a:p>
             <a:fld id="{C508AC19-0796-4750-A574-3F640E3F84BA}" type="datetimeFigureOut">
               <a:rPr lang="zh-CN" altLang="en-US" smtClean="0"/>
-              <a:t>2022/7/21</a:t>
+              <a:t>2022/7/26</a:t>
             </a:fld>
             <a:endParaRPr lang="zh-CN" altLang="en-US"/>
           </a:p>
@@ -8266,7 +8271,7 @@
           <a:p>
             <a:fld id="{579A109F-2D3F-9C4A-9D94-2A63D4BBDA5A}" type="datetimeFigureOut">
               <a:rPr lang="en-US" smtClean="0"/>
-              <a:t>7/21/22</a:t>
+              <a:t>7/26/22</a:t>
             </a:fld>
             <a:endParaRPr lang="en-US"/>
           </a:p>
@@ -8384,7 +8389,7 @@
           <a:p>
             <a:fld id="{C508AC19-0796-4750-A574-3F640E3F84BA}" type="datetimeFigureOut">
               <a:rPr lang="zh-CN" altLang="en-US" smtClean="0"/>
-              <a:t>2022/7/21</a:t>
+              <a:t>2022/7/26</a:t>
             </a:fld>
             <a:endParaRPr lang="zh-CN" altLang="en-US"/>
           </a:p>
@@ -8495,7 +8500,7 @@
           <a:p>
             <a:fld id="{C508AC19-0796-4750-A574-3F640E3F84BA}" type="datetimeFigureOut">
               <a:rPr lang="zh-CN" altLang="en-US" smtClean="0"/>
-              <a:t>2022/7/21</a:t>
+              <a:t>2022/7/26</a:t>
             </a:fld>
             <a:endParaRPr lang="zh-CN" altLang="en-US"/>
           </a:p>
@@ -8788,7 +8793,7 @@
           <a:p>
             <a:fld id="{C508AC19-0796-4750-A574-3F640E3F84BA}" type="datetimeFigureOut">
               <a:rPr lang="zh-CN" altLang="en-US" smtClean="0"/>
-              <a:t>2022/7/21</a:t>
+              <a:t>2022/7/26</a:t>
             </a:fld>
             <a:endParaRPr lang="zh-CN" altLang="en-US"/>
           </a:p>
@@ -9061,7 +9066,7 @@
           <a:p>
             <a:fld id="{C508AC19-0796-4750-A574-3F640E3F84BA}" type="datetimeFigureOut">
               <a:rPr lang="zh-CN" altLang="en-US" smtClean="0"/>
-              <a:t>2022/7/21</a:t>
+              <a:t>2022/7/26</a:t>
             </a:fld>
             <a:endParaRPr lang="zh-CN" altLang="en-US"/>
           </a:p>
@@ -9247,7 +9252,7 @@
           <a:p>
             <a:fld id="{C508AC19-0796-4750-A574-3F640E3F84BA}" type="datetimeFigureOut">
               <a:rPr lang="zh-CN" altLang="en-US" smtClean="0"/>
-              <a:t>2022/7/21</a:t>
+              <a:t>2022/7/26</a:t>
             </a:fld>
             <a:endParaRPr lang="zh-CN" altLang="en-US"/>
           </a:p>
@@ -9443,7 +9448,7 @@
           <a:p>
             <a:fld id="{C508AC19-0796-4750-A574-3F640E3F84BA}" type="datetimeFigureOut">
               <a:rPr lang="zh-CN" altLang="en-US" smtClean="0"/>
-              <a:t>2022/7/21</a:t>
+              <a:t>2022/7/26</a:t>
             </a:fld>
             <a:endParaRPr lang="zh-CN" altLang="en-US"/>
           </a:p>
@@ -10872,7 +10877,7 @@
           <a:p>
             <a:fld id="{579A109F-2D3F-9C4A-9D94-2A63D4BBDA5A}" type="datetimeFigureOut">
               <a:rPr lang="en-US" smtClean="0"/>
-              <a:t>7/21/22</a:t>
+              <a:t>7/26/22</a:t>
             </a:fld>
             <a:endParaRPr lang="en-US"/>
           </a:p>
@@ -12754,7 +12759,7 @@
           <a:graphicData uri="http://schemas.openxmlformats.org/presentationml/2006/ole">
             <mc:AlternateContent xmlns:mc="http://schemas.openxmlformats.org/markup-compatibility/2006">
               <mc:Choice xmlns:v="urn:schemas-microsoft-com:vml" Requires="v">
-                <p:oleObj spid="_x0000_s4098" name="think-cell Slide" r:id="rId4" imgW="7763510" imgH="10049510" progId="TCLayout.ActiveDocument.1">
+                <p:oleObj spid="_x0000_s4099" name="think-cell Slide" r:id="rId4" imgW="7763510" imgH="10049510" progId="TCLayout.ActiveDocument.1">
                   <p:embed/>
                 </p:oleObj>
               </mc:Choice>
@@ -13187,7 +13192,7 @@
           <a:p>
             <a:fld id="{579A109F-2D3F-9C4A-9D94-2A63D4BBDA5A}" type="datetimeFigureOut">
               <a:rPr lang="en-US" smtClean="0"/>
-              <a:t>7/21/22</a:t>
+              <a:t>7/26/22</a:t>
             </a:fld>
             <a:endParaRPr lang="en-US"/>
           </a:p>
@@ -13554,7 +13559,7 @@
           <a:p>
             <a:fld id="{579A109F-2D3F-9C4A-9D94-2A63D4BBDA5A}" type="datetimeFigureOut">
               <a:rPr lang="en-US" smtClean="0"/>
-              <a:t>7/21/22</a:t>
+              <a:t>7/26/22</a:t>
             </a:fld>
             <a:endParaRPr lang="en-US"/>
           </a:p>
@@ -13724,7 +13729,7 @@
           <a:p>
             <a:fld id="{579A109F-2D3F-9C4A-9D94-2A63D4BBDA5A}" type="datetimeFigureOut">
               <a:rPr lang="en-US" smtClean="0"/>
-              <a:t>7/21/22</a:t>
+              <a:t>7/26/22</a:t>
             </a:fld>
             <a:endParaRPr lang="en-US"/>
           </a:p>
@@ -13970,7 +13975,7 @@
           <a:p>
             <a:fld id="{579A109F-2D3F-9C4A-9D94-2A63D4BBDA5A}" type="datetimeFigureOut">
               <a:rPr lang="en-US" smtClean="0"/>
-              <a:t>7/21/22</a:t>
+              <a:t>7/26/22</a:t>
             </a:fld>
             <a:endParaRPr lang="en-US"/>
           </a:p>
@@ -14202,7 +14207,7 @@
           <a:p>
             <a:fld id="{579A109F-2D3F-9C4A-9D94-2A63D4BBDA5A}" type="datetimeFigureOut">
               <a:rPr lang="en-US" smtClean="0"/>
-              <a:t>7/21/22</a:t>
+              <a:t>7/26/22</a:t>
             </a:fld>
             <a:endParaRPr lang="en-US"/>
           </a:p>
@@ -14569,7 +14574,7 @@
           <a:p>
             <a:fld id="{579A109F-2D3F-9C4A-9D94-2A63D4BBDA5A}" type="datetimeFigureOut">
               <a:rPr lang="en-US" smtClean="0"/>
-              <a:t>7/21/22</a:t>
+              <a:t>7/26/22</a:t>
             </a:fld>
             <a:endParaRPr lang="en-US"/>
           </a:p>
@@ -14687,7 +14692,7 @@
           <a:p>
             <a:fld id="{579A109F-2D3F-9C4A-9D94-2A63D4BBDA5A}" type="datetimeFigureOut">
               <a:rPr lang="en-US" smtClean="0"/>
-              <a:t>7/21/22</a:t>
+              <a:t>7/26/22</a:t>
             </a:fld>
             <a:endParaRPr lang="en-US"/>
           </a:p>
@@ -14782,7 +14787,7 @@
           <a:p>
             <a:fld id="{579A109F-2D3F-9C4A-9D94-2A63D4BBDA5A}" type="datetimeFigureOut">
               <a:rPr lang="en-US" smtClean="0"/>
-              <a:t>7/21/22</a:t>
+              <a:t>7/26/22</a:t>
             </a:fld>
             <a:endParaRPr lang="en-US"/>
           </a:p>
@@ -15059,7 +15064,7 @@
           <a:p>
             <a:fld id="{579A109F-2D3F-9C4A-9D94-2A63D4BBDA5A}" type="datetimeFigureOut">
               <a:rPr lang="en-US" smtClean="0"/>
-              <a:t>7/21/22</a:t>
+              <a:t>7/26/22</a:t>
             </a:fld>
             <a:endParaRPr lang="en-US"/>
           </a:p>
@@ -15316,7 +15321,7 @@
           <a:p>
             <a:fld id="{579A109F-2D3F-9C4A-9D94-2A63D4BBDA5A}" type="datetimeFigureOut">
               <a:rPr lang="en-US" smtClean="0"/>
-              <a:t>7/21/22</a:t>
+              <a:t>7/26/22</a:t>
             </a:fld>
             <a:endParaRPr lang="en-US"/>
           </a:p>
@@ -15486,7 +15491,7 @@
           <a:p>
             <a:fld id="{579A109F-2D3F-9C4A-9D94-2A63D4BBDA5A}" type="datetimeFigureOut">
               <a:rPr lang="en-US" smtClean="0"/>
-              <a:t>7/21/22</a:t>
+              <a:t>7/26/22</a:t>
             </a:fld>
             <a:endParaRPr lang="en-US"/>
           </a:p>
@@ -15666,7 +15671,7 @@
           <a:p>
             <a:fld id="{579A109F-2D3F-9C4A-9D94-2A63D4BBDA5A}" type="datetimeFigureOut">
               <a:rPr lang="en-US" smtClean="0"/>
-              <a:t>7/21/22</a:t>
+              <a:t>7/26/22</a:t>
             </a:fld>
             <a:endParaRPr lang="en-US"/>
           </a:p>
@@ -15784,7 +15789,7 @@
           <a:p>
             <a:fld id="{579A109F-2D3F-9C4A-9D94-2A63D4BBDA5A}" type="datetimeFigureOut">
               <a:rPr lang="en-US" smtClean="0"/>
-              <a:t>7/21/22</a:t>
+              <a:t>7/26/22</a:t>
             </a:fld>
             <a:endParaRPr lang="en-US"/>
           </a:p>
@@ -18281,7 +18286,7 @@
           <a:p>
             <a:fld id="{579A109F-2D3F-9C4A-9D94-2A63D4BBDA5A}" type="datetimeFigureOut">
               <a:rPr lang="en-US" smtClean="0"/>
-              <a:t>7/21/22</a:t>
+              <a:t>7/26/22</a:t>
             </a:fld>
             <a:endParaRPr lang="en-US"/>
           </a:p>
@@ -18911,7 +18916,7 @@
           <a:graphicData uri="http://schemas.openxmlformats.org/presentationml/2006/ole">
             <mc:AlternateContent xmlns:mc="http://schemas.openxmlformats.org/markup-compatibility/2006">
               <mc:Choice xmlns:v="urn:schemas-microsoft-com:vml" Requires="v">
-                <p:oleObj spid="_x0000_s6146" name="think-cell Slide" r:id="rId4" imgW="7763510" imgH="10049510" progId="TCLayout.ActiveDocument.1">
+                <p:oleObj spid="_x0000_s6147" name="think-cell Slide" r:id="rId4" imgW="7763510" imgH="10049510" progId="TCLayout.ActiveDocument.1">
                   <p:embed/>
                 </p:oleObj>
               </mc:Choice>
@@ -19429,7 +19434,7 @@
           <a:p>
             <a:fld id="{579A109F-2D3F-9C4A-9D94-2A63D4BBDA5A}" type="datetimeFigureOut">
               <a:rPr lang="en-US" smtClean="0"/>
-              <a:t>7/21/22</a:t>
+              <a:t>7/26/22</a:t>
             </a:fld>
             <a:endParaRPr lang="en-US"/>
           </a:p>
@@ -19686,7 +19691,7 @@
           <a:p>
             <a:fld id="{579A109F-2D3F-9C4A-9D94-2A63D4BBDA5A}" type="datetimeFigureOut">
               <a:rPr lang="en-US" smtClean="0"/>
-              <a:t>7/21/22</a:t>
+              <a:t>7/26/22</a:t>
             </a:fld>
             <a:endParaRPr lang="en-US"/>
           </a:p>
@@ -19897,7 +19902,7 @@
           <a:p>
             <a:fld id="{579A109F-2D3F-9C4A-9D94-2A63D4BBDA5A}" type="datetimeFigureOut">
               <a:rPr lang="en-US" smtClean="0"/>
-              <a:t>7/21/22</a:t>
+              <a:t>7/26/22</a:t>
             </a:fld>
             <a:endParaRPr lang="en-US"/>
           </a:p>
@@ -20333,7 +20338,7 @@
           <a:graphicData uri="http://schemas.openxmlformats.org/presentationml/2006/ole">
             <mc:AlternateContent xmlns:mc="http://schemas.openxmlformats.org/markup-compatibility/2006">
               <mc:Choice xmlns:v="urn:schemas-microsoft-com:vml" Requires="v">
-                <p:oleObj spid="_x0000_s1026" name="think-cell Slide" r:id="rId14" imgW="0" imgH="0" progId="TCLayout.ActiveDocument.1">
+                <p:oleObj spid="_x0000_s1027" name="think-cell Slide" r:id="rId14" imgW="0" imgH="0" progId="TCLayout.ActiveDocument.1">
                   <p:embed/>
                 </p:oleObj>
               </mc:Choice>
@@ -21077,7 +21082,7 @@
           <a:p>
             <a:fld id="{579A109F-2D3F-9C4A-9D94-2A63D4BBDA5A}" type="datetimeFigureOut">
               <a:rPr lang="en-US" smtClean="0"/>
-              <a:t>7/21/22</a:t>
+              <a:t>7/26/22</a:t>
             </a:fld>
             <a:endParaRPr lang="en-US"/>
           </a:p>
@@ -21513,7 +21518,7 @@
           <a:graphicData uri="http://schemas.openxmlformats.org/presentationml/2006/ole">
             <mc:AlternateContent xmlns:mc="http://schemas.openxmlformats.org/markup-compatibility/2006">
               <mc:Choice xmlns:v="urn:schemas-microsoft-com:vml" Requires="v">
-                <p:oleObj spid="_x0000_s3074" name="think-cell Slide" r:id="rId14" imgW="0" imgH="0" progId="TCLayout.ActiveDocument.1">
+                <p:oleObj spid="_x0000_s3075" name="think-cell Slide" r:id="rId14" imgW="0" imgH="0" progId="TCLayout.ActiveDocument.1">
                   <p:embed/>
                 </p:oleObj>
               </mc:Choice>
@@ -22257,7 +22262,7 @@
           <a:p>
             <a:fld id="{579A109F-2D3F-9C4A-9D94-2A63D4BBDA5A}" type="datetimeFigureOut">
               <a:rPr lang="en-US" smtClean="0"/>
-              <a:t>7/21/22</a:t>
+              <a:t>7/26/22</a:t>
             </a:fld>
             <a:endParaRPr lang="en-US"/>
           </a:p>
@@ -22693,7 +22698,7 @@
           <a:graphicData uri="http://schemas.openxmlformats.org/presentationml/2006/ole">
             <mc:AlternateContent xmlns:mc="http://schemas.openxmlformats.org/markup-compatibility/2006">
               <mc:Choice xmlns:v="urn:schemas-microsoft-com:vml" Requires="v">
-                <p:oleObj spid="_x0000_s5122" name="think-cell Slide" r:id="rId14" imgW="0" imgH="0" progId="TCLayout.ActiveDocument.1">
+                <p:oleObj spid="_x0000_s5123" name="think-cell Slide" r:id="rId14" imgW="0" imgH="0" progId="TCLayout.ActiveDocument.1">
                   <p:embed/>
                 </p:oleObj>
               </mc:Choice>

--- a/Account Takeover/slide/presentation.pptx
+++ b/Account Takeover/slide/presentation.pptx
@@ -10,13 +10,19 @@
     <p:sldMasterId id="2147483727" r:id="rId6"/>
   </p:sldMasterIdLst>
   <p:notesMasterIdLst>
-    <p:notesMasterId r:id="rId11"/>
+    <p:notesMasterId r:id="rId17"/>
   </p:notesMasterIdLst>
   <p:sldIdLst>
     <p:sldId id="4099917" r:id="rId7"/>
     <p:sldId id="4099919" r:id="rId8"/>
     <p:sldId id="4099918" r:id="rId9"/>
     <p:sldId id="4099920" r:id="rId10"/>
+    <p:sldId id="4099921" r:id="rId11"/>
+    <p:sldId id="4099922" r:id="rId12"/>
+    <p:sldId id="4099923" r:id="rId13"/>
+    <p:sldId id="4099924" r:id="rId14"/>
+    <p:sldId id="4099925" r:id="rId15"/>
+    <p:sldId id="4099926" r:id="rId16"/>
   </p:sldIdLst>
   <p:sldSz cx="12192000" cy="6858000"/>
   <p:notesSz cx="6858000" cy="9144000"/>
@@ -170,7 +176,7 @@
                   <a:srgbClr val="001F60"/>
                 </a:solidFill>
               </a:rPr>
-              <a:t> among different months</a:t>
+              <a:t> through different months</a:t>
             </a:r>
             <a:endParaRPr lang="en-GB" dirty="0">
               <a:solidFill>
@@ -671,7 +677,7 @@
                   <a:srgbClr val="001F60"/>
                 </a:solidFill>
               </a:rPr>
-              <a:t>ATO Cases among different ventures</a:t>
+              <a:t>ATO Cases through different ventures</a:t>
             </a:r>
           </a:p>
         </c:rich>
@@ -902,15 +908,12 @@
                     <a:fld id="{A055F1B7-11E2-4944-8890-292633B54CAC}" type="CATEGORYNAME">
                       <a:rPr lang="en-US" sz="1000" smtClean="0"/>
                       <a:pPr>
-                        <a:defRPr sz="1000" b="0" i="0" u="none" strike="noStrike" kern="1200" baseline="0">
+                        <a:defRPr sz="1000">
                           <a:solidFill>
                             <a:schemeClr val="bg2">
                               <a:lumMod val="90000"/>
                             </a:schemeClr>
                           </a:solidFill>
-                          <a:latin typeface="+mn-lt"/>
-                          <a:ea typeface="+mn-ea"/>
-                          <a:cs typeface="+mn-cs"/>
                         </a:defRPr>
                       </a:pPr>
                       <a:t>[CATEGORY NAME]</a:t>
@@ -935,15 +938,12 @@
                     <a:fld id="{DD7BF167-146E-904F-B7EC-76A7D0AA57E3}" type="PERCENTAGE">
                       <a:rPr lang="en-US" sz="1000" baseline="0" dirty="0"/>
                       <a:pPr>
-                        <a:defRPr sz="1000" b="0" i="0" u="none" strike="noStrike" kern="1200" baseline="0">
+                        <a:defRPr sz="1000">
                           <a:solidFill>
                             <a:schemeClr val="bg2">
                               <a:lumMod val="90000"/>
                             </a:schemeClr>
                           </a:solidFill>
-                          <a:latin typeface="+mn-lt"/>
-                          <a:ea typeface="+mn-ea"/>
-                          <a:cs typeface="+mn-cs"/>
                         </a:defRPr>
                       </a:pPr>
                       <a:t>[PERCENTAGE]</a:t>
@@ -2378,7 +2378,7 @@
           <a:p>
             <a:fld id="{CEC31ED4-C5E5-7147-82DD-0F76E9618B01}" type="datetimeFigureOut">
               <a:rPr lang="en-US" smtClean="0"/>
-              <a:t>7/26/22</a:t>
+              <a:t>8/3/22</a:t>
             </a:fld>
             <a:endParaRPr lang="en-US"/>
           </a:p>
@@ -2814,6 +2814,510 @@
 </p:notes>
 </file>
 
+<file path=ppt/notesSlides/notesSlide3.xml><?xml version="1.0" encoding="utf-8"?>
+<p:notes xmlns:a="http://schemas.openxmlformats.org/drawingml/2006/main" xmlns:r="http://schemas.openxmlformats.org/officeDocument/2006/relationships" xmlns:p="http://schemas.openxmlformats.org/presentationml/2006/main">
+  <p:cSld>
+    <p:spTree>
+      <p:nvGrpSpPr>
+        <p:cNvPr id="1" name=""/>
+        <p:cNvGrpSpPr/>
+        <p:nvPr/>
+      </p:nvGrpSpPr>
+      <p:grpSpPr>
+        <a:xfrm>
+          <a:off x="0" y="0"/>
+          <a:ext cx="0" cy="0"/>
+          <a:chOff x="0" y="0"/>
+          <a:chExt cx="0" cy="0"/>
+        </a:xfrm>
+      </p:grpSpPr>
+      <p:sp>
+        <p:nvSpPr>
+          <p:cNvPr id="2" name="Slide Image Placeholder 1"/>
+          <p:cNvSpPr>
+            <a:spLocks noGrp="1" noRot="1" noChangeAspect="1"/>
+          </p:cNvSpPr>
+          <p:nvPr>
+            <p:ph type="sldImg"/>
+          </p:nvPr>
+        </p:nvSpPr>
+        <p:spPr/>
+      </p:sp>
+      <p:sp>
+        <p:nvSpPr>
+          <p:cNvPr id="3" name="Notes Placeholder 2"/>
+          <p:cNvSpPr>
+            <a:spLocks noGrp="1"/>
+          </p:cNvSpPr>
+          <p:nvPr>
+            <p:ph type="body" idx="1"/>
+          </p:nvPr>
+        </p:nvSpPr>
+        <p:spPr/>
+        <p:txBody>
+          <a:bodyPr/>
+          <a:lstStyle/>
+          <a:p>
+            <a:endParaRPr lang="en-US" dirty="0"/>
+          </a:p>
+        </p:txBody>
+      </p:sp>
+      <p:sp>
+        <p:nvSpPr>
+          <p:cNvPr id="4" name="Slide Number Placeholder 3"/>
+          <p:cNvSpPr>
+            <a:spLocks noGrp="1"/>
+          </p:cNvSpPr>
+          <p:nvPr>
+            <p:ph type="sldNum" sz="quarter" idx="5"/>
+          </p:nvPr>
+        </p:nvSpPr>
+        <p:spPr/>
+        <p:txBody>
+          <a:bodyPr/>
+          <a:lstStyle/>
+          <a:p>
+            <a:fld id="{C2988E45-FC3C-9546-888E-7D9DF8D78262}" type="slidenum">
+              <a:rPr lang="en-US" smtClean="0"/>
+              <a:t>5</a:t>
+            </a:fld>
+            <a:endParaRPr lang="en-US"/>
+          </a:p>
+        </p:txBody>
+      </p:sp>
+    </p:spTree>
+    <p:extLst>
+      <p:ext uri="{BB962C8B-B14F-4D97-AF65-F5344CB8AC3E}">
+        <p14:creationId xmlns:p14="http://schemas.microsoft.com/office/powerpoint/2010/main" val="2139870631"/>
+      </p:ext>
+    </p:extLst>
+  </p:cSld>
+  <p:clrMapOvr>
+    <a:masterClrMapping/>
+  </p:clrMapOvr>
+</p:notes>
+</file>
+
+<file path=ppt/notesSlides/notesSlide4.xml><?xml version="1.0" encoding="utf-8"?>
+<p:notes xmlns:a="http://schemas.openxmlformats.org/drawingml/2006/main" xmlns:r="http://schemas.openxmlformats.org/officeDocument/2006/relationships" xmlns:p="http://schemas.openxmlformats.org/presentationml/2006/main">
+  <p:cSld>
+    <p:spTree>
+      <p:nvGrpSpPr>
+        <p:cNvPr id="1" name=""/>
+        <p:cNvGrpSpPr/>
+        <p:nvPr/>
+      </p:nvGrpSpPr>
+      <p:grpSpPr>
+        <a:xfrm>
+          <a:off x="0" y="0"/>
+          <a:ext cx="0" cy="0"/>
+          <a:chOff x="0" y="0"/>
+          <a:chExt cx="0" cy="0"/>
+        </a:xfrm>
+      </p:grpSpPr>
+      <p:sp>
+        <p:nvSpPr>
+          <p:cNvPr id="2" name="Slide Image Placeholder 1"/>
+          <p:cNvSpPr>
+            <a:spLocks noGrp="1" noRot="1" noChangeAspect="1"/>
+          </p:cNvSpPr>
+          <p:nvPr>
+            <p:ph type="sldImg"/>
+          </p:nvPr>
+        </p:nvSpPr>
+        <p:spPr/>
+      </p:sp>
+      <p:sp>
+        <p:nvSpPr>
+          <p:cNvPr id="3" name="Notes Placeholder 2"/>
+          <p:cNvSpPr>
+            <a:spLocks noGrp="1"/>
+          </p:cNvSpPr>
+          <p:nvPr>
+            <p:ph type="body" idx="1"/>
+          </p:nvPr>
+        </p:nvSpPr>
+        <p:spPr/>
+        <p:txBody>
+          <a:bodyPr/>
+          <a:lstStyle/>
+          <a:p>
+            <a:endParaRPr lang="en-US" dirty="0"/>
+          </a:p>
+        </p:txBody>
+      </p:sp>
+      <p:sp>
+        <p:nvSpPr>
+          <p:cNvPr id="4" name="Slide Number Placeholder 3"/>
+          <p:cNvSpPr>
+            <a:spLocks noGrp="1"/>
+          </p:cNvSpPr>
+          <p:nvPr>
+            <p:ph type="sldNum" sz="quarter" idx="5"/>
+          </p:nvPr>
+        </p:nvSpPr>
+        <p:spPr/>
+        <p:txBody>
+          <a:bodyPr/>
+          <a:lstStyle/>
+          <a:p>
+            <a:fld id="{C2988E45-FC3C-9546-888E-7D9DF8D78262}" type="slidenum">
+              <a:rPr lang="en-US" smtClean="0"/>
+              <a:t>6</a:t>
+            </a:fld>
+            <a:endParaRPr lang="en-US"/>
+          </a:p>
+        </p:txBody>
+      </p:sp>
+    </p:spTree>
+    <p:extLst>
+      <p:ext uri="{BB962C8B-B14F-4D97-AF65-F5344CB8AC3E}">
+        <p14:creationId xmlns:p14="http://schemas.microsoft.com/office/powerpoint/2010/main" val="3501703179"/>
+      </p:ext>
+    </p:extLst>
+  </p:cSld>
+  <p:clrMapOvr>
+    <a:masterClrMapping/>
+  </p:clrMapOvr>
+</p:notes>
+</file>
+
+<file path=ppt/notesSlides/notesSlide5.xml><?xml version="1.0" encoding="utf-8"?>
+<p:notes xmlns:a="http://schemas.openxmlformats.org/drawingml/2006/main" xmlns:r="http://schemas.openxmlformats.org/officeDocument/2006/relationships" xmlns:p="http://schemas.openxmlformats.org/presentationml/2006/main">
+  <p:cSld>
+    <p:spTree>
+      <p:nvGrpSpPr>
+        <p:cNvPr id="1" name=""/>
+        <p:cNvGrpSpPr/>
+        <p:nvPr/>
+      </p:nvGrpSpPr>
+      <p:grpSpPr>
+        <a:xfrm>
+          <a:off x="0" y="0"/>
+          <a:ext cx="0" cy="0"/>
+          <a:chOff x="0" y="0"/>
+          <a:chExt cx="0" cy="0"/>
+        </a:xfrm>
+      </p:grpSpPr>
+      <p:sp>
+        <p:nvSpPr>
+          <p:cNvPr id="2" name="Slide Image Placeholder 1"/>
+          <p:cNvSpPr>
+            <a:spLocks noGrp="1" noRot="1" noChangeAspect="1"/>
+          </p:cNvSpPr>
+          <p:nvPr>
+            <p:ph type="sldImg"/>
+          </p:nvPr>
+        </p:nvSpPr>
+        <p:spPr/>
+      </p:sp>
+      <p:sp>
+        <p:nvSpPr>
+          <p:cNvPr id="3" name="Notes Placeholder 2"/>
+          <p:cNvSpPr>
+            <a:spLocks noGrp="1"/>
+          </p:cNvSpPr>
+          <p:nvPr>
+            <p:ph type="body" idx="1"/>
+          </p:nvPr>
+        </p:nvSpPr>
+        <p:spPr/>
+        <p:txBody>
+          <a:bodyPr/>
+          <a:lstStyle/>
+          <a:p>
+            <a:endParaRPr lang="en-US" dirty="0"/>
+          </a:p>
+        </p:txBody>
+      </p:sp>
+      <p:sp>
+        <p:nvSpPr>
+          <p:cNvPr id="4" name="Slide Number Placeholder 3"/>
+          <p:cNvSpPr>
+            <a:spLocks noGrp="1"/>
+          </p:cNvSpPr>
+          <p:nvPr>
+            <p:ph type="sldNum" sz="quarter" idx="5"/>
+          </p:nvPr>
+        </p:nvSpPr>
+        <p:spPr/>
+        <p:txBody>
+          <a:bodyPr/>
+          <a:lstStyle/>
+          <a:p>
+            <a:fld id="{C2988E45-FC3C-9546-888E-7D9DF8D78262}" type="slidenum">
+              <a:rPr lang="en-US" smtClean="0"/>
+              <a:t>7</a:t>
+            </a:fld>
+            <a:endParaRPr lang="en-US"/>
+          </a:p>
+        </p:txBody>
+      </p:sp>
+    </p:spTree>
+    <p:extLst>
+      <p:ext uri="{BB962C8B-B14F-4D97-AF65-F5344CB8AC3E}">
+        <p14:creationId xmlns:p14="http://schemas.microsoft.com/office/powerpoint/2010/main" val="4269079939"/>
+      </p:ext>
+    </p:extLst>
+  </p:cSld>
+  <p:clrMapOvr>
+    <a:masterClrMapping/>
+  </p:clrMapOvr>
+</p:notes>
+</file>
+
+<file path=ppt/notesSlides/notesSlide6.xml><?xml version="1.0" encoding="utf-8"?>
+<p:notes xmlns:a="http://schemas.openxmlformats.org/drawingml/2006/main" xmlns:r="http://schemas.openxmlformats.org/officeDocument/2006/relationships" xmlns:p="http://schemas.openxmlformats.org/presentationml/2006/main">
+  <p:cSld>
+    <p:spTree>
+      <p:nvGrpSpPr>
+        <p:cNvPr id="1" name=""/>
+        <p:cNvGrpSpPr/>
+        <p:nvPr/>
+      </p:nvGrpSpPr>
+      <p:grpSpPr>
+        <a:xfrm>
+          <a:off x="0" y="0"/>
+          <a:ext cx="0" cy="0"/>
+          <a:chOff x="0" y="0"/>
+          <a:chExt cx="0" cy="0"/>
+        </a:xfrm>
+      </p:grpSpPr>
+      <p:sp>
+        <p:nvSpPr>
+          <p:cNvPr id="2" name="Slide Image Placeholder 1"/>
+          <p:cNvSpPr>
+            <a:spLocks noGrp="1" noRot="1" noChangeAspect="1"/>
+          </p:cNvSpPr>
+          <p:nvPr>
+            <p:ph type="sldImg"/>
+          </p:nvPr>
+        </p:nvSpPr>
+        <p:spPr/>
+      </p:sp>
+      <p:sp>
+        <p:nvSpPr>
+          <p:cNvPr id="3" name="Notes Placeholder 2"/>
+          <p:cNvSpPr>
+            <a:spLocks noGrp="1"/>
+          </p:cNvSpPr>
+          <p:nvPr>
+            <p:ph type="body" idx="1"/>
+          </p:nvPr>
+        </p:nvSpPr>
+        <p:spPr/>
+        <p:txBody>
+          <a:bodyPr/>
+          <a:lstStyle/>
+          <a:p>
+            <a:endParaRPr lang="en-US" dirty="0"/>
+          </a:p>
+        </p:txBody>
+      </p:sp>
+      <p:sp>
+        <p:nvSpPr>
+          <p:cNvPr id="4" name="Slide Number Placeholder 3"/>
+          <p:cNvSpPr>
+            <a:spLocks noGrp="1"/>
+          </p:cNvSpPr>
+          <p:nvPr>
+            <p:ph type="sldNum" sz="quarter" idx="5"/>
+          </p:nvPr>
+        </p:nvSpPr>
+        <p:spPr/>
+        <p:txBody>
+          <a:bodyPr/>
+          <a:lstStyle/>
+          <a:p>
+            <a:fld id="{C2988E45-FC3C-9546-888E-7D9DF8D78262}" type="slidenum">
+              <a:rPr lang="en-US" smtClean="0"/>
+              <a:t>8</a:t>
+            </a:fld>
+            <a:endParaRPr lang="en-US"/>
+          </a:p>
+        </p:txBody>
+      </p:sp>
+    </p:spTree>
+    <p:extLst>
+      <p:ext uri="{BB962C8B-B14F-4D97-AF65-F5344CB8AC3E}">
+        <p14:creationId xmlns:p14="http://schemas.microsoft.com/office/powerpoint/2010/main" val="2285072724"/>
+      </p:ext>
+    </p:extLst>
+  </p:cSld>
+  <p:clrMapOvr>
+    <a:masterClrMapping/>
+  </p:clrMapOvr>
+</p:notes>
+</file>
+
+<file path=ppt/notesSlides/notesSlide7.xml><?xml version="1.0" encoding="utf-8"?>
+<p:notes xmlns:a="http://schemas.openxmlformats.org/drawingml/2006/main" xmlns:r="http://schemas.openxmlformats.org/officeDocument/2006/relationships" xmlns:p="http://schemas.openxmlformats.org/presentationml/2006/main">
+  <p:cSld>
+    <p:spTree>
+      <p:nvGrpSpPr>
+        <p:cNvPr id="1" name=""/>
+        <p:cNvGrpSpPr/>
+        <p:nvPr/>
+      </p:nvGrpSpPr>
+      <p:grpSpPr>
+        <a:xfrm>
+          <a:off x="0" y="0"/>
+          <a:ext cx="0" cy="0"/>
+          <a:chOff x="0" y="0"/>
+          <a:chExt cx="0" cy="0"/>
+        </a:xfrm>
+      </p:grpSpPr>
+      <p:sp>
+        <p:nvSpPr>
+          <p:cNvPr id="2" name="Slide Image Placeholder 1"/>
+          <p:cNvSpPr>
+            <a:spLocks noGrp="1" noRot="1" noChangeAspect="1"/>
+          </p:cNvSpPr>
+          <p:nvPr>
+            <p:ph type="sldImg"/>
+          </p:nvPr>
+        </p:nvSpPr>
+        <p:spPr/>
+      </p:sp>
+      <p:sp>
+        <p:nvSpPr>
+          <p:cNvPr id="3" name="Notes Placeholder 2"/>
+          <p:cNvSpPr>
+            <a:spLocks noGrp="1"/>
+          </p:cNvSpPr>
+          <p:nvPr>
+            <p:ph type="body" idx="1"/>
+          </p:nvPr>
+        </p:nvSpPr>
+        <p:spPr/>
+        <p:txBody>
+          <a:bodyPr/>
+          <a:lstStyle/>
+          <a:p>
+            <a:endParaRPr lang="en-US" dirty="0"/>
+          </a:p>
+        </p:txBody>
+      </p:sp>
+      <p:sp>
+        <p:nvSpPr>
+          <p:cNvPr id="4" name="Slide Number Placeholder 3"/>
+          <p:cNvSpPr>
+            <a:spLocks noGrp="1"/>
+          </p:cNvSpPr>
+          <p:nvPr>
+            <p:ph type="sldNum" sz="quarter" idx="5"/>
+          </p:nvPr>
+        </p:nvSpPr>
+        <p:spPr/>
+        <p:txBody>
+          <a:bodyPr/>
+          <a:lstStyle/>
+          <a:p>
+            <a:fld id="{C2988E45-FC3C-9546-888E-7D9DF8D78262}" type="slidenum">
+              <a:rPr lang="en-US" smtClean="0"/>
+              <a:t>9</a:t>
+            </a:fld>
+            <a:endParaRPr lang="en-US"/>
+          </a:p>
+        </p:txBody>
+      </p:sp>
+    </p:spTree>
+    <p:extLst>
+      <p:ext uri="{BB962C8B-B14F-4D97-AF65-F5344CB8AC3E}">
+        <p14:creationId xmlns:p14="http://schemas.microsoft.com/office/powerpoint/2010/main" val="219370479"/>
+      </p:ext>
+    </p:extLst>
+  </p:cSld>
+  <p:clrMapOvr>
+    <a:masterClrMapping/>
+  </p:clrMapOvr>
+</p:notes>
+</file>
+
+<file path=ppt/notesSlides/notesSlide8.xml><?xml version="1.0" encoding="utf-8"?>
+<p:notes xmlns:a="http://schemas.openxmlformats.org/drawingml/2006/main" xmlns:r="http://schemas.openxmlformats.org/officeDocument/2006/relationships" xmlns:p="http://schemas.openxmlformats.org/presentationml/2006/main">
+  <p:cSld>
+    <p:spTree>
+      <p:nvGrpSpPr>
+        <p:cNvPr id="1" name=""/>
+        <p:cNvGrpSpPr/>
+        <p:nvPr/>
+      </p:nvGrpSpPr>
+      <p:grpSpPr>
+        <a:xfrm>
+          <a:off x="0" y="0"/>
+          <a:ext cx="0" cy="0"/>
+          <a:chOff x="0" y="0"/>
+          <a:chExt cx="0" cy="0"/>
+        </a:xfrm>
+      </p:grpSpPr>
+      <p:sp>
+        <p:nvSpPr>
+          <p:cNvPr id="2" name="Slide Image Placeholder 1"/>
+          <p:cNvSpPr>
+            <a:spLocks noGrp="1" noRot="1" noChangeAspect="1"/>
+          </p:cNvSpPr>
+          <p:nvPr>
+            <p:ph type="sldImg"/>
+          </p:nvPr>
+        </p:nvSpPr>
+        <p:spPr/>
+      </p:sp>
+      <p:sp>
+        <p:nvSpPr>
+          <p:cNvPr id="3" name="Notes Placeholder 2"/>
+          <p:cNvSpPr>
+            <a:spLocks noGrp="1"/>
+          </p:cNvSpPr>
+          <p:nvPr>
+            <p:ph type="body" idx="1"/>
+          </p:nvPr>
+        </p:nvSpPr>
+        <p:spPr/>
+        <p:txBody>
+          <a:bodyPr/>
+          <a:lstStyle/>
+          <a:p>
+            <a:endParaRPr lang="en-US" dirty="0"/>
+          </a:p>
+        </p:txBody>
+      </p:sp>
+      <p:sp>
+        <p:nvSpPr>
+          <p:cNvPr id="4" name="Slide Number Placeholder 3"/>
+          <p:cNvSpPr>
+            <a:spLocks noGrp="1"/>
+          </p:cNvSpPr>
+          <p:nvPr>
+            <p:ph type="sldNum" sz="quarter" idx="5"/>
+          </p:nvPr>
+        </p:nvSpPr>
+        <p:spPr/>
+        <p:txBody>
+          <a:bodyPr/>
+          <a:lstStyle/>
+          <a:p>
+            <a:fld id="{C2988E45-FC3C-9546-888E-7D9DF8D78262}" type="slidenum">
+              <a:rPr lang="en-US" smtClean="0"/>
+              <a:t>10</a:t>
+            </a:fld>
+            <a:endParaRPr lang="en-US"/>
+          </a:p>
+        </p:txBody>
+      </p:sp>
+    </p:spTree>
+    <p:extLst>
+      <p:ext uri="{BB962C8B-B14F-4D97-AF65-F5344CB8AC3E}">
+        <p14:creationId xmlns:p14="http://schemas.microsoft.com/office/powerpoint/2010/main" val="631772317"/>
+      </p:ext>
+    </p:extLst>
+  </p:cSld>
+  <p:clrMapOvr>
+    <a:masterClrMapping/>
+  </p:clrMapOvr>
+</p:notes>
+</file>
+
 <file path=ppt/slideLayouts/slideLayout1.xml><?xml version="1.0" encoding="utf-8"?>
 <p:sldLayout xmlns:a="http://schemas.openxmlformats.org/drawingml/2006/main" xmlns:r="http://schemas.openxmlformats.org/officeDocument/2006/relationships" xmlns:p="http://schemas.openxmlformats.org/presentationml/2006/main" type="title" preserve="1">
   <p:cSld name="标题幻灯片">
@@ -2945,7 +3449,7 @@
           <a:p>
             <a:fld id="{579A109F-2D3F-9C4A-9D94-2A63D4BBDA5A}" type="datetimeFigureOut">
               <a:rPr lang="en-US" smtClean="0"/>
-              <a:t>7/26/22</a:t>
+              <a:t>8/3/22</a:t>
             </a:fld>
             <a:endParaRPr lang="en-US"/>
           </a:p>
@@ -3115,7 +3619,7 @@
           <a:p>
             <a:fld id="{579A109F-2D3F-9C4A-9D94-2A63D4BBDA5A}" type="datetimeFigureOut">
               <a:rPr lang="en-US" smtClean="0"/>
-              <a:t>7/26/22</a:t>
+              <a:t>8/3/22</a:t>
             </a:fld>
             <a:endParaRPr lang="en-US"/>
           </a:p>
@@ -3295,7 +3799,7 @@
           <a:p>
             <a:fld id="{579A109F-2D3F-9C4A-9D94-2A63D4BBDA5A}" type="datetimeFigureOut">
               <a:rPr lang="en-US" smtClean="0"/>
-              <a:t>7/26/22</a:t>
+              <a:t>8/3/22</a:t>
             </a:fld>
             <a:endParaRPr lang="en-US"/>
           </a:p>
@@ -5421,7 +5925,7 @@
           <a:p>
             <a:fld id="{579A109F-2D3F-9C4A-9D94-2A63D4BBDA5A}" type="datetimeFigureOut">
               <a:rPr lang="en-US" smtClean="0"/>
-              <a:t>7/26/22</a:t>
+              <a:t>8/3/22</a:t>
             </a:fld>
             <a:endParaRPr lang="en-US"/>
           </a:p>
@@ -6485,7 +6989,7 @@
           </p:cNvGraphicFramePr>
           <p:nvPr>
             <p:custDataLst>
-              <p:tags r:id="rId2"/>
+              <p:tags r:id="rId1"/>
             </p:custDataLst>
           </p:nvPr>
         </p:nvGraphicFramePr>
@@ -6497,12 +7001,12 @@
           <a:graphicData uri="http://schemas.openxmlformats.org/presentationml/2006/ole">
             <mc:AlternateContent xmlns:mc="http://schemas.openxmlformats.org/markup-compatibility/2006">
               <mc:Choice xmlns:v="urn:schemas-microsoft-com:vml" Requires="v">
-                <p:oleObj spid="_x0000_s2051" name="think-cell Slide" r:id="rId4" imgW="7763510" imgH="10049510" progId="TCLayout.ActiveDocument.1">
+                <p:oleObj name="think-cell Slide" r:id="rId3" imgW="7763510" imgH="10049510" progId="TCLayout.ActiveDocument.1">
                   <p:embed/>
                 </p:oleObj>
               </mc:Choice>
               <mc:Fallback>
-                <p:oleObj name="think-cell Slide" r:id="rId4" imgW="7763510" imgH="10049510" progId="TCLayout.ActiveDocument.1">
+                <p:oleObj name="think-cell Slide" r:id="rId3" imgW="7763510" imgH="10049510" progId="TCLayout.ActiveDocument.1">
                   <p:embed/>
                   <p:pic>
                     <p:nvPicPr>
@@ -6511,7 +7015,7 @@
                       <p:nvPr/>
                     </p:nvPicPr>
                     <p:blipFill>
-                      <a:blip r:embed="rId5"/>
+                      <a:blip r:embed="rId4"/>
                       <a:stretch>
                         <a:fillRect/>
                       </a:stretch>
@@ -6541,7 +7045,7 @@
           <p:nvPr/>
         </p:nvPicPr>
         <p:blipFill>
-          <a:blip r:embed="rId6"/>
+          <a:blip r:embed="rId5"/>
           <a:stretch>
             <a:fillRect/>
           </a:stretch>
@@ -6765,7 +7269,7 @@
           <p:nvPr/>
         </p:nvPicPr>
         <p:blipFill>
-          <a:blip r:embed="rId7" cstate="print"/>
+          <a:blip r:embed="rId6" cstate="print"/>
           <a:srcRect/>
           <a:stretch>
             <a:fillRect/>
@@ -6930,7 +7434,7 @@
           <a:p>
             <a:fld id="{C508AC19-0796-4750-A574-3F640E3F84BA}" type="datetimeFigureOut">
               <a:rPr lang="zh-CN" altLang="en-US" smtClean="0"/>
-              <a:t>2022/7/26</a:t>
+              <a:t>2022/8/3</a:t>
             </a:fld>
             <a:endParaRPr lang="zh-CN" altLang="en-US"/>
           </a:p>
@@ -7116,7 +7620,7 @@
           <a:p>
             <a:fld id="{C508AC19-0796-4750-A574-3F640E3F84BA}" type="datetimeFigureOut">
               <a:rPr lang="zh-CN" altLang="en-US" smtClean="0"/>
-              <a:t>2022/7/26</a:t>
+              <a:t>2022/8/3</a:t>
             </a:fld>
             <a:endParaRPr lang="zh-CN" altLang="en-US"/>
           </a:p>
@@ -7378,7 +7882,7 @@
           <a:p>
             <a:fld id="{C508AC19-0796-4750-A574-3F640E3F84BA}" type="datetimeFigureOut">
               <a:rPr lang="zh-CN" altLang="en-US" smtClean="0"/>
-              <a:t>2022/7/26</a:t>
+              <a:t>2022/8/3</a:t>
             </a:fld>
             <a:endParaRPr lang="zh-CN" altLang="en-US"/>
           </a:p>
@@ -7626,7 +8130,7 @@
           <a:p>
             <a:fld id="{C508AC19-0796-4750-A574-3F640E3F84BA}" type="datetimeFigureOut">
               <a:rPr lang="zh-CN" altLang="en-US" smtClean="0"/>
-              <a:t>2022/7/26</a:t>
+              <a:t>2022/8/3</a:t>
             </a:fld>
             <a:endParaRPr lang="zh-CN" altLang="en-US"/>
           </a:p>
@@ -8009,7 +8513,7 @@
           <a:p>
             <a:fld id="{C508AC19-0796-4750-A574-3F640E3F84BA}" type="datetimeFigureOut">
               <a:rPr lang="zh-CN" altLang="en-US" smtClean="0"/>
-              <a:t>2022/7/26</a:t>
+              <a:t>2022/8/3</a:t>
             </a:fld>
             <a:endParaRPr lang="zh-CN" altLang="en-US"/>
           </a:p>
@@ -8271,7 +8775,7 @@
           <a:p>
             <a:fld id="{579A109F-2D3F-9C4A-9D94-2A63D4BBDA5A}" type="datetimeFigureOut">
               <a:rPr lang="en-US" smtClean="0"/>
-              <a:t>7/26/22</a:t>
+              <a:t>8/3/22</a:t>
             </a:fld>
             <a:endParaRPr lang="en-US"/>
           </a:p>
@@ -8389,7 +8893,7 @@
           <a:p>
             <a:fld id="{C508AC19-0796-4750-A574-3F640E3F84BA}" type="datetimeFigureOut">
               <a:rPr lang="zh-CN" altLang="en-US" smtClean="0"/>
-              <a:t>2022/7/26</a:t>
+              <a:t>2022/8/3</a:t>
             </a:fld>
             <a:endParaRPr lang="zh-CN" altLang="en-US"/>
           </a:p>
@@ -8500,7 +9004,7 @@
           <a:p>
             <a:fld id="{C508AC19-0796-4750-A574-3F640E3F84BA}" type="datetimeFigureOut">
               <a:rPr lang="zh-CN" altLang="en-US" smtClean="0"/>
-              <a:t>2022/7/26</a:t>
+              <a:t>2022/8/3</a:t>
             </a:fld>
             <a:endParaRPr lang="zh-CN" altLang="en-US"/>
           </a:p>
@@ -8793,7 +9297,7 @@
           <a:p>
             <a:fld id="{C508AC19-0796-4750-A574-3F640E3F84BA}" type="datetimeFigureOut">
               <a:rPr lang="zh-CN" altLang="en-US" smtClean="0"/>
-              <a:t>2022/7/26</a:t>
+              <a:t>2022/8/3</a:t>
             </a:fld>
             <a:endParaRPr lang="zh-CN" altLang="en-US"/>
           </a:p>
@@ -9066,7 +9570,7 @@
           <a:p>
             <a:fld id="{C508AC19-0796-4750-A574-3F640E3F84BA}" type="datetimeFigureOut">
               <a:rPr lang="zh-CN" altLang="en-US" smtClean="0"/>
-              <a:t>2022/7/26</a:t>
+              <a:t>2022/8/3</a:t>
             </a:fld>
             <a:endParaRPr lang="zh-CN" altLang="en-US"/>
           </a:p>
@@ -9252,7 +9756,7 @@
           <a:p>
             <a:fld id="{C508AC19-0796-4750-A574-3F640E3F84BA}" type="datetimeFigureOut">
               <a:rPr lang="zh-CN" altLang="en-US" smtClean="0"/>
-              <a:t>2022/7/26</a:t>
+              <a:t>2022/8/3</a:t>
             </a:fld>
             <a:endParaRPr lang="zh-CN" altLang="en-US"/>
           </a:p>
@@ -9448,7 +9952,7 @@
           <a:p>
             <a:fld id="{C508AC19-0796-4750-A574-3F640E3F84BA}" type="datetimeFigureOut">
               <a:rPr lang="zh-CN" altLang="en-US" smtClean="0"/>
-              <a:t>2022/7/26</a:t>
+              <a:t>2022/8/3</a:t>
             </a:fld>
             <a:endParaRPr lang="zh-CN" altLang="en-US"/>
           </a:p>
@@ -10877,7 +11381,7 @@
           <a:p>
             <a:fld id="{579A109F-2D3F-9C4A-9D94-2A63D4BBDA5A}" type="datetimeFigureOut">
               <a:rPr lang="en-US" smtClean="0"/>
-              <a:t>7/26/22</a:t>
+              <a:t>8/3/22</a:t>
             </a:fld>
             <a:endParaRPr lang="en-US"/>
           </a:p>
@@ -12747,7 +13251,7 @@
           </p:cNvGraphicFramePr>
           <p:nvPr>
             <p:custDataLst>
-              <p:tags r:id="rId2"/>
+              <p:tags r:id="rId1"/>
             </p:custDataLst>
           </p:nvPr>
         </p:nvGraphicFramePr>
@@ -12759,12 +13263,12 @@
           <a:graphicData uri="http://schemas.openxmlformats.org/presentationml/2006/ole">
             <mc:AlternateContent xmlns:mc="http://schemas.openxmlformats.org/markup-compatibility/2006">
               <mc:Choice xmlns:v="urn:schemas-microsoft-com:vml" Requires="v">
-                <p:oleObj spid="_x0000_s4099" name="think-cell Slide" r:id="rId4" imgW="7763510" imgH="10049510" progId="TCLayout.ActiveDocument.1">
+                <p:oleObj name="think-cell Slide" r:id="rId3" imgW="7763510" imgH="10049510" progId="TCLayout.ActiveDocument.1">
                   <p:embed/>
                 </p:oleObj>
               </mc:Choice>
               <mc:Fallback>
-                <p:oleObj name="think-cell Slide" r:id="rId4" imgW="7763510" imgH="10049510" progId="TCLayout.ActiveDocument.1">
+                <p:oleObj name="think-cell Slide" r:id="rId3" imgW="7763510" imgH="10049510" progId="TCLayout.ActiveDocument.1">
                   <p:embed/>
                   <p:pic>
                     <p:nvPicPr>
@@ -12773,7 +13277,7 @@
                       <p:nvPr/>
                     </p:nvPicPr>
                     <p:blipFill>
-                      <a:blip r:embed="rId5"/>
+                      <a:blip r:embed="rId4"/>
                       <a:stretch>
                         <a:fillRect/>
                       </a:stretch>
@@ -12803,7 +13307,7 @@
           <p:nvPr/>
         </p:nvPicPr>
         <p:blipFill>
-          <a:blip r:embed="rId6"/>
+          <a:blip r:embed="rId5"/>
           <a:stretch>
             <a:fillRect/>
           </a:stretch>
@@ -13027,7 +13531,7 @@
           <p:nvPr/>
         </p:nvPicPr>
         <p:blipFill>
-          <a:blip r:embed="rId7" cstate="print"/>
+          <a:blip r:embed="rId6" cstate="print"/>
           <a:srcRect/>
           <a:stretch>
             <a:fillRect/>
@@ -13192,7 +13696,7 @@
           <a:p>
             <a:fld id="{579A109F-2D3F-9C4A-9D94-2A63D4BBDA5A}" type="datetimeFigureOut">
               <a:rPr lang="en-US" smtClean="0"/>
-              <a:t>7/26/22</a:t>
+              <a:t>8/3/22</a:t>
             </a:fld>
             <a:endParaRPr lang="en-US"/>
           </a:p>
@@ -13559,7 +14063,7 @@
           <a:p>
             <a:fld id="{579A109F-2D3F-9C4A-9D94-2A63D4BBDA5A}" type="datetimeFigureOut">
               <a:rPr lang="en-US" smtClean="0"/>
-              <a:t>7/26/22</a:t>
+              <a:t>8/3/22</a:t>
             </a:fld>
             <a:endParaRPr lang="en-US"/>
           </a:p>
@@ -13729,7 +14233,7 @@
           <a:p>
             <a:fld id="{579A109F-2D3F-9C4A-9D94-2A63D4BBDA5A}" type="datetimeFigureOut">
               <a:rPr lang="en-US" smtClean="0"/>
-              <a:t>7/26/22</a:t>
+              <a:t>8/3/22</a:t>
             </a:fld>
             <a:endParaRPr lang="en-US"/>
           </a:p>
@@ -13975,7 +14479,7 @@
           <a:p>
             <a:fld id="{579A109F-2D3F-9C4A-9D94-2A63D4BBDA5A}" type="datetimeFigureOut">
               <a:rPr lang="en-US" smtClean="0"/>
-              <a:t>7/26/22</a:t>
+              <a:t>8/3/22</a:t>
             </a:fld>
             <a:endParaRPr lang="en-US"/>
           </a:p>
@@ -14207,7 +14711,7 @@
           <a:p>
             <a:fld id="{579A109F-2D3F-9C4A-9D94-2A63D4BBDA5A}" type="datetimeFigureOut">
               <a:rPr lang="en-US" smtClean="0"/>
-              <a:t>7/26/22</a:t>
+              <a:t>8/3/22</a:t>
             </a:fld>
             <a:endParaRPr lang="en-US"/>
           </a:p>
@@ -14574,7 +15078,7 @@
           <a:p>
             <a:fld id="{579A109F-2D3F-9C4A-9D94-2A63D4BBDA5A}" type="datetimeFigureOut">
               <a:rPr lang="en-US" smtClean="0"/>
-              <a:t>7/26/22</a:t>
+              <a:t>8/3/22</a:t>
             </a:fld>
             <a:endParaRPr lang="en-US"/>
           </a:p>
@@ -14692,7 +15196,7 @@
           <a:p>
             <a:fld id="{579A109F-2D3F-9C4A-9D94-2A63D4BBDA5A}" type="datetimeFigureOut">
               <a:rPr lang="en-US" smtClean="0"/>
-              <a:t>7/26/22</a:t>
+              <a:t>8/3/22</a:t>
             </a:fld>
             <a:endParaRPr lang="en-US"/>
           </a:p>
@@ -14787,7 +15291,7 @@
           <a:p>
             <a:fld id="{579A109F-2D3F-9C4A-9D94-2A63D4BBDA5A}" type="datetimeFigureOut">
               <a:rPr lang="en-US" smtClean="0"/>
-              <a:t>7/26/22</a:t>
+              <a:t>8/3/22</a:t>
             </a:fld>
             <a:endParaRPr lang="en-US"/>
           </a:p>
@@ -15064,7 +15568,7 @@
           <a:p>
             <a:fld id="{579A109F-2D3F-9C4A-9D94-2A63D4BBDA5A}" type="datetimeFigureOut">
               <a:rPr lang="en-US" smtClean="0"/>
-              <a:t>7/26/22</a:t>
+              <a:t>8/3/22</a:t>
             </a:fld>
             <a:endParaRPr lang="en-US"/>
           </a:p>
@@ -15321,7 +15825,7 @@
           <a:p>
             <a:fld id="{579A109F-2D3F-9C4A-9D94-2A63D4BBDA5A}" type="datetimeFigureOut">
               <a:rPr lang="en-US" smtClean="0"/>
-              <a:t>7/26/22</a:t>
+              <a:t>8/3/22</a:t>
             </a:fld>
             <a:endParaRPr lang="en-US"/>
           </a:p>
@@ -15491,7 +15995,7 @@
           <a:p>
             <a:fld id="{579A109F-2D3F-9C4A-9D94-2A63D4BBDA5A}" type="datetimeFigureOut">
               <a:rPr lang="en-US" smtClean="0"/>
-              <a:t>7/26/22</a:t>
+              <a:t>8/3/22</a:t>
             </a:fld>
             <a:endParaRPr lang="en-US"/>
           </a:p>
@@ -15671,7 +16175,7 @@
           <a:p>
             <a:fld id="{579A109F-2D3F-9C4A-9D94-2A63D4BBDA5A}" type="datetimeFigureOut">
               <a:rPr lang="en-US" smtClean="0"/>
-              <a:t>7/26/22</a:t>
+              <a:t>8/3/22</a:t>
             </a:fld>
             <a:endParaRPr lang="en-US"/>
           </a:p>
@@ -15789,7 +16293,7 @@
           <a:p>
             <a:fld id="{579A109F-2D3F-9C4A-9D94-2A63D4BBDA5A}" type="datetimeFigureOut">
               <a:rPr lang="en-US" smtClean="0"/>
-              <a:t>7/26/22</a:t>
+              <a:t>8/3/22</a:t>
             </a:fld>
             <a:endParaRPr lang="en-US"/>
           </a:p>
@@ -18286,7 +18790,7 @@
           <a:p>
             <a:fld id="{579A109F-2D3F-9C4A-9D94-2A63D4BBDA5A}" type="datetimeFigureOut">
               <a:rPr lang="en-US" smtClean="0"/>
-              <a:t>7/26/22</a:t>
+              <a:t>8/3/22</a:t>
             </a:fld>
             <a:endParaRPr lang="en-US"/>
           </a:p>
@@ -18904,7 +19408,7 @@
           </p:cNvGraphicFramePr>
           <p:nvPr>
             <p:custDataLst>
-              <p:tags r:id="rId2"/>
+              <p:tags r:id="rId1"/>
             </p:custDataLst>
           </p:nvPr>
         </p:nvGraphicFramePr>
@@ -18916,12 +19420,12 @@
           <a:graphicData uri="http://schemas.openxmlformats.org/presentationml/2006/ole">
             <mc:AlternateContent xmlns:mc="http://schemas.openxmlformats.org/markup-compatibility/2006">
               <mc:Choice xmlns:v="urn:schemas-microsoft-com:vml" Requires="v">
-                <p:oleObj spid="_x0000_s6147" name="think-cell Slide" r:id="rId4" imgW="7763510" imgH="10049510" progId="TCLayout.ActiveDocument.1">
+                <p:oleObj name="think-cell Slide" r:id="rId3" imgW="7763510" imgH="10049510" progId="TCLayout.ActiveDocument.1">
                   <p:embed/>
                 </p:oleObj>
               </mc:Choice>
               <mc:Fallback>
-                <p:oleObj name="think-cell Slide" r:id="rId4" imgW="7763510" imgH="10049510" progId="TCLayout.ActiveDocument.1">
+                <p:oleObj name="think-cell Slide" r:id="rId3" imgW="7763510" imgH="10049510" progId="TCLayout.ActiveDocument.1">
                   <p:embed/>
                   <p:pic>
                     <p:nvPicPr>
@@ -18930,7 +19434,7 @@
                       <p:nvPr/>
                     </p:nvPicPr>
                     <p:blipFill>
-                      <a:blip r:embed="rId5"/>
+                      <a:blip r:embed="rId4"/>
                       <a:stretch>
                         <a:fillRect/>
                       </a:stretch>
@@ -18960,7 +19464,7 @@
           <p:nvPr/>
         </p:nvPicPr>
         <p:blipFill>
-          <a:blip r:embed="rId6"/>
+          <a:blip r:embed="rId5"/>
           <a:stretch>
             <a:fillRect/>
           </a:stretch>
@@ -19184,7 +19688,7 @@
           <p:nvPr/>
         </p:nvPicPr>
         <p:blipFill>
-          <a:blip r:embed="rId7" cstate="print"/>
+          <a:blip r:embed="rId6" cstate="print"/>
           <a:srcRect/>
           <a:stretch>
             <a:fillRect/>
@@ -19434,7 +19938,7 @@
           <a:p>
             <a:fld id="{579A109F-2D3F-9C4A-9D94-2A63D4BBDA5A}" type="datetimeFigureOut">
               <a:rPr lang="en-US" smtClean="0"/>
-              <a:t>7/26/22</a:t>
+              <a:t>8/3/22</a:t>
             </a:fld>
             <a:endParaRPr lang="en-US"/>
           </a:p>
@@ -19691,7 +20195,7 @@
           <a:p>
             <a:fld id="{579A109F-2D3F-9C4A-9D94-2A63D4BBDA5A}" type="datetimeFigureOut">
               <a:rPr lang="en-US" smtClean="0"/>
-              <a:t>7/26/22</a:t>
+              <a:t>8/3/22</a:t>
             </a:fld>
             <a:endParaRPr lang="en-US"/>
           </a:p>
@@ -19902,7 +20406,7 @@
           <a:p>
             <a:fld id="{579A109F-2D3F-9C4A-9D94-2A63D4BBDA5A}" type="datetimeFigureOut">
               <a:rPr lang="en-US" smtClean="0"/>
-              <a:t>7/26/22</a:t>
+              <a:t>8/3/22</a:t>
             </a:fld>
             <a:endParaRPr lang="en-US"/>
           </a:p>
@@ -20326,7 +20830,7 @@
           </p:cNvGraphicFramePr>
           <p:nvPr>
             <p:custDataLst>
-              <p:tags r:id="rId13"/>
+              <p:tags r:id="rId12"/>
             </p:custDataLst>
           </p:nvPr>
         </p:nvGraphicFramePr>
@@ -20338,12 +20842,12 @@
           <a:graphicData uri="http://schemas.openxmlformats.org/presentationml/2006/ole">
             <mc:AlternateContent xmlns:mc="http://schemas.openxmlformats.org/markup-compatibility/2006">
               <mc:Choice xmlns:v="urn:schemas-microsoft-com:vml" Requires="v">
-                <p:oleObj spid="_x0000_s1027" name="think-cell Slide" r:id="rId14" imgW="0" imgH="0" progId="TCLayout.ActiveDocument.1">
+                <p:oleObj name="think-cell Slide" r:id="rId13" imgW="0" imgH="0" progId="TCLayout.ActiveDocument.1">
                   <p:embed/>
                 </p:oleObj>
               </mc:Choice>
               <mc:Fallback>
-                <p:oleObj name="think-cell Slide" r:id="rId14" imgW="0" imgH="0" progId="TCLayout.ActiveDocument.1">
+                <p:oleObj name="think-cell Slide" r:id="rId13" imgW="0" imgH="0" progId="TCLayout.ActiveDocument.1">
                   <p:embed/>
                   <p:pic>
                     <p:nvPicPr>
@@ -20352,7 +20856,7 @@
                       <p:nvPr/>
                     </p:nvPicPr>
                     <p:blipFill>
-                      <a:blip r:embed="rId15"/>
+                      <a:blip r:embed="rId14"/>
                       <a:stretch>
                         <a:fillRect/>
                       </a:stretch>
@@ -21082,7 +21586,7 @@
           <a:p>
             <a:fld id="{579A109F-2D3F-9C4A-9D94-2A63D4BBDA5A}" type="datetimeFigureOut">
               <a:rPr lang="en-US" smtClean="0"/>
-              <a:t>7/26/22</a:t>
+              <a:t>8/3/22</a:t>
             </a:fld>
             <a:endParaRPr lang="en-US"/>
           </a:p>
@@ -21506,7 +22010,7 @@
           </p:cNvGraphicFramePr>
           <p:nvPr>
             <p:custDataLst>
-              <p:tags r:id="rId13"/>
+              <p:tags r:id="rId12"/>
             </p:custDataLst>
           </p:nvPr>
         </p:nvGraphicFramePr>
@@ -21518,12 +22022,12 @@
           <a:graphicData uri="http://schemas.openxmlformats.org/presentationml/2006/ole">
             <mc:AlternateContent xmlns:mc="http://schemas.openxmlformats.org/markup-compatibility/2006">
               <mc:Choice xmlns:v="urn:schemas-microsoft-com:vml" Requires="v">
-                <p:oleObj spid="_x0000_s3075" name="think-cell Slide" r:id="rId14" imgW="0" imgH="0" progId="TCLayout.ActiveDocument.1">
+                <p:oleObj name="think-cell Slide" r:id="rId13" imgW="0" imgH="0" progId="TCLayout.ActiveDocument.1">
                   <p:embed/>
                 </p:oleObj>
               </mc:Choice>
               <mc:Fallback>
-                <p:oleObj name="think-cell Slide" r:id="rId14" imgW="0" imgH="0" progId="TCLayout.ActiveDocument.1">
+                <p:oleObj name="think-cell Slide" r:id="rId13" imgW="0" imgH="0" progId="TCLayout.ActiveDocument.1">
                   <p:embed/>
                   <p:pic>
                     <p:nvPicPr>
@@ -21532,7 +22036,7 @@
                       <p:nvPr/>
                     </p:nvPicPr>
                     <p:blipFill>
-                      <a:blip r:embed="rId15"/>
+                      <a:blip r:embed="rId14"/>
                       <a:stretch>
                         <a:fillRect/>
                       </a:stretch>
@@ -22262,7 +22766,7 @@
           <a:p>
             <a:fld id="{579A109F-2D3F-9C4A-9D94-2A63D4BBDA5A}" type="datetimeFigureOut">
               <a:rPr lang="en-US" smtClean="0"/>
-              <a:t>7/26/22</a:t>
+              <a:t>8/3/22</a:t>
             </a:fld>
             <a:endParaRPr lang="en-US"/>
           </a:p>
@@ -22686,7 +23190,7 @@
           </p:cNvGraphicFramePr>
           <p:nvPr>
             <p:custDataLst>
-              <p:tags r:id="rId13"/>
+              <p:tags r:id="rId12"/>
             </p:custDataLst>
           </p:nvPr>
         </p:nvGraphicFramePr>
@@ -22698,12 +23202,12 @@
           <a:graphicData uri="http://schemas.openxmlformats.org/presentationml/2006/ole">
             <mc:AlternateContent xmlns:mc="http://schemas.openxmlformats.org/markup-compatibility/2006">
               <mc:Choice xmlns:v="urn:schemas-microsoft-com:vml" Requires="v">
-                <p:oleObj spid="_x0000_s5123" name="think-cell Slide" r:id="rId14" imgW="0" imgH="0" progId="TCLayout.ActiveDocument.1">
+                <p:oleObj name="think-cell Slide" r:id="rId13" imgW="0" imgH="0" progId="TCLayout.ActiveDocument.1">
                   <p:embed/>
                 </p:oleObj>
               </mc:Choice>
               <mc:Fallback>
-                <p:oleObj name="think-cell Slide" r:id="rId14" imgW="0" imgH="0" progId="TCLayout.ActiveDocument.1">
+                <p:oleObj name="think-cell Slide" r:id="rId13" imgW="0" imgH="0" progId="TCLayout.ActiveDocument.1">
                   <p:embed/>
                   <p:pic>
                     <p:nvPicPr>
@@ -22712,7 +23216,7 @@
                       <p:nvPr/>
                     </p:nvPicPr>
                     <p:blipFill>
-                      <a:blip r:embed="rId15"/>
+                      <a:blip r:embed="rId14"/>
                       <a:stretch>
                         <a:fillRect/>
                       </a:stretch>
@@ -23323,8 +23827,8 @@
         </p:nvSpPr>
         <p:spPr>
           <a:xfrm>
-            <a:off x="-145438" y="2571982"/>
-            <a:ext cx="8465524" cy="1501085"/>
+            <a:off x="360218" y="2571982"/>
+            <a:ext cx="7959868" cy="1501085"/>
           </a:xfrm>
           <a:prstGeom prst="rect">
             <a:avLst/>
@@ -23581,6 +24085,230 @@
     <p:extLst>
       <p:ext uri="{BB962C8B-B14F-4D97-AF65-F5344CB8AC3E}">
         <p14:creationId xmlns:p14="http://schemas.microsoft.com/office/powerpoint/2010/main" val="4205982310"/>
+      </p:ext>
+    </p:extLst>
+  </p:cSld>
+  <p:clrMapOvr>
+    <a:masterClrMapping/>
+  </p:clrMapOvr>
+</p:sld>
+</file>
+
+<file path=ppt/slides/slide10.xml><?xml version="1.0" encoding="utf-8"?>
+<p:sld xmlns:a="http://schemas.openxmlformats.org/drawingml/2006/main" xmlns:r="http://schemas.openxmlformats.org/officeDocument/2006/relationships" xmlns:p="http://schemas.openxmlformats.org/presentationml/2006/main">
+  <p:cSld>
+    <p:spTree>
+      <p:nvGrpSpPr>
+        <p:cNvPr id="1" name=""/>
+        <p:cNvGrpSpPr/>
+        <p:nvPr/>
+      </p:nvGrpSpPr>
+      <p:grpSpPr>
+        <a:xfrm>
+          <a:off x="0" y="0"/>
+          <a:ext cx="0" cy="0"/>
+          <a:chOff x="0" y="0"/>
+          <a:chExt cx="0" cy="0"/>
+        </a:xfrm>
+      </p:grpSpPr>
+      <p:sp>
+        <p:nvSpPr>
+          <p:cNvPr id="2" name="Title 1">
+            <a:extLst>
+              <a:ext uri="{FF2B5EF4-FFF2-40B4-BE49-F238E27FC236}">
+                <a16:creationId xmlns:a16="http://schemas.microsoft.com/office/drawing/2014/main" id="{83D41F3B-3683-E6A9-52A1-FCEF86BA6F27}"/>
+              </a:ext>
+            </a:extLst>
+          </p:cNvPr>
+          <p:cNvSpPr>
+            <a:spLocks noGrp="1"/>
+          </p:cNvSpPr>
+          <p:nvPr>
+            <p:ph type="title"/>
+          </p:nvPr>
+        </p:nvSpPr>
+        <p:spPr>
+          <a:xfrm>
+            <a:off x="535343" y="2844226"/>
+            <a:ext cx="9536418" cy="584774"/>
+          </a:xfrm>
+        </p:spPr>
+        <p:txBody>
+          <a:bodyPr/>
+          <a:lstStyle/>
+          <a:p>
+            <a:pPr algn="ctr"/>
+            <a:r>
+              <a:rPr lang="en-US" dirty="0">
+                <a:latin typeface="Calibri" panose="020F0502020204030204" pitchFamily="34" charset="0"/>
+                <a:cs typeface="Calibri" panose="020F0502020204030204" pitchFamily="34" charset="0"/>
+              </a:rPr>
+              <a:t>Thanks everybody!!</a:t>
+            </a:r>
+          </a:p>
+        </p:txBody>
+      </p:sp>
+      <p:sp>
+        <p:nvSpPr>
+          <p:cNvPr id="4" name="Text Placeholder 3">
+            <a:extLst>
+              <a:ext uri="{FF2B5EF4-FFF2-40B4-BE49-F238E27FC236}">
+                <a16:creationId xmlns:a16="http://schemas.microsoft.com/office/drawing/2014/main" id="{AABD4BC1-EB92-2AAA-359C-BF2066C24D47}"/>
+              </a:ext>
+            </a:extLst>
+          </p:cNvPr>
+          <p:cNvSpPr>
+            <a:spLocks noGrp="1"/>
+          </p:cNvSpPr>
+          <p:nvPr>
+            <p:ph type="body" sz="quarter" idx="23"/>
+          </p:nvPr>
+        </p:nvSpPr>
+        <p:spPr/>
+        <p:txBody>
+          <a:bodyPr/>
+          <a:lstStyle/>
+          <a:p>
+            <a:endParaRPr lang="en-US" dirty="0"/>
+          </a:p>
+        </p:txBody>
+      </p:sp>
+      <p:sp>
+        <p:nvSpPr>
+          <p:cNvPr id="3" name="Slide Number Placeholder 5">
+            <a:extLst>
+              <a:ext uri="{FF2B5EF4-FFF2-40B4-BE49-F238E27FC236}">
+                <a16:creationId xmlns:a16="http://schemas.microsoft.com/office/drawing/2014/main" id="{331AE1B9-2BEB-852D-0570-8D2EA351C0F8}"/>
+              </a:ext>
+            </a:extLst>
+          </p:cNvPr>
+          <p:cNvSpPr txBox="1">
+            <a:spLocks/>
+          </p:cNvSpPr>
+          <p:nvPr/>
+        </p:nvSpPr>
+        <p:spPr>
+          <a:xfrm>
+            <a:off x="8610600" y="6356350"/>
+            <a:ext cx="2743200" cy="365125"/>
+          </a:xfrm>
+          <a:prstGeom prst="rect">
+            <a:avLst/>
+          </a:prstGeom>
+        </p:spPr>
+        <p:txBody>
+          <a:bodyPr vert="horz" lIns="91440" tIns="45720" rIns="91440" bIns="45720" rtlCol="0" anchor="ctr"/>
+          <a:lstStyle>
+            <a:defPPr>
+              <a:defRPr lang="zh-CN"/>
+            </a:defPPr>
+            <a:lvl1pPr marL="0" algn="r" defTabSz="914400" rtl="0" eaLnBrk="1" latinLnBrk="0" hangingPunct="1">
+              <a:defRPr sz="1200" kern="1200">
+                <a:solidFill>
+                  <a:schemeClr val="tx1">
+                    <a:tint val="75000"/>
+                  </a:schemeClr>
+                </a:solidFill>
+                <a:latin typeface="+mn-lt"/>
+                <a:ea typeface="+mn-ea"/>
+                <a:cs typeface="+mn-cs"/>
+              </a:defRPr>
+            </a:lvl1pPr>
+            <a:lvl2pPr marL="457200" algn="l" defTabSz="914400" rtl="0" eaLnBrk="1" latinLnBrk="0" hangingPunct="1">
+              <a:defRPr sz="1800" kern="1200">
+                <a:solidFill>
+                  <a:schemeClr val="tx1"/>
+                </a:solidFill>
+                <a:latin typeface="+mn-lt"/>
+                <a:ea typeface="+mn-ea"/>
+                <a:cs typeface="+mn-cs"/>
+              </a:defRPr>
+            </a:lvl2pPr>
+            <a:lvl3pPr marL="914400" algn="l" defTabSz="914400" rtl="0" eaLnBrk="1" latinLnBrk="0" hangingPunct="1">
+              <a:defRPr sz="1800" kern="1200">
+                <a:solidFill>
+                  <a:schemeClr val="tx1"/>
+                </a:solidFill>
+                <a:latin typeface="+mn-lt"/>
+                <a:ea typeface="+mn-ea"/>
+                <a:cs typeface="+mn-cs"/>
+              </a:defRPr>
+            </a:lvl3pPr>
+            <a:lvl4pPr marL="1371600" algn="l" defTabSz="914400" rtl="0" eaLnBrk="1" latinLnBrk="0" hangingPunct="1">
+              <a:defRPr sz="1800" kern="1200">
+                <a:solidFill>
+                  <a:schemeClr val="tx1"/>
+                </a:solidFill>
+                <a:latin typeface="+mn-lt"/>
+                <a:ea typeface="+mn-ea"/>
+                <a:cs typeface="+mn-cs"/>
+              </a:defRPr>
+            </a:lvl4pPr>
+            <a:lvl5pPr marL="1828800" algn="l" defTabSz="914400" rtl="0" eaLnBrk="1" latinLnBrk="0" hangingPunct="1">
+              <a:defRPr sz="1800" kern="1200">
+                <a:solidFill>
+                  <a:schemeClr val="tx1"/>
+                </a:solidFill>
+                <a:latin typeface="+mn-lt"/>
+                <a:ea typeface="+mn-ea"/>
+                <a:cs typeface="+mn-cs"/>
+              </a:defRPr>
+            </a:lvl5pPr>
+            <a:lvl6pPr marL="2286000" algn="l" defTabSz="914400" rtl="0" eaLnBrk="1" latinLnBrk="0" hangingPunct="1">
+              <a:defRPr sz="1800" kern="1200">
+                <a:solidFill>
+                  <a:schemeClr val="tx1"/>
+                </a:solidFill>
+                <a:latin typeface="+mn-lt"/>
+                <a:ea typeface="+mn-ea"/>
+                <a:cs typeface="+mn-cs"/>
+              </a:defRPr>
+            </a:lvl6pPr>
+            <a:lvl7pPr marL="2743200" algn="l" defTabSz="914400" rtl="0" eaLnBrk="1" latinLnBrk="0" hangingPunct="1">
+              <a:defRPr sz="1800" kern="1200">
+                <a:solidFill>
+                  <a:schemeClr val="tx1"/>
+                </a:solidFill>
+                <a:latin typeface="+mn-lt"/>
+                <a:ea typeface="+mn-ea"/>
+                <a:cs typeface="+mn-cs"/>
+              </a:defRPr>
+            </a:lvl7pPr>
+            <a:lvl8pPr marL="3200400" algn="l" defTabSz="914400" rtl="0" eaLnBrk="1" latinLnBrk="0" hangingPunct="1">
+              <a:defRPr sz="1800" kern="1200">
+                <a:solidFill>
+                  <a:schemeClr val="tx1"/>
+                </a:solidFill>
+                <a:latin typeface="+mn-lt"/>
+                <a:ea typeface="+mn-ea"/>
+                <a:cs typeface="+mn-cs"/>
+              </a:defRPr>
+            </a:lvl8pPr>
+            <a:lvl9pPr marL="3657600" algn="l" defTabSz="914400" rtl="0" eaLnBrk="1" latinLnBrk="0" hangingPunct="1">
+              <a:defRPr sz="1800" kern="1200">
+                <a:solidFill>
+                  <a:schemeClr val="tx1"/>
+                </a:solidFill>
+                <a:latin typeface="+mn-lt"/>
+                <a:ea typeface="+mn-ea"/>
+                <a:cs typeface="+mn-cs"/>
+              </a:defRPr>
+            </a:lvl9pPr>
+          </a:lstStyle>
+          <a:p>
+            <a:fld id="{9478C395-1283-4E41-8724-2D9F689566D8}" type="slidenum">
+              <a:rPr lang="en-SG" smtClean="0"/>
+              <a:pPr/>
+              <a:t>10</a:t>
+            </a:fld>
+            <a:endParaRPr lang="en-SG" dirty="0"/>
+          </a:p>
+        </p:txBody>
+      </p:sp>
+    </p:spTree>
+    <p:extLst>
+      <p:ext uri="{BB962C8B-B14F-4D97-AF65-F5344CB8AC3E}">
+        <p14:creationId xmlns:p14="http://schemas.microsoft.com/office/powerpoint/2010/main" val="3907848046"/>
       </p:ext>
     </p:extLst>
   </p:cSld>
@@ -23678,7 +24406,7 @@
         <p:spPr>
           <a:xfrm>
             <a:off x="616812" y="1182105"/>
-            <a:ext cx="10294070" cy="3277820"/>
+            <a:ext cx="10294070" cy="4693593"/>
           </a:xfrm>
           <a:prstGeom prst="rect">
             <a:avLst/>
@@ -23709,14 +24437,11 @@
               <a:buFont typeface="+mj-lt"/>
               <a:buAutoNum type="arabicParenR"/>
             </a:pPr>
-            <a:r>
-              <a:rPr lang="en-US" altLang="zh-CN" sz="2300" dirty="0">
-                <a:solidFill>
-                  <a:srgbClr val="002060"/>
-                </a:solidFill>
-              </a:rPr>
-              <a:t>2 important MOs of ATO;</a:t>
-            </a:r>
+            <a:endParaRPr lang="en-US" altLang="zh-CN" sz="2300" dirty="0">
+              <a:solidFill>
+                <a:srgbClr val="002060"/>
+              </a:solidFill>
+            </a:endParaRPr>
           </a:p>
           <a:p>
             <a:pPr marL="457200" indent="-457200">
@@ -23729,7 +24454,7 @@
                   <a:srgbClr val="002060"/>
                 </a:solidFill>
               </a:rPr>
-              <a:t>Big picture for ATO detection; [top-down]</a:t>
+              <a:t>2 important MOs of ATO;</a:t>
             </a:r>
           </a:p>
           <a:p>
@@ -23737,6 +24462,42 @@
               <a:buFont typeface="+mj-lt"/>
               <a:buAutoNum type="arabicParenR"/>
             </a:pPr>
+            <a:endParaRPr lang="en-US" altLang="zh-CN" sz="2300" dirty="0">
+              <a:solidFill>
+                <a:srgbClr val="002060"/>
+              </a:solidFill>
+            </a:endParaRPr>
+          </a:p>
+          <a:p>
+            <a:pPr marL="457200" indent="-457200">
+              <a:buFont typeface="+mj-lt"/>
+              <a:buAutoNum type="arabicParenR"/>
+            </a:pPr>
+            <a:r>
+              <a:rPr lang="en-US" altLang="zh-CN" sz="2300" dirty="0">
+                <a:solidFill>
+                  <a:srgbClr val="002060"/>
+                </a:solidFill>
+              </a:rPr>
+              <a:t>Big picture for ATO detection; </a:t>
+            </a:r>
+          </a:p>
+          <a:p>
+            <a:pPr marL="457200" indent="-457200">
+              <a:buFont typeface="+mj-lt"/>
+              <a:buAutoNum type="arabicParenR"/>
+            </a:pPr>
+            <a:endParaRPr lang="en-US" altLang="zh-CN" sz="2300" dirty="0">
+              <a:solidFill>
+                <a:srgbClr val="002060"/>
+              </a:solidFill>
+            </a:endParaRPr>
+          </a:p>
+          <a:p>
+            <a:pPr marL="457200" indent="-457200">
+              <a:buFont typeface="+mj-lt"/>
+              <a:buAutoNum type="arabicParenR"/>
+            </a:pPr>
             <a:r>
               <a:rPr lang="en-US" altLang="zh-CN" sz="2300" dirty="0">
                 <a:solidFill>
@@ -23775,6 +24536,17 @@
             </a:r>
           </a:p>
           <a:p>
+            <a:pPr marL="914400" lvl="1" indent="-457200">
+              <a:buFont typeface="Arial" panose="020B0604020202020204" pitchFamily="34" charset="0"/>
+              <a:buChar char="•"/>
+            </a:pPr>
+            <a:endParaRPr lang="en-US" altLang="zh-CN" sz="2300" dirty="0">
+              <a:solidFill>
+                <a:srgbClr val="002060"/>
+              </a:solidFill>
+            </a:endParaRPr>
+          </a:p>
+          <a:p>
             <a:pPr marL="457200" indent="-457200">
               <a:buFont typeface="+mj-lt"/>
               <a:buAutoNum type="arabicParenR"/>
@@ -23785,7 +24557,7 @@
                   <a:srgbClr val="002060"/>
                 </a:solidFill>
               </a:rPr>
-              <a:t>Future plan;</a:t>
+              <a:t>Thanks;</a:t>
             </a:r>
           </a:p>
           <a:p>
@@ -23805,6 +24577,138 @@
                 <a:srgbClr val="002060"/>
               </a:solidFill>
             </a:endParaRPr>
+          </a:p>
+        </p:txBody>
+      </p:sp>
+      <p:sp>
+        <p:nvSpPr>
+          <p:cNvPr id="3" name="Slide Number Placeholder 5">
+            <a:extLst>
+              <a:ext uri="{FF2B5EF4-FFF2-40B4-BE49-F238E27FC236}">
+                <a16:creationId xmlns:a16="http://schemas.microsoft.com/office/drawing/2014/main" id="{331AE1B9-2BEB-852D-0570-8D2EA351C0F8}"/>
+              </a:ext>
+            </a:extLst>
+          </p:cNvPr>
+          <p:cNvSpPr txBox="1">
+            <a:spLocks/>
+          </p:cNvSpPr>
+          <p:nvPr/>
+        </p:nvSpPr>
+        <p:spPr>
+          <a:xfrm>
+            <a:off x="8610600" y="6356350"/>
+            <a:ext cx="2743200" cy="365125"/>
+          </a:xfrm>
+          <a:prstGeom prst="rect">
+            <a:avLst/>
+          </a:prstGeom>
+        </p:spPr>
+        <p:txBody>
+          <a:bodyPr vert="horz" lIns="91440" tIns="45720" rIns="91440" bIns="45720" rtlCol="0" anchor="ctr"/>
+          <a:lstStyle>
+            <a:defPPr>
+              <a:defRPr lang="zh-CN"/>
+            </a:defPPr>
+            <a:lvl1pPr marL="0" algn="r" defTabSz="914400" rtl="0" eaLnBrk="1" latinLnBrk="0" hangingPunct="1">
+              <a:defRPr sz="1200" kern="1200">
+                <a:solidFill>
+                  <a:schemeClr val="tx1">
+                    <a:tint val="75000"/>
+                  </a:schemeClr>
+                </a:solidFill>
+                <a:latin typeface="+mn-lt"/>
+                <a:ea typeface="+mn-ea"/>
+                <a:cs typeface="+mn-cs"/>
+              </a:defRPr>
+            </a:lvl1pPr>
+            <a:lvl2pPr marL="457200" algn="l" defTabSz="914400" rtl="0" eaLnBrk="1" latinLnBrk="0" hangingPunct="1">
+              <a:defRPr sz="1800" kern="1200">
+                <a:solidFill>
+                  <a:schemeClr val="tx1"/>
+                </a:solidFill>
+                <a:latin typeface="+mn-lt"/>
+                <a:ea typeface="+mn-ea"/>
+                <a:cs typeface="+mn-cs"/>
+              </a:defRPr>
+            </a:lvl2pPr>
+            <a:lvl3pPr marL="914400" algn="l" defTabSz="914400" rtl="0" eaLnBrk="1" latinLnBrk="0" hangingPunct="1">
+              <a:defRPr sz="1800" kern="1200">
+                <a:solidFill>
+                  <a:schemeClr val="tx1"/>
+                </a:solidFill>
+                <a:latin typeface="+mn-lt"/>
+                <a:ea typeface="+mn-ea"/>
+                <a:cs typeface="+mn-cs"/>
+              </a:defRPr>
+            </a:lvl3pPr>
+            <a:lvl4pPr marL="1371600" algn="l" defTabSz="914400" rtl="0" eaLnBrk="1" latinLnBrk="0" hangingPunct="1">
+              <a:defRPr sz="1800" kern="1200">
+                <a:solidFill>
+                  <a:schemeClr val="tx1"/>
+                </a:solidFill>
+                <a:latin typeface="+mn-lt"/>
+                <a:ea typeface="+mn-ea"/>
+                <a:cs typeface="+mn-cs"/>
+              </a:defRPr>
+            </a:lvl4pPr>
+            <a:lvl5pPr marL="1828800" algn="l" defTabSz="914400" rtl="0" eaLnBrk="1" latinLnBrk="0" hangingPunct="1">
+              <a:defRPr sz="1800" kern="1200">
+                <a:solidFill>
+                  <a:schemeClr val="tx1"/>
+                </a:solidFill>
+                <a:latin typeface="+mn-lt"/>
+                <a:ea typeface="+mn-ea"/>
+                <a:cs typeface="+mn-cs"/>
+              </a:defRPr>
+            </a:lvl5pPr>
+            <a:lvl6pPr marL="2286000" algn="l" defTabSz="914400" rtl="0" eaLnBrk="1" latinLnBrk="0" hangingPunct="1">
+              <a:defRPr sz="1800" kern="1200">
+                <a:solidFill>
+                  <a:schemeClr val="tx1"/>
+                </a:solidFill>
+                <a:latin typeface="+mn-lt"/>
+                <a:ea typeface="+mn-ea"/>
+                <a:cs typeface="+mn-cs"/>
+              </a:defRPr>
+            </a:lvl6pPr>
+            <a:lvl7pPr marL="2743200" algn="l" defTabSz="914400" rtl="0" eaLnBrk="1" latinLnBrk="0" hangingPunct="1">
+              <a:defRPr sz="1800" kern="1200">
+                <a:solidFill>
+                  <a:schemeClr val="tx1"/>
+                </a:solidFill>
+                <a:latin typeface="+mn-lt"/>
+                <a:ea typeface="+mn-ea"/>
+                <a:cs typeface="+mn-cs"/>
+              </a:defRPr>
+            </a:lvl7pPr>
+            <a:lvl8pPr marL="3200400" algn="l" defTabSz="914400" rtl="0" eaLnBrk="1" latinLnBrk="0" hangingPunct="1">
+              <a:defRPr sz="1800" kern="1200">
+                <a:solidFill>
+                  <a:schemeClr val="tx1"/>
+                </a:solidFill>
+                <a:latin typeface="+mn-lt"/>
+                <a:ea typeface="+mn-ea"/>
+                <a:cs typeface="+mn-cs"/>
+              </a:defRPr>
+            </a:lvl8pPr>
+            <a:lvl9pPr marL="3657600" algn="l" defTabSz="914400" rtl="0" eaLnBrk="1" latinLnBrk="0" hangingPunct="1">
+              <a:defRPr sz="1800" kern="1200">
+                <a:solidFill>
+                  <a:schemeClr val="tx1"/>
+                </a:solidFill>
+                <a:latin typeface="+mn-lt"/>
+                <a:ea typeface="+mn-ea"/>
+                <a:cs typeface="+mn-cs"/>
+              </a:defRPr>
+            </a:lvl9pPr>
+          </a:lstStyle>
+          <a:p>
+            <a:fld id="{9478C395-1283-4E41-8724-2D9F689566D8}" type="slidenum">
+              <a:rPr lang="en-SG" smtClean="0"/>
+              <a:pPr/>
+              <a:t>2</a:t>
+            </a:fld>
+            <a:endParaRPr lang="en-SG" dirty="0"/>
           </a:p>
         </p:txBody>
       </p:sp>
@@ -24160,7 +25064,23 @@
                   <a:srgbClr val="002060"/>
                 </a:solidFill>
               </a:rPr>
-              <a:t>ATO definition: Fake-owners use all tricks to achieve true-owners’ accounts;</a:t>
+              <a:t>ATO definition: </a:t>
+            </a:r>
+            <a:r>
+              <a:rPr lang="en-US" altLang="zh-CN" sz="2300" b="1" u="sng" dirty="0">
+                <a:solidFill>
+                  <a:srgbClr val="002060"/>
+                </a:solidFill>
+              </a:rPr>
+              <a:t>Fake-owners</a:t>
+            </a:r>
+            <a:r>
+              <a:rPr lang="en-US" altLang="zh-CN" sz="2300" dirty="0">
+                <a:solidFill>
+                  <a:srgbClr val="002060"/>
+                </a:solidFill>
+              </a:rPr>
+              <a:t> use all tricks to achieve true-owners’ accounts.</a:t>
             </a:r>
           </a:p>
           <a:p>
@@ -24177,7 +25097,7 @@
               <a:t>Aim: Use true-owners’ money to </a:t>
             </a:r>
             <a:r>
-              <a:rPr lang="en-US" altLang="zh-CN" sz="2300" b="1" dirty="0">
+              <a:rPr lang="en-US" altLang="zh-CN" sz="2300" b="1" u="sng" dirty="0">
                 <a:solidFill>
                   <a:srgbClr val="002060"/>
                 </a:solidFill>
@@ -24190,7 +25110,7 @@
                   <a:srgbClr val="002060"/>
                 </a:solidFill>
               </a:rPr>
-              <a:t>;</a:t>
+              <a:t>.</a:t>
             </a:r>
           </a:p>
           <a:p>
@@ -24253,7 +25173,7 @@
           <p:nvPr>
             <p:extLst>
               <p:ext uri="{D42A27DB-BD31-4B8C-83A1-F6EECF244321}">
-                <p14:modId xmlns:p14="http://schemas.microsoft.com/office/powerpoint/2010/main" val="4167946809"/>
+                <p14:modId xmlns:p14="http://schemas.microsoft.com/office/powerpoint/2010/main" val="3034357304"/>
               </p:ext>
             </p:extLst>
           </p:nvPr>
@@ -24283,7 +25203,7 @@
           <p:nvPr>
             <p:extLst>
               <p:ext uri="{D42A27DB-BD31-4B8C-83A1-F6EECF244321}">
-                <p14:modId xmlns:p14="http://schemas.microsoft.com/office/powerpoint/2010/main" val="3330192566"/>
+                <p14:modId xmlns:p14="http://schemas.microsoft.com/office/powerpoint/2010/main" val="3643123168"/>
               </p:ext>
             </p:extLst>
           </p:nvPr>
@@ -24330,10 +25250,10 @@
       </p:grpSpPr>
       <p:sp>
         <p:nvSpPr>
-          <p:cNvPr id="2" name="Title 1">
+          <p:cNvPr id="5" name="Title 1">
             <a:extLst>
               <a:ext uri="{FF2B5EF4-FFF2-40B4-BE49-F238E27FC236}">
-                <a16:creationId xmlns:a16="http://schemas.microsoft.com/office/drawing/2014/main" id="{1B81F65C-DA2B-CC44-068D-88B05E3F5097}"/>
+                <a16:creationId xmlns:a16="http://schemas.microsoft.com/office/drawing/2014/main" id="{57B45A40-73F9-D8DE-7B52-8C93DFAAA558}"/>
               </a:ext>
             </a:extLst>
           </p:cNvPr>
@@ -24344,62 +25264,1550 @@
             <p:ph type="title"/>
           </p:nvPr>
         </p:nvSpPr>
-        <p:spPr/>
+        <p:spPr>
+          <a:xfrm>
+            <a:off x="440340" y="280194"/>
+            <a:ext cx="9536418" cy="584774"/>
+          </a:xfrm>
+        </p:spPr>
         <p:txBody>
           <a:bodyPr/>
           <a:lstStyle/>
           <a:p>
-            <a:endParaRPr lang="en-US"/>
-          </a:p>
-        </p:txBody>
-      </p:sp>
-      <p:sp>
-        <p:nvSpPr>
-          <p:cNvPr id="3" name="Text Placeholder 2">
+            <a:r>
+              <a:rPr lang="en-US" dirty="0">
+                <a:latin typeface="Calibri" panose="020F0502020204030204" pitchFamily="34" charset="0"/>
+                <a:cs typeface="Calibri" panose="020F0502020204030204" pitchFamily="34" charset="0"/>
+              </a:rPr>
+              <a:t>2 Important MOs</a:t>
+            </a:r>
+          </a:p>
+        </p:txBody>
+      </p:sp>
+      <p:sp>
+        <p:nvSpPr>
+          <p:cNvPr id="6" name="文本框 2">
             <a:extLst>
               <a:ext uri="{FF2B5EF4-FFF2-40B4-BE49-F238E27FC236}">
-                <a16:creationId xmlns:a16="http://schemas.microsoft.com/office/drawing/2014/main" id="{01AA5EFF-5113-B9AB-1D4B-B32C60DAB3E3}"/>
+                <a16:creationId xmlns:a16="http://schemas.microsoft.com/office/drawing/2014/main" id="{E9FE82A0-E990-FFB6-5333-7EB45FE84C3B}"/>
               </a:ext>
             </a:extLst>
           </p:cNvPr>
-          <p:cNvSpPr>
-            <a:spLocks noGrp="1"/>
-          </p:cNvSpPr>
-          <p:nvPr>
-            <p:ph type="body" sz="quarter" idx="10"/>
-          </p:nvPr>
-        </p:nvSpPr>
-        <p:spPr/>
-        <p:txBody>
-          <a:bodyPr/>
+          <p:cNvSpPr txBox="1"/>
+          <p:nvPr/>
+        </p:nvSpPr>
+        <p:spPr>
+          <a:xfrm>
+            <a:off x="440340" y="1082694"/>
+            <a:ext cx="10294070" cy="800219"/>
+          </a:xfrm>
+          <a:prstGeom prst="rect">
+            <a:avLst/>
+          </a:prstGeom>
+          <a:noFill/>
+        </p:spPr>
+        <p:txBody>
+          <a:bodyPr wrap="square" rtlCol="0">
+            <a:spAutoFit/>
+          </a:bodyPr>
           <a:lstStyle/>
           <a:p>
-            <a:endParaRPr lang="en-US"/>
-          </a:p>
-        </p:txBody>
-      </p:sp>
-      <p:sp>
-        <p:nvSpPr>
-          <p:cNvPr id="4" name="Text Placeholder 3">
+            <a:pPr marL="342900" indent="-342900">
+              <a:buFont typeface="Arial" panose="020B0604020202020204" pitchFamily="34" charset="0"/>
+              <a:buChar char="•"/>
+            </a:pPr>
+            <a:r>
+              <a:rPr lang="en-US" altLang="zh-CN" sz="2300" dirty="0">
+                <a:solidFill>
+                  <a:srgbClr val="002060"/>
+                </a:solidFill>
+              </a:rPr>
+              <a:t>Direct ATO</a:t>
+            </a:r>
+            <a:r>
+              <a:rPr lang="zh-CN" altLang="en-US" sz="2300" dirty="0">
+                <a:solidFill>
+                  <a:srgbClr val="002060"/>
+                </a:solidFill>
+              </a:rPr>
+              <a:t> </a:t>
+            </a:r>
+            <a:r>
+              <a:rPr lang="en-US" altLang="zh-CN" sz="2300" dirty="0">
+                <a:solidFill>
+                  <a:srgbClr val="002060"/>
+                </a:solidFill>
+              </a:rPr>
+              <a:t>Case (buyer id = </a:t>
+            </a:r>
+            <a:r>
+              <a:rPr lang="en-SG" sz="2300" dirty="0">
+                <a:solidFill>
+                  <a:srgbClr val="002060"/>
+                </a:solidFill>
+              </a:rPr>
+              <a:t>400007706358</a:t>
+            </a:r>
+            <a:r>
+              <a:rPr lang="en-US" altLang="zh-CN" sz="2300" dirty="0">
+                <a:solidFill>
+                  <a:srgbClr val="002060"/>
+                </a:solidFill>
+              </a:rPr>
+              <a:t>):</a:t>
+            </a:r>
+          </a:p>
+          <a:p>
+            <a:pPr marL="285750" indent="-285750">
+              <a:buFont typeface="Arial" panose="020B0604020202020204" pitchFamily="34" charset="0"/>
+              <a:buChar char="•"/>
+            </a:pPr>
+            <a:endParaRPr lang="en-US" altLang="zh-CN" sz="2300" dirty="0">
+              <a:solidFill>
+                <a:srgbClr val="002060"/>
+              </a:solidFill>
+            </a:endParaRPr>
+          </a:p>
+        </p:txBody>
+      </p:sp>
+      <p:cxnSp>
+        <p:nvCxnSpPr>
+          <p:cNvPr id="10" name="Straight Arrow Connector 9">
             <a:extLst>
               <a:ext uri="{FF2B5EF4-FFF2-40B4-BE49-F238E27FC236}">
-                <a16:creationId xmlns:a16="http://schemas.microsoft.com/office/drawing/2014/main" id="{64EF8449-67DA-7EC1-470A-256E4AFCA654}"/>
+                <a16:creationId xmlns:a16="http://schemas.microsoft.com/office/drawing/2014/main" id="{0888CF03-C3DF-EA2E-856A-CC79960F3CCA}"/>
               </a:ext>
             </a:extLst>
           </p:cNvPr>
-          <p:cNvSpPr>
-            <a:spLocks noGrp="1"/>
-          </p:cNvSpPr>
-          <p:nvPr>
-            <p:ph type="body" sz="quarter" idx="23"/>
-          </p:nvPr>
-        </p:nvSpPr>
-        <p:spPr/>
-        <p:txBody>
-          <a:bodyPr/>
+          <p:cNvCxnSpPr/>
+          <p:nvPr/>
+        </p:nvCxnSpPr>
+        <p:spPr>
+          <a:xfrm>
+            <a:off x="748145" y="2508582"/>
+            <a:ext cx="9725891" cy="0"/>
+          </a:xfrm>
+          <a:prstGeom prst="straightConnector1">
+            <a:avLst/>
+          </a:prstGeom>
+          <a:ln w="41275">
+            <a:solidFill>
+              <a:srgbClr val="16349E"/>
+            </a:solidFill>
+            <a:tailEnd type="triangle"/>
+          </a:ln>
+        </p:spPr>
+        <p:style>
+          <a:lnRef idx="1">
+            <a:schemeClr val="accent1"/>
+          </a:lnRef>
+          <a:fillRef idx="0">
+            <a:schemeClr val="accent1"/>
+          </a:fillRef>
+          <a:effectRef idx="0">
+            <a:schemeClr val="accent1"/>
+          </a:effectRef>
+          <a:fontRef idx="minor">
+            <a:schemeClr val="tx1"/>
+          </a:fontRef>
+        </p:style>
+      </p:cxnSp>
+      <p:sp>
+        <p:nvSpPr>
+          <p:cNvPr id="11" name="Oval 10">
+            <a:extLst>
+              <a:ext uri="{FF2B5EF4-FFF2-40B4-BE49-F238E27FC236}">
+                <a16:creationId xmlns:a16="http://schemas.microsoft.com/office/drawing/2014/main" id="{C0AEFB22-81EB-C413-C1F2-85D0280A887F}"/>
+              </a:ext>
+            </a:extLst>
+          </p:cNvPr>
+          <p:cNvSpPr/>
+          <p:nvPr/>
+        </p:nvSpPr>
+        <p:spPr>
+          <a:xfrm>
+            <a:off x="761992" y="5574446"/>
+            <a:ext cx="152400" cy="152400"/>
+          </a:xfrm>
+          <a:prstGeom prst="ellipse">
+            <a:avLst/>
+          </a:prstGeom>
+          <a:solidFill>
+            <a:srgbClr val="F30381"/>
+          </a:solidFill>
+        </p:spPr>
+        <p:style>
+          <a:lnRef idx="2">
+            <a:schemeClr val="accent1">
+              <a:shade val="50000"/>
+            </a:schemeClr>
+          </a:lnRef>
+          <a:fillRef idx="1">
+            <a:schemeClr val="accent1"/>
+          </a:fillRef>
+          <a:effectRef idx="0">
+            <a:schemeClr val="accent1"/>
+          </a:effectRef>
+          <a:fontRef idx="minor">
+            <a:schemeClr val="lt1"/>
+          </a:fontRef>
+        </p:style>
+        <p:txBody>
+          <a:bodyPr rtlCol="0" anchor="ctr"/>
           <a:lstStyle/>
           <a:p>
+            <a:pPr algn="ctr"/>
             <a:endParaRPr lang="en-US"/>
+          </a:p>
+        </p:txBody>
+      </p:sp>
+      <p:sp>
+        <p:nvSpPr>
+          <p:cNvPr id="12" name="Oval 11">
+            <a:extLst>
+              <a:ext uri="{FF2B5EF4-FFF2-40B4-BE49-F238E27FC236}">
+                <a16:creationId xmlns:a16="http://schemas.microsoft.com/office/drawing/2014/main" id="{10767790-B0BE-B5C1-1B02-4883E2AEA8CD}"/>
+              </a:ext>
+            </a:extLst>
+          </p:cNvPr>
+          <p:cNvSpPr/>
+          <p:nvPr/>
+        </p:nvSpPr>
+        <p:spPr>
+          <a:xfrm>
+            <a:off x="761992" y="5893100"/>
+            <a:ext cx="152400" cy="152400"/>
+          </a:xfrm>
+          <a:prstGeom prst="ellipse">
+            <a:avLst/>
+          </a:prstGeom>
+          <a:solidFill>
+            <a:srgbClr val="DE4A16"/>
+          </a:solidFill>
+        </p:spPr>
+        <p:style>
+          <a:lnRef idx="2">
+            <a:schemeClr val="accent1">
+              <a:shade val="50000"/>
+            </a:schemeClr>
+          </a:lnRef>
+          <a:fillRef idx="1">
+            <a:schemeClr val="accent1"/>
+          </a:fillRef>
+          <a:effectRef idx="0">
+            <a:schemeClr val="accent1"/>
+          </a:effectRef>
+          <a:fontRef idx="minor">
+            <a:schemeClr val="lt1"/>
+          </a:fontRef>
+        </p:style>
+        <p:txBody>
+          <a:bodyPr rtlCol="0" anchor="ctr"/>
+          <a:lstStyle/>
+          <a:p>
+            <a:pPr algn="ctr"/>
+            <a:endParaRPr lang="en-US"/>
+          </a:p>
+        </p:txBody>
+      </p:sp>
+      <p:sp>
+        <p:nvSpPr>
+          <p:cNvPr id="13" name="Oval 12">
+            <a:extLst>
+              <a:ext uri="{FF2B5EF4-FFF2-40B4-BE49-F238E27FC236}">
+                <a16:creationId xmlns:a16="http://schemas.microsoft.com/office/drawing/2014/main" id="{51B80150-743C-D29F-9100-445C82EC1F67}"/>
+              </a:ext>
+            </a:extLst>
+          </p:cNvPr>
+          <p:cNvSpPr/>
+          <p:nvPr/>
+        </p:nvSpPr>
+        <p:spPr>
+          <a:xfrm>
+            <a:off x="761992" y="6211754"/>
+            <a:ext cx="152400" cy="152400"/>
+          </a:xfrm>
+          <a:prstGeom prst="ellipse">
+            <a:avLst/>
+          </a:prstGeom>
+          <a:solidFill>
+            <a:srgbClr val="FF8202"/>
+          </a:solidFill>
+        </p:spPr>
+        <p:style>
+          <a:lnRef idx="2">
+            <a:schemeClr val="accent1">
+              <a:shade val="50000"/>
+            </a:schemeClr>
+          </a:lnRef>
+          <a:fillRef idx="1">
+            <a:schemeClr val="accent1"/>
+          </a:fillRef>
+          <a:effectRef idx="0">
+            <a:schemeClr val="accent1"/>
+          </a:effectRef>
+          <a:fontRef idx="minor">
+            <a:schemeClr val="lt1"/>
+          </a:fontRef>
+        </p:style>
+        <p:txBody>
+          <a:bodyPr rtlCol="0" anchor="ctr"/>
+          <a:lstStyle/>
+          <a:p>
+            <a:pPr algn="ctr"/>
+            <a:endParaRPr lang="en-US"/>
+          </a:p>
+        </p:txBody>
+      </p:sp>
+      <p:sp>
+        <p:nvSpPr>
+          <p:cNvPr id="14" name="文本框 2">
+            <a:extLst>
+              <a:ext uri="{FF2B5EF4-FFF2-40B4-BE49-F238E27FC236}">
+                <a16:creationId xmlns:a16="http://schemas.microsoft.com/office/drawing/2014/main" id="{DB72E811-EF89-4732-0B4E-7DF469372772}"/>
+              </a:ext>
+            </a:extLst>
+          </p:cNvPr>
+          <p:cNvSpPr txBox="1"/>
+          <p:nvPr/>
+        </p:nvSpPr>
+        <p:spPr>
+          <a:xfrm>
+            <a:off x="914392" y="5520246"/>
+            <a:ext cx="8638381" cy="461665"/>
+          </a:xfrm>
+          <a:prstGeom prst="rect">
+            <a:avLst/>
+          </a:prstGeom>
+          <a:noFill/>
+        </p:spPr>
+        <p:txBody>
+          <a:bodyPr wrap="square" rtlCol="0">
+            <a:spAutoFit/>
+          </a:bodyPr>
+          <a:lstStyle/>
+          <a:p>
+            <a:r>
+              <a:rPr lang="en-US" altLang="zh-CN" sz="1200" dirty="0">
+                <a:solidFill>
+                  <a:srgbClr val="002060"/>
+                </a:solidFill>
+              </a:rPr>
+              <a:t>Latest Normal Login</a:t>
+            </a:r>
+          </a:p>
+          <a:p>
+            <a:pPr marL="285750" indent="-285750">
+              <a:buFont typeface="Arial" panose="020B0604020202020204" pitchFamily="34" charset="0"/>
+              <a:buChar char="•"/>
+            </a:pPr>
+            <a:endParaRPr lang="en-US" altLang="zh-CN" sz="1200" dirty="0">
+              <a:solidFill>
+                <a:srgbClr val="002060"/>
+              </a:solidFill>
+            </a:endParaRPr>
+          </a:p>
+        </p:txBody>
+      </p:sp>
+      <p:sp>
+        <p:nvSpPr>
+          <p:cNvPr id="15" name="文本框 2">
+            <a:extLst>
+              <a:ext uri="{FF2B5EF4-FFF2-40B4-BE49-F238E27FC236}">
+                <a16:creationId xmlns:a16="http://schemas.microsoft.com/office/drawing/2014/main" id="{195155C6-2827-D23C-CF64-81516A8378D7}"/>
+              </a:ext>
+            </a:extLst>
+          </p:cNvPr>
+          <p:cNvSpPr txBox="1"/>
+          <p:nvPr/>
+        </p:nvSpPr>
+        <p:spPr>
+          <a:xfrm>
+            <a:off x="914392" y="5832824"/>
+            <a:ext cx="8638381" cy="276999"/>
+          </a:xfrm>
+          <a:prstGeom prst="rect">
+            <a:avLst/>
+          </a:prstGeom>
+          <a:noFill/>
+        </p:spPr>
+        <p:txBody>
+          <a:bodyPr wrap="square" rtlCol="0">
+            <a:spAutoFit/>
+          </a:bodyPr>
+          <a:lstStyle/>
+          <a:p>
+            <a:r>
+              <a:rPr lang="en-US" altLang="zh-CN" sz="1200" dirty="0">
+                <a:solidFill>
+                  <a:srgbClr val="002060"/>
+                </a:solidFill>
+              </a:rPr>
+              <a:t>Abnormal Login</a:t>
+            </a:r>
+          </a:p>
+        </p:txBody>
+      </p:sp>
+      <p:sp>
+        <p:nvSpPr>
+          <p:cNvPr id="16" name="文本框 2">
+            <a:extLst>
+              <a:ext uri="{FF2B5EF4-FFF2-40B4-BE49-F238E27FC236}">
+                <a16:creationId xmlns:a16="http://schemas.microsoft.com/office/drawing/2014/main" id="{8D31C08B-E1CF-1AD3-E7F6-E9596465D64D}"/>
+              </a:ext>
+            </a:extLst>
+          </p:cNvPr>
+          <p:cNvSpPr txBox="1"/>
+          <p:nvPr/>
+        </p:nvSpPr>
+        <p:spPr>
+          <a:xfrm>
+            <a:off x="914392" y="6156244"/>
+            <a:ext cx="8638381" cy="276999"/>
+          </a:xfrm>
+          <a:prstGeom prst="rect">
+            <a:avLst/>
+          </a:prstGeom>
+          <a:noFill/>
+        </p:spPr>
+        <p:txBody>
+          <a:bodyPr wrap="square" rtlCol="0">
+            <a:spAutoFit/>
+          </a:bodyPr>
+          <a:lstStyle/>
+          <a:p>
+            <a:r>
+              <a:rPr lang="en-US" altLang="zh-CN" sz="1200" dirty="0">
+                <a:solidFill>
+                  <a:srgbClr val="002060"/>
+                </a:solidFill>
+              </a:rPr>
+              <a:t>Abnormal Order Create</a:t>
+            </a:r>
+          </a:p>
+        </p:txBody>
+      </p:sp>
+      <p:sp>
+        <p:nvSpPr>
+          <p:cNvPr id="17" name="Oval 16">
+            <a:extLst>
+              <a:ext uri="{FF2B5EF4-FFF2-40B4-BE49-F238E27FC236}">
+                <a16:creationId xmlns:a16="http://schemas.microsoft.com/office/drawing/2014/main" id="{B62AEB9C-2B92-904E-9EDF-5924E4E4D5F0}"/>
+              </a:ext>
+            </a:extLst>
+          </p:cNvPr>
+          <p:cNvSpPr/>
+          <p:nvPr/>
+        </p:nvSpPr>
+        <p:spPr>
+          <a:xfrm>
+            <a:off x="1184128" y="2432382"/>
+            <a:ext cx="152400" cy="152400"/>
+          </a:xfrm>
+          <a:prstGeom prst="ellipse">
+            <a:avLst/>
+          </a:prstGeom>
+          <a:solidFill>
+            <a:srgbClr val="F30381"/>
+          </a:solidFill>
+        </p:spPr>
+        <p:style>
+          <a:lnRef idx="2">
+            <a:schemeClr val="accent1">
+              <a:shade val="50000"/>
+            </a:schemeClr>
+          </a:lnRef>
+          <a:fillRef idx="1">
+            <a:schemeClr val="accent1"/>
+          </a:fillRef>
+          <a:effectRef idx="0">
+            <a:schemeClr val="accent1"/>
+          </a:effectRef>
+          <a:fontRef idx="minor">
+            <a:schemeClr val="lt1"/>
+          </a:fontRef>
+        </p:style>
+        <p:txBody>
+          <a:bodyPr rtlCol="0" anchor="ctr"/>
+          <a:lstStyle/>
+          <a:p>
+            <a:pPr algn="ctr"/>
+            <a:endParaRPr lang="en-US"/>
+          </a:p>
+        </p:txBody>
+      </p:sp>
+      <p:sp>
+        <p:nvSpPr>
+          <p:cNvPr id="18" name="Oval 17">
+            <a:extLst>
+              <a:ext uri="{FF2B5EF4-FFF2-40B4-BE49-F238E27FC236}">
+                <a16:creationId xmlns:a16="http://schemas.microsoft.com/office/drawing/2014/main" id="{DA297896-BFD4-AFB3-767F-48F2479D2EEC}"/>
+              </a:ext>
+            </a:extLst>
+          </p:cNvPr>
+          <p:cNvSpPr/>
+          <p:nvPr/>
+        </p:nvSpPr>
+        <p:spPr>
+          <a:xfrm>
+            <a:off x="6722896" y="2441841"/>
+            <a:ext cx="152400" cy="152400"/>
+          </a:xfrm>
+          <a:prstGeom prst="ellipse">
+            <a:avLst/>
+          </a:prstGeom>
+          <a:solidFill>
+            <a:srgbClr val="DE4A16"/>
+          </a:solidFill>
+        </p:spPr>
+        <p:style>
+          <a:lnRef idx="2">
+            <a:schemeClr val="accent1">
+              <a:shade val="50000"/>
+            </a:schemeClr>
+          </a:lnRef>
+          <a:fillRef idx="1">
+            <a:schemeClr val="accent1"/>
+          </a:fillRef>
+          <a:effectRef idx="0">
+            <a:schemeClr val="accent1"/>
+          </a:effectRef>
+          <a:fontRef idx="minor">
+            <a:schemeClr val="lt1"/>
+          </a:fontRef>
+        </p:style>
+        <p:txBody>
+          <a:bodyPr rtlCol="0" anchor="ctr"/>
+          <a:lstStyle/>
+          <a:p>
+            <a:pPr algn="ctr"/>
+            <a:endParaRPr lang="en-US"/>
+          </a:p>
+        </p:txBody>
+      </p:sp>
+      <p:sp>
+        <p:nvSpPr>
+          <p:cNvPr id="19" name="Oval 18">
+            <a:extLst>
+              <a:ext uri="{FF2B5EF4-FFF2-40B4-BE49-F238E27FC236}">
+                <a16:creationId xmlns:a16="http://schemas.microsoft.com/office/drawing/2014/main" id="{D647A36F-71C0-A328-E7D1-720160D36A5B}"/>
+              </a:ext>
+            </a:extLst>
+          </p:cNvPr>
+          <p:cNvSpPr/>
+          <p:nvPr/>
+        </p:nvSpPr>
+        <p:spPr>
+          <a:xfrm>
+            <a:off x="8458032" y="2431361"/>
+            <a:ext cx="152400" cy="152400"/>
+          </a:xfrm>
+          <a:prstGeom prst="ellipse">
+            <a:avLst/>
+          </a:prstGeom>
+          <a:solidFill>
+            <a:srgbClr val="FF8202"/>
+          </a:solidFill>
+        </p:spPr>
+        <p:style>
+          <a:lnRef idx="2">
+            <a:schemeClr val="accent1">
+              <a:shade val="50000"/>
+            </a:schemeClr>
+          </a:lnRef>
+          <a:fillRef idx="1">
+            <a:schemeClr val="accent1"/>
+          </a:fillRef>
+          <a:effectRef idx="0">
+            <a:schemeClr val="accent1"/>
+          </a:effectRef>
+          <a:fontRef idx="minor">
+            <a:schemeClr val="lt1"/>
+          </a:fontRef>
+        </p:style>
+        <p:txBody>
+          <a:bodyPr rtlCol="0" anchor="ctr"/>
+          <a:lstStyle/>
+          <a:p>
+            <a:pPr algn="ctr"/>
+            <a:endParaRPr lang="en-US"/>
+          </a:p>
+        </p:txBody>
+      </p:sp>
+      <p:sp>
+        <p:nvSpPr>
+          <p:cNvPr id="20" name="文本框 2">
+            <a:extLst>
+              <a:ext uri="{FF2B5EF4-FFF2-40B4-BE49-F238E27FC236}">
+                <a16:creationId xmlns:a16="http://schemas.microsoft.com/office/drawing/2014/main" id="{9B7158F9-9B09-02D5-62E3-39591F1CC862}"/>
+              </a:ext>
+            </a:extLst>
+          </p:cNvPr>
+          <p:cNvSpPr txBox="1"/>
+          <p:nvPr/>
+        </p:nvSpPr>
+        <p:spPr>
+          <a:xfrm>
+            <a:off x="608725" y="2698522"/>
+            <a:ext cx="1295839" cy="307777"/>
+          </a:xfrm>
+          <a:prstGeom prst="rect">
+            <a:avLst/>
+          </a:prstGeom>
+          <a:noFill/>
+        </p:spPr>
+        <p:txBody>
+          <a:bodyPr wrap="square" rtlCol="0">
+            <a:spAutoFit/>
+          </a:bodyPr>
+          <a:lstStyle/>
+          <a:p>
+            <a:r>
+              <a:rPr lang="en-US" altLang="zh-CN" sz="1400" dirty="0">
+                <a:solidFill>
+                  <a:srgbClr val="002060"/>
+                </a:solidFill>
+              </a:rPr>
+              <a:t>03-12 22:58:35</a:t>
+            </a:r>
+          </a:p>
+        </p:txBody>
+      </p:sp>
+      <p:sp>
+        <p:nvSpPr>
+          <p:cNvPr id="21" name="文本框 2">
+            <a:extLst>
+              <a:ext uri="{FF2B5EF4-FFF2-40B4-BE49-F238E27FC236}">
+                <a16:creationId xmlns:a16="http://schemas.microsoft.com/office/drawing/2014/main" id="{4F65D419-AFC8-8890-721B-A835FCC02CA9}"/>
+              </a:ext>
+            </a:extLst>
+          </p:cNvPr>
+          <p:cNvSpPr txBox="1"/>
+          <p:nvPr/>
+        </p:nvSpPr>
+        <p:spPr>
+          <a:xfrm>
+            <a:off x="6191625" y="2697501"/>
+            <a:ext cx="1295839" cy="307777"/>
+          </a:xfrm>
+          <a:prstGeom prst="rect">
+            <a:avLst/>
+          </a:prstGeom>
+          <a:noFill/>
+        </p:spPr>
+        <p:txBody>
+          <a:bodyPr wrap="square" rtlCol="0">
+            <a:spAutoFit/>
+          </a:bodyPr>
+          <a:lstStyle/>
+          <a:p>
+            <a:r>
+              <a:rPr lang="en-US" altLang="zh-CN" sz="1400" dirty="0">
+                <a:solidFill>
+                  <a:srgbClr val="002060"/>
+                </a:solidFill>
+              </a:rPr>
+              <a:t>03-14 16:54:13</a:t>
+            </a:r>
+          </a:p>
+        </p:txBody>
+      </p:sp>
+      <p:sp>
+        <p:nvSpPr>
+          <p:cNvPr id="22" name="文本框 2">
+            <a:extLst>
+              <a:ext uri="{FF2B5EF4-FFF2-40B4-BE49-F238E27FC236}">
+                <a16:creationId xmlns:a16="http://schemas.microsoft.com/office/drawing/2014/main" id="{9CF777D2-1045-B314-1D53-9ABA1774CC93}"/>
+              </a:ext>
+            </a:extLst>
+          </p:cNvPr>
+          <p:cNvSpPr txBox="1"/>
+          <p:nvPr/>
+        </p:nvSpPr>
+        <p:spPr>
+          <a:xfrm>
+            <a:off x="7886312" y="2697501"/>
+            <a:ext cx="1295839" cy="307777"/>
+          </a:xfrm>
+          <a:prstGeom prst="rect">
+            <a:avLst/>
+          </a:prstGeom>
+          <a:noFill/>
+        </p:spPr>
+        <p:txBody>
+          <a:bodyPr wrap="square" rtlCol="0">
+            <a:spAutoFit/>
+          </a:bodyPr>
+          <a:lstStyle/>
+          <a:p>
+            <a:r>
+              <a:rPr lang="en-US" altLang="zh-CN" sz="1400" dirty="0">
+                <a:solidFill>
+                  <a:srgbClr val="002060"/>
+                </a:solidFill>
+              </a:rPr>
+              <a:t>03-14 19:12:01</a:t>
+            </a:r>
+          </a:p>
+        </p:txBody>
+      </p:sp>
+      <p:sp>
+        <p:nvSpPr>
+          <p:cNvPr id="23" name="文本框 2">
+            <a:extLst>
+              <a:ext uri="{FF2B5EF4-FFF2-40B4-BE49-F238E27FC236}">
+                <a16:creationId xmlns:a16="http://schemas.microsoft.com/office/drawing/2014/main" id="{65D109A2-7B03-88A1-7A56-2B70EC031410}"/>
+              </a:ext>
+            </a:extLst>
+          </p:cNvPr>
+          <p:cNvSpPr txBox="1"/>
+          <p:nvPr/>
+        </p:nvSpPr>
+        <p:spPr>
+          <a:xfrm>
+            <a:off x="440340" y="3258247"/>
+            <a:ext cx="10294070" cy="800219"/>
+          </a:xfrm>
+          <a:prstGeom prst="rect">
+            <a:avLst/>
+          </a:prstGeom>
+          <a:noFill/>
+        </p:spPr>
+        <p:txBody>
+          <a:bodyPr wrap="square" rtlCol="0">
+            <a:spAutoFit/>
+          </a:bodyPr>
+          <a:lstStyle/>
+          <a:p>
+            <a:pPr marL="342900" indent="-342900">
+              <a:buFont typeface="Arial" panose="020B0604020202020204" pitchFamily="34" charset="0"/>
+              <a:buChar char="•"/>
+            </a:pPr>
+            <a:r>
+              <a:rPr lang="en-US" altLang="zh-CN" sz="2300" dirty="0">
+                <a:solidFill>
+                  <a:srgbClr val="002060"/>
+                </a:solidFill>
+              </a:rPr>
+              <a:t>Scam-Seller ATO Case (buyer id = </a:t>
+            </a:r>
+            <a:r>
+              <a:rPr lang="en-SG" sz="2300" dirty="0">
+                <a:solidFill>
+                  <a:srgbClr val="002060"/>
+                </a:solidFill>
+              </a:rPr>
+              <a:t>400325922966</a:t>
+            </a:r>
+            <a:r>
+              <a:rPr lang="en-US" altLang="zh-CN" sz="2300" dirty="0">
+                <a:solidFill>
+                  <a:srgbClr val="002060"/>
+                </a:solidFill>
+              </a:rPr>
+              <a:t>):</a:t>
+            </a:r>
+          </a:p>
+          <a:p>
+            <a:pPr marL="285750" indent="-285750">
+              <a:buFont typeface="Arial" panose="020B0604020202020204" pitchFamily="34" charset="0"/>
+              <a:buChar char="•"/>
+            </a:pPr>
+            <a:endParaRPr lang="en-US" altLang="zh-CN" sz="2300" dirty="0">
+              <a:solidFill>
+                <a:srgbClr val="002060"/>
+              </a:solidFill>
+            </a:endParaRPr>
+          </a:p>
+        </p:txBody>
+      </p:sp>
+      <p:cxnSp>
+        <p:nvCxnSpPr>
+          <p:cNvPr id="24" name="Straight Arrow Connector 23">
+            <a:extLst>
+              <a:ext uri="{FF2B5EF4-FFF2-40B4-BE49-F238E27FC236}">
+                <a16:creationId xmlns:a16="http://schemas.microsoft.com/office/drawing/2014/main" id="{ADA1304D-61C2-1798-58AF-13FC1B8E45FD}"/>
+              </a:ext>
+            </a:extLst>
+          </p:cNvPr>
+          <p:cNvCxnSpPr/>
+          <p:nvPr/>
+        </p:nvCxnSpPr>
+        <p:spPr>
+          <a:xfrm>
+            <a:off x="748145" y="4502498"/>
+            <a:ext cx="9725891" cy="0"/>
+          </a:xfrm>
+          <a:prstGeom prst="straightConnector1">
+            <a:avLst/>
+          </a:prstGeom>
+          <a:ln w="41275">
+            <a:solidFill>
+              <a:srgbClr val="16349E"/>
+            </a:solidFill>
+            <a:tailEnd type="triangle"/>
+          </a:ln>
+        </p:spPr>
+        <p:style>
+          <a:lnRef idx="1">
+            <a:schemeClr val="accent1"/>
+          </a:lnRef>
+          <a:fillRef idx="0">
+            <a:schemeClr val="accent1"/>
+          </a:fillRef>
+          <a:effectRef idx="0">
+            <a:schemeClr val="accent1"/>
+          </a:effectRef>
+          <a:fontRef idx="minor">
+            <a:schemeClr val="tx1"/>
+          </a:fontRef>
+        </p:style>
+      </p:cxnSp>
+      <p:sp>
+        <p:nvSpPr>
+          <p:cNvPr id="31" name="Right Brace 30">
+            <a:extLst>
+              <a:ext uri="{FF2B5EF4-FFF2-40B4-BE49-F238E27FC236}">
+                <a16:creationId xmlns:a16="http://schemas.microsoft.com/office/drawing/2014/main" id="{C07C0359-F241-1DFC-948B-8E8B77C23287}"/>
+              </a:ext>
+            </a:extLst>
+          </p:cNvPr>
+          <p:cNvSpPr/>
+          <p:nvPr/>
+        </p:nvSpPr>
+        <p:spPr>
+          <a:xfrm rot="16200000">
+            <a:off x="7525039" y="1422809"/>
+            <a:ext cx="242416" cy="1623576"/>
+          </a:xfrm>
+          <a:prstGeom prst="rightBrace">
+            <a:avLst/>
+          </a:prstGeom>
+          <a:ln w="25400">
+            <a:solidFill>
+              <a:srgbClr val="16349E"/>
+            </a:solidFill>
+          </a:ln>
+        </p:spPr>
+        <p:style>
+          <a:lnRef idx="1">
+            <a:schemeClr val="accent1"/>
+          </a:lnRef>
+          <a:fillRef idx="0">
+            <a:schemeClr val="accent1"/>
+          </a:fillRef>
+          <a:effectRef idx="0">
+            <a:schemeClr val="accent1"/>
+          </a:effectRef>
+          <a:fontRef idx="minor">
+            <a:schemeClr val="tx1"/>
+          </a:fontRef>
+        </p:style>
+        <p:txBody>
+          <a:bodyPr rtlCol="0" anchor="ctr"/>
+          <a:lstStyle/>
+          <a:p>
+            <a:pPr algn="ctr"/>
+            <a:endParaRPr lang="en-US"/>
+          </a:p>
+        </p:txBody>
+      </p:sp>
+      <p:sp>
+        <p:nvSpPr>
+          <p:cNvPr id="32" name="文本框 2">
+            <a:extLst>
+              <a:ext uri="{FF2B5EF4-FFF2-40B4-BE49-F238E27FC236}">
+                <a16:creationId xmlns:a16="http://schemas.microsoft.com/office/drawing/2014/main" id="{3E461446-5D7E-DE2B-EF4F-95A202CECF8A}"/>
+              </a:ext>
+            </a:extLst>
+          </p:cNvPr>
+          <p:cNvSpPr txBox="1"/>
+          <p:nvPr/>
+        </p:nvSpPr>
+        <p:spPr>
+          <a:xfrm>
+            <a:off x="6820604" y="1767511"/>
+            <a:ext cx="1773382" cy="307777"/>
+          </a:xfrm>
+          <a:prstGeom prst="rect">
+            <a:avLst/>
+          </a:prstGeom>
+          <a:noFill/>
+        </p:spPr>
+        <p:txBody>
+          <a:bodyPr wrap="square" rtlCol="0">
+            <a:spAutoFit/>
+          </a:bodyPr>
+          <a:lstStyle/>
+          <a:p>
+            <a:r>
+              <a:rPr lang="en-US" altLang="zh-CN" sz="1400" dirty="0">
+                <a:solidFill>
+                  <a:srgbClr val="002060"/>
+                </a:solidFill>
+              </a:rPr>
+              <a:t>Account info-change</a:t>
+            </a:r>
+          </a:p>
+        </p:txBody>
+      </p:sp>
+      <p:sp>
+        <p:nvSpPr>
+          <p:cNvPr id="33" name="Oval 32">
+            <a:extLst>
+              <a:ext uri="{FF2B5EF4-FFF2-40B4-BE49-F238E27FC236}">
+                <a16:creationId xmlns:a16="http://schemas.microsoft.com/office/drawing/2014/main" id="{BF6EB1F0-AD13-D657-2706-18192CB459F7}"/>
+              </a:ext>
+            </a:extLst>
+          </p:cNvPr>
+          <p:cNvSpPr/>
+          <p:nvPr/>
+        </p:nvSpPr>
+        <p:spPr>
+          <a:xfrm>
+            <a:off x="3532900" y="5597656"/>
+            <a:ext cx="152400" cy="152400"/>
+          </a:xfrm>
+          <a:prstGeom prst="ellipse">
+            <a:avLst/>
+          </a:prstGeom>
+          <a:solidFill>
+            <a:srgbClr val="FFC000"/>
+          </a:solidFill>
+        </p:spPr>
+        <p:style>
+          <a:lnRef idx="2">
+            <a:schemeClr val="accent1">
+              <a:shade val="50000"/>
+            </a:schemeClr>
+          </a:lnRef>
+          <a:fillRef idx="1">
+            <a:schemeClr val="accent1"/>
+          </a:fillRef>
+          <a:effectRef idx="0">
+            <a:schemeClr val="accent1"/>
+          </a:effectRef>
+          <a:fontRef idx="minor">
+            <a:schemeClr val="lt1"/>
+          </a:fontRef>
+        </p:style>
+        <p:txBody>
+          <a:bodyPr rtlCol="0" anchor="ctr"/>
+          <a:lstStyle/>
+          <a:p>
+            <a:pPr algn="ctr"/>
+            <a:endParaRPr lang="en-US"/>
+          </a:p>
+        </p:txBody>
+      </p:sp>
+      <p:sp>
+        <p:nvSpPr>
+          <p:cNvPr id="34" name="文本框 2">
+            <a:extLst>
+              <a:ext uri="{FF2B5EF4-FFF2-40B4-BE49-F238E27FC236}">
+                <a16:creationId xmlns:a16="http://schemas.microsoft.com/office/drawing/2014/main" id="{9359FB30-A0A3-EBB1-B9E4-4148FDF421BC}"/>
+              </a:ext>
+            </a:extLst>
+          </p:cNvPr>
+          <p:cNvSpPr txBox="1"/>
+          <p:nvPr/>
+        </p:nvSpPr>
+        <p:spPr>
+          <a:xfrm>
+            <a:off x="3685300" y="5543456"/>
+            <a:ext cx="8638381" cy="276999"/>
+          </a:xfrm>
+          <a:prstGeom prst="rect">
+            <a:avLst/>
+          </a:prstGeom>
+          <a:noFill/>
+        </p:spPr>
+        <p:txBody>
+          <a:bodyPr wrap="square" rtlCol="0">
+            <a:spAutoFit/>
+          </a:bodyPr>
+          <a:lstStyle/>
+          <a:p>
+            <a:r>
+              <a:rPr lang="en-US" altLang="zh-CN" sz="1200" dirty="0">
+                <a:solidFill>
+                  <a:srgbClr val="002060"/>
+                </a:solidFill>
+              </a:rPr>
+              <a:t>Abnormal Order Cancel</a:t>
+            </a:r>
+          </a:p>
+        </p:txBody>
+      </p:sp>
+      <p:sp>
+        <p:nvSpPr>
+          <p:cNvPr id="35" name="Oval 34">
+            <a:extLst>
+              <a:ext uri="{FF2B5EF4-FFF2-40B4-BE49-F238E27FC236}">
+                <a16:creationId xmlns:a16="http://schemas.microsoft.com/office/drawing/2014/main" id="{6B74EF40-4361-3128-4648-C6E8A4CBD0D0}"/>
+              </a:ext>
+            </a:extLst>
+          </p:cNvPr>
+          <p:cNvSpPr/>
+          <p:nvPr/>
+        </p:nvSpPr>
+        <p:spPr>
+          <a:xfrm>
+            <a:off x="1184128" y="4437399"/>
+            <a:ext cx="152400" cy="152400"/>
+          </a:xfrm>
+          <a:prstGeom prst="ellipse">
+            <a:avLst/>
+          </a:prstGeom>
+          <a:solidFill>
+            <a:srgbClr val="FF8202"/>
+          </a:solidFill>
+        </p:spPr>
+        <p:style>
+          <a:lnRef idx="2">
+            <a:schemeClr val="accent1">
+              <a:shade val="50000"/>
+            </a:schemeClr>
+          </a:lnRef>
+          <a:fillRef idx="1">
+            <a:schemeClr val="accent1"/>
+          </a:fillRef>
+          <a:effectRef idx="0">
+            <a:schemeClr val="accent1"/>
+          </a:effectRef>
+          <a:fontRef idx="minor">
+            <a:schemeClr val="lt1"/>
+          </a:fontRef>
+        </p:style>
+        <p:txBody>
+          <a:bodyPr rtlCol="0" anchor="ctr"/>
+          <a:lstStyle/>
+          <a:p>
+            <a:pPr algn="ctr"/>
+            <a:endParaRPr lang="en-US"/>
+          </a:p>
+        </p:txBody>
+      </p:sp>
+      <p:sp>
+        <p:nvSpPr>
+          <p:cNvPr id="36" name="文本框 2">
+            <a:extLst>
+              <a:ext uri="{FF2B5EF4-FFF2-40B4-BE49-F238E27FC236}">
+                <a16:creationId xmlns:a16="http://schemas.microsoft.com/office/drawing/2014/main" id="{8B027C44-0BEC-829A-B4D9-F14EC664ED78}"/>
+              </a:ext>
+            </a:extLst>
+          </p:cNvPr>
+          <p:cNvSpPr txBox="1"/>
+          <p:nvPr/>
+        </p:nvSpPr>
+        <p:spPr>
+          <a:xfrm>
+            <a:off x="688608" y="4715200"/>
+            <a:ext cx="1295839" cy="307777"/>
+          </a:xfrm>
+          <a:prstGeom prst="rect">
+            <a:avLst/>
+          </a:prstGeom>
+          <a:noFill/>
+        </p:spPr>
+        <p:txBody>
+          <a:bodyPr wrap="square" rtlCol="0">
+            <a:spAutoFit/>
+          </a:bodyPr>
+          <a:lstStyle/>
+          <a:p>
+            <a:r>
+              <a:rPr lang="en-US" altLang="zh-CN" sz="1400" dirty="0">
+                <a:solidFill>
+                  <a:srgbClr val="002060"/>
+                </a:solidFill>
+              </a:rPr>
+              <a:t>06-19 22:58:35</a:t>
+            </a:r>
+          </a:p>
+        </p:txBody>
+      </p:sp>
+      <p:sp>
+        <p:nvSpPr>
+          <p:cNvPr id="37" name="Oval 36">
+            <a:extLst>
+              <a:ext uri="{FF2B5EF4-FFF2-40B4-BE49-F238E27FC236}">
+                <a16:creationId xmlns:a16="http://schemas.microsoft.com/office/drawing/2014/main" id="{77C10980-B9F5-D699-BBC5-1A5BC0C2A4B8}"/>
+              </a:ext>
+            </a:extLst>
+          </p:cNvPr>
+          <p:cNvSpPr/>
+          <p:nvPr/>
+        </p:nvSpPr>
+        <p:spPr>
+          <a:xfrm>
+            <a:off x="5111962" y="4432474"/>
+            <a:ext cx="152400" cy="152400"/>
+          </a:xfrm>
+          <a:prstGeom prst="ellipse">
+            <a:avLst/>
+          </a:prstGeom>
+          <a:solidFill>
+            <a:srgbClr val="F30381"/>
+          </a:solidFill>
+        </p:spPr>
+        <p:style>
+          <a:lnRef idx="2">
+            <a:schemeClr val="accent1">
+              <a:shade val="50000"/>
+            </a:schemeClr>
+          </a:lnRef>
+          <a:fillRef idx="1">
+            <a:schemeClr val="accent1"/>
+          </a:fillRef>
+          <a:effectRef idx="0">
+            <a:schemeClr val="accent1"/>
+          </a:effectRef>
+          <a:fontRef idx="minor">
+            <a:schemeClr val="lt1"/>
+          </a:fontRef>
+        </p:style>
+        <p:txBody>
+          <a:bodyPr rtlCol="0" anchor="ctr"/>
+          <a:lstStyle/>
+          <a:p>
+            <a:pPr algn="ctr"/>
+            <a:endParaRPr lang="en-US"/>
+          </a:p>
+        </p:txBody>
+      </p:sp>
+      <p:sp>
+        <p:nvSpPr>
+          <p:cNvPr id="38" name="文本框 2">
+            <a:extLst>
+              <a:ext uri="{FF2B5EF4-FFF2-40B4-BE49-F238E27FC236}">
+                <a16:creationId xmlns:a16="http://schemas.microsoft.com/office/drawing/2014/main" id="{BA073A1E-C4C0-BE2B-1008-B6B5190D70FC}"/>
+              </a:ext>
+            </a:extLst>
+          </p:cNvPr>
+          <p:cNvSpPr txBox="1"/>
+          <p:nvPr/>
+        </p:nvSpPr>
+        <p:spPr>
+          <a:xfrm>
+            <a:off x="4540242" y="4713063"/>
+            <a:ext cx="1295839" cy="307777"/>
+          </a:xfrm>
+          <a:prstGeom prst="rect">
+            <a:avLst/>
+          </a:prstGeom>
+          <a:noFill/>
+        </p:spPr>
+        <p:txBody>
+          <a:bodyPr wrap="square" rtlCol="0">
+            <a:spAutoFit/>
+          </a:bodyPr>
+          <a:lstStyle/>
+          <a:p>
+            <a:r>
+              <a:rPr lang="en-US" altLang="zh-CN" sz="1400" dirty="0">
+                <a:solidFill>
+                  <a:srgbClr val="002060"/>
+                </a:solidFill>
+              </a:rPr>
+              <a:t>06-21 01:48:55</a:t>
+            </a:r>
+          </a:p>
+        </p:txBody>
+      </p:sp>
+      <p:sp>
+        <p:nvSpPr>
+          <p:cNvPr id="39" name="Oval 38">
+            <a:extLst>
+              <a:ext uri="{FF2B5EF4-FFF2-40B4-BE49-F238E27FC236}">
+                <a16:creationId xmlns:a16="http://schemas.microsoft.com/office/drawing/2014/main" id="{2C5B5DD6-E720-AACB-C94C-35B67D4A4718}"/>
+              </a:ext>
+            </a:extLst>
+          </p:cNvPr>
+          <p:cNvSpPr/>
+          <p:nvPr/>
+        </p:nvSpPr>
+        <p:spPr>
+          <a:xfrm>
+            <a:off x="7392324" y="4432474"/>
+            <a:ext cx="152400" cy="152400"/>
+          </a:xfrm>
+          <a:prstGeom prst="ellipse">
+            <a:avLst/>
+          </a:prstGeom>
+          <a:solidFill>
+            <a:srgbClr val="DE4A16"/>
+          </a:solidFill>
+        </p:spPr>
+        <p:style>
+          <a:lnRef idx="2">
+            <a:schemeClr val="accent1">
+              <a:shade val="50000"/>
+            </a:schemeClr>
+          </a:lnRef>
+          <a:fillRef idx="1">
+            <a:schemeClr val="accent1"/>
+          </a:fillRef>
+          <a:effectRef idx="0">
+            <a:schemeClr val="accent1"/>
+          </a:effectRef>
+          <a:fontRef idx="minor">
+            <a:schemeClr val="lt1"/>
+          </a:fontRef>
+        </p:style>
+        <p:txBody>
+          <a:bodyPr rtlCol="0" anchor="ctr"/>
+          <a:lstStyle/>
+          <a:p>
+            <a:pPr algn="ctr"/>
+            <a:endParaRPr lang="en-US"/>
+          </a:p>
+        </p:txBody>
+      </p:sp>
+      <p:sp>
+        <p:nvSpPr>
+          <p:cNvPr id="40" name="文本框 2">
+            <a:extLst>
+              <a:ext uri="{FF2B5EF4-FFF2-40B4-BE49-F238E27FC236}">
+                <a16:creationId xmlns:a16="http://schemas.microsoft.com/office/drawing/2014/main" id="{F3B6E8B4-20AB-C7EB-6F72-D29FD169D198}"/>
+              </a:ext>
+            </a:extLst>
+          </p:cNvPr>
+          <p:cNvSpPr txBox="1"/>
+          <p:nvPr/>
+        </p:nvSpPr>
+        <p:spPr>
+          <a:xfrm>
+            <a:off x="6820604" y="4713063"/>
+            <a:ext cx="1295839" cy="307777"/>
+          </a:xfrm>
+          <a:prstGeom prst="rect">
+            <a:avLst/>
+          </a:prstGeom>
+          <a:noFill/>
+        </p:spPr>
+        <p:txBody>
+          <a:bodyPr wrap="square" rtlCol="0">
+            <a:spAutoFit/>
+          </a:bodyPr>
+          <a:lstStyle/>
+          <a:p>
+            <a:r>
+              <a:rPr lang="en-US" altLang="zh-CN" sz="1400" dirty="0">
+                <a:solidFill>
+                  <a:srgbClr val="002060"/>
+                </a:solidFill>
+              </a:rPr>
+              <a:t>06-21 16:01:51</a:t>
+            </a:r>
+          </a:p>
+        </p:txBody>
+      </p:sp>
+      <p:sp>
+        <p:nvSpPr>
+          <p:cNvPr id="42" name="Oval 41">
+            <a:extLst>
+              <a:ext uri="{FF2B5EF4-FFF2-40B4-BE49-F238E27FC236}">
+                <a16:creationId xmlns:a16="http://schemas.microsoft.com/office/drawing/2014/main" id="{0B38AF17-4293-D195-A1F2-8D1E8D60364B}"/>
+              </a:ext>
+            </a:extLst>
+          </p:cNvPr>
+          <p:cNvSpPr/>
+          <p:nvPr/>
+        </p:nvSpPr>
+        <p:spPr>
+          <a:xfrm>
+            <a:off x="8840563" y="4432474"/>
+            <a:ext cx="152400" cy="152400"/>
+          </a:xfrm>
+          <a:prstGeom prst="ellipse">
+            <a:avLst/>
+          </a:prstGeom>
+          <a:solidFill>
+            <a:srgbClr val="FFC000"/>
+          </a:solidFill>
+        </p:spPr>
+        <p:style>
+          <a:lnRef idx="2">
+            <a:schemeClr val="accent1">
+              <a:shade val="50000"/>
+            </a:schemeClr>
+          </a:lnRef>
+          <a:fillRef idx="1">
+            <a:schemeClr val="accent1"/>
+          </a:fillRef>
+          <a:effectRef idx="0">
+            <a:schemeClr val="accent1"/>
+          </a:effectRef>
+          <a:fontRef idx="minor">
+            <a:schemeClr val="lt1"/>
+          </a:fontRef>
+        </p:style>
+        <p:txBody>
+          <a:bodyPr rtlCol="0" anchor="ctr"/>
+          <a:lstStyle/>
+          <a:p>
+            <a:pPr algn="ctr"/>
+            <a:endParaRPr lang="en-US"/>
+          </a:p>
+        </p:txBody>
+      </p:sp>
+      <p:sp>
+        <p:nvSpPr>
+          <p:cNvPr id="43" name="文本框 2">
+            <a:extLst>
+              <a:ext uri="{FF2B5EF4-FFF2-40B4-BE49-F238E27FC236}">
+                <a16:creationId xmlns:a16="http://schemas.microsoft.com/office/drawing/2014/main" id="{EB088E63-2EA9-7866-76AD-BB65E556714D}"/>
+              </a:ext>
+            </a:extLst>
+          </p:cNvPr>
+          <p:cNvSpPr txBox="1"/>
+          <p:nvPr/>
+        </p:nvSpPr>
+        <p:spPr>
+          <a:xfrm>
+            <a:off x="8268843" y="4713063"/>
+            <a:ext cx="1295839" cy="307777"/>
+          </a:xfrm>
+          <a:prstGeom prst="rect">
+            <a:avLst/>
+          </a:prstGeom>
+          <a:noFill/>
+        </p:spPr>
+        <p:txBody>
+          <a:bodyPr wrap="square" rtlCol="0">
+            <a:spAutoFit/>
+          </a:bodyPr>
+          <a:lstStyle/>
+          <a:p>
+            <a:r>
+              <a:rPr lang="en-US" altLang="zh-CN" sz="1400" dirty="0">
+                <a:solidFill>
+                  <a:srgbClr val="002060"/>
+                </a:solidFill>
+              </a:rPr>
+              <a:t>06-21 16:21:23</a:t>
+            </a:r>
+          </a:p>
+        </p:txBody>
+      </p:sp>
+      <p:sp>
+        <p:nvSpPr>
+          <p:cNvPr id="44" name="Right Brace 43">
+            <a:extLst>
+              <a:ext uri="{FF2B5EF4-FFF2-40B4-BE49-F238E27FC236}">
+                <a16:creationId xmlns:a16="http://schemas.microsoft.com/office/drawing/2014/main" id="{A7602942-5527-ED50-27E7-A923E8591552}"/>
+              </a:ext>
+            </a:extLst>
+          </p:cNvPr>
+          <p:cNvSpPr/>
+          <p:nvPr/>
+        </p:nvSpPr>
+        <p:spPr>
+          <a:xfrm rot="16200000">
+            <a:off x="8106333" y="3547415"/>
+            <a:ext cx="171263" cy="1377607"/>
+          </a:xfrm>
+          <a:prstGeom prst="rightBrace">
+            <a:avLst/>
+          </a:prstGeom>
+          <a:ln w="25400">
+            <a:solidFill>
+              <a:srgbClr val="16349E"/>
+            </a:solidFill>
+          </a:ln>
+        </p:spPr>
+        <p:style>
+          <a:lnRef idx="1">
+            <a:schemeClr val="accent1"/>
+          </a:lnRef>
+          <a:fillRef idx="0">
+            <a:schemeClr val="accent1"/>
+          </a:fillRef>
+          <a:effectRef idx="0">
+            <a:schemeClr val="accent1"/>
+          </a:effectRef>
+          <a:fontRef idx="minor">
+            <a:schemeClr val="tx1"/>
+          </a:fontRef>
+        </p:style>
+        <p:txBody>
+          <a:bodyPr rtlCol="0" anchor="ctr"/>
+          <a:lstStyle/>
+          <a:p>
+            <a:pPr algn="ctr"/>
+            <a:endParaRPr lang="en-US"/>
+          </a:p>
+        </p:txBody>
+      </p:sp>
+      <p:sp>
+        <p:nvSpPr>
+          <p:cNvPr id="45" name="文本框 2">
+            <a:extLst>
+              <a:ext uri="{FF2B5EF4-FFF2-40B4-BE49-F238E27FC236}">
+                <a16:creationId xmlns:a16="http://schemas.microsoft.com/office/drawing/2014/main" id="{81164DE9-816F-E9D6-A944-04FF4DB3FEC1}"/>
+              </a:ext>
+            </a:extLst>
+          </p:cNvPr>
+          <p:cNvSpPr txBox="1"/>
+          <p:nvPr/>
+        </p:nvSpPr>
+        <p:spPr>
+          <a:xfrm>
+            <a:off x="7355532" y="3765110"/>
+            <a:ext cx="1773382" cy="307777"/>
+          </a:xfrm>
+          <a:prstGeom prst="rect">
+            <a:avLst/>
+          </a:prstGeom>
+          <a:noFill/>
+        </p:spPr>
+        <p:txBody>
+          <a:bodyPr wrap="square" rtlCol="0">
+            <a:spAutoFit/>
+          </a:bodyPr>
+          <a:lstStyle/>
+          <a:p>
+            <a:r>
+              <a:rPr lang="en-US" altLang="zh-CN" sz="1400" dirty="0">
+                <a:solidFill>
+                  <a:srgbClr val="002060"/>
+                </a:solidFill>
+              </a:rPr>
+              <a:t>Account info-change</a:t>
+            </a:r>
+          </a:p>
+        </p:txBody>
+      </p:sp>
+      <p:sp>
+        <p:nvSpPr>
+          <p:cNvPr id="51" name="Slide Number Placeholder 5">
+            <a:extLst>
+              <a:ext uri="{FF2B5EF4-FFF2-40B4-BE49-F238E27FC236}">
+                <a16:creationId xmlns:a16="http://schemas.microsoft.com/office/drawing/2014/main" id="{EEBB9B1A-0E35-60E8-59EC-2F93BE3D5A29}"/>
+              </a:ext>
+            </a:extLst>
+          </p:cNvPr>
+          <p:cNvSpPr txBox="1">
+            <a:spLocks/>
+          </p:cNvSpPr>
+          <p:nvPr/>
+        </p:nvSpPr>
+        <p:spPr>
+          <a:xfrm>
+            <a:off x="8610600" y="6356350"/>
+            <a:ext cx="2743200" cy="365125"/>
+          </a:xfrm>
+          <a:prstGeom prst="rect">
+            <a:avLst/>
+          </a:prstGeom>
+        </p:spPr>
+        <p:txBody>
+          <a:bodyPr vert="horz" lIns="91440" tIns="45720" rIns="91440" bIns="45720" rtlCol="0" anchor="ctr"/>
+          <a:lstStyle>
+            <a:defPPr>
+              <a:defRPr lang="zh-CN"/>
+            </a:defPPr>
+            <a:lvl1pPr marL="0" algn="r" defTabSz="914400" rtl="0" eaLnBrk="1" latinLnBrk="0" hangingPunct="1">
+              <a:defRPr sz="1200" kern="1200">
+                <a:solidFill>
+                  <a:schemeClr val="tx1">
+                    <a:tint val="75000"/>
+                  </a:schemeClr>
+                </a:solidFill>
+                <a:latin typeface="+mn-lt"/>
+                <a:ea typeface="+mn-ea"/>
+                <a:cs typeface="+mn-cs"/>
+              </a:defRPr>
+            </a:lvl1pPr>
+            <a:lvl2pPr marL="457200" algn="l" defTabSz="914400" rtl="0" eaLnBrk="1" latinLnBrk="0" hangingPunct="1">
+              <a:defRPr sz="1800" kern="1200">
+                <a:solidFill>
+                  <a:schemeClr val="tx1"/>
+                </a:solidFill>
+                <a:latin typeface="+mn-lt"/>
+                <a:ea typeface="+mn-ea"/>
+                <a:cs typeface="+mn-cs"/>
+              </a:defRPr>
+            </a:lvl2pPr>
+            <a:lvl3pPr marL="914400" algn="l" defTabSz="914400" rtl="0" eaLnBrk="1" latinLnBrk="0" hangingPunct="1">
+              <a:defRPr sz="1800" kern="1200">
+                <a:solidFill>
+                  <a:schemeClr val="tx1"/>
+                </a:solidFill>
+                <a:latin typeface="+mn-lt"/>
+                <a:ea typeface="+mn-ea"/>
+                <a:cs typeface="+mn-cs"/>
+              </a:defRPr>
+            </a:lvl3pPr>
+            <a:lvl4pPr marL="1371600" algn="l" defTabSz="914400" rtl="0" eaLnBrk="1" latinLnBrk="0" hangingPunct="1">
+              <a:defRPr sz="1800" kern="1200">
+                <a:solidFill>
+                  <a:schemeClr val="tx1"/>
+                </a:solidFill>
+                <a:latin typeface="+mn-lt"/>
+                <a:ea typeface="+mn-ea"/>
+                <a:cs typeface="+mn-cs"/>
+              </a:defRPr>
+            </a:lvl4pPr>
+            <a:lvl5pPr marL="1828800" algn="l" defTabSz="914400" rtl="0" eaLnBrk="1" latinLnBrk="0" hangingPunct="1">
+              <a:defRPr sz="1800" kern="1200">
+                <a:solidFill>
+                  <a:schemeClr val="tx1"/>
+                </a:solidFill>
+                <a:latin typeface="+mn-lt"/>
+                <a:ea typeface="+mn-ea"/>
+                <a:cs typeface="+mn-cs"/>
+              </a:defRPr>
+            </a:lvl5pPr>
+            <a:lvl6pPr marL="2286000" algn="l" defTabSz="914400" rtl="0" eaLnBrk="1" latinLnBrk="0" hangingPunct="1">
+              <a:defRPr sz="1800" kern="1200">
+                <a:solidFill>
+                  <a:schemeClr val="tx1"/>
+                </a:solidFill>
+                <a:latin typeface="+mn-lt"/>
+                <a:ea typeface="+mn-ea"/>
+                <a:cs typeface="+mn-cs"/>
+              </a:defRPr>
+            </a:lvl6pPr>
+            <a:lvl7pPr marL="2743200" algn="l" defTabSz="914400" rtl="0" eaLnBrk="1" latinLnBrk="0" hangingPunct="1">
+              <a:defRPr sz="1800" kern="1200">
+                <a:solidFill>
+                  <a:schemeClr val="tx1"/>
+                </a:solidFill>
+                <a:latin typeface="+mn-lt"/>
+                <a:ea typeface="+mn-ea"/>
+                <a:cs typeface="+mn-cs"/>
+              </a:defRPr>
+            </a:lvl7pPr>
+            <a:lvl8pPr marL="3200400" algn="l" defTabSz="914400" rtl="0" eaLnBrk="1" latinLnBrk="0" hangingPunct="1">
+              <a:defRPr sz="1800" kern="1200">
+                <a:solidFill>
+                  <a:schemeClr val="tx1"/>
+                </a:solidFill>
+                <a:latin typeface="+mn-lt"/>
+                <a:ea typeface="+mn-ea"/>
+                <a:cs typeface="+mn-cs"/>
+              </a:defRPr>
+            </a:lvl8pPr>
+            <a:lvl9pPr marL="3657600" algn="l" defTabSz="914400" rtl="0" eaLnBrk="1" latinLnBrk="0" hangingPunct="1">
+              <a:defRPr sz="1800" kern="1200">
+                <a:solidFill>
+                  <a:schemeClr val="tx1"/>
+                </a:solidFill>
+                <a:latin typeface="+mn-lt"/>
+                <a:ea typeface="+mn-ea"/>
+                <a:cs typeface="+mn-cs"/>
+              </a:defRPr>
+            </a:lvl9pPr>
+          </a:lstStyle>
+          <a:p>
+            <a:fld id="{9478C395-1283-4E41-8724-2D9F689566D8}" type="slidenum">
+              <a:rPr lang="en-SG" smtClean="0"/>
+              <a:pPr/>
+              <a:t>4</a:t>
+            </a:fld>
+            <a:endParaRPr lang="en-SG" dirty="0"/>
           </a:p>
         </p:txBody>
       </p:sp>
@@ -24407,6 +26815,4628 @@
     <p:extLst>
       <p:ext uri="{BB962C8B-B14F-4D97-AF65-F5344CB8AC3E}">
         <p14:creationId xmlns:p14="http://schemas.microsoft.com/office/powerpoint/2010/main" val="2900729104"/>
+      </p:ext>
+    </p:extLst>
+  </p:cSld>
+  <p:clrMapOvr>
+    <a:masterClrMapping/>
+  </p:clrMapOvr>
+</p:sld>
+</file>
+
+<file path=ppt/slides/slide5.xml><?xml version="1.0" encoding="utf-8"?>
+<p:sld xmlns:a="http://schemas.openxmlformats.org/drawingml/2006/main" xmlns:r="http://schemas.openxmlformats.org/officeDocument/2006/relationships" xmlns:p="http://schemas.openxmlformats.org/presentationml/2006/main">
+  <p:cSld>
+    <p:spTree>
+      <p:nvGrpSpPr>
+        <p:cNvPr id="1" name=""/>
+        <p:cNvGrpSpPr/>
+        <p:nvPr/>
+      </p:nvGrpSpPr>
+      <p:grpSpPr>
+        <a:xfrm>
+          <a:off x="0" y="0"/>
+          <a:ext cx="0" cy="0"/>
+          <a:chOff x="0" y="0"/>
+          <a:chExt cx="0" cy="0"/>
+        </a:xfrm>
+      </p:grpSpPr>
+      <p:sp>
+        <p:nvSpPr>
+          <p:cNvPr id="2" name="Title 1">
+            <a:extLst>
+              <a:ext uri="{FF2B5EF4-FFF2-40B4-BE49-F238E27FC236}">
+                <a16:creationId xmlns:a16="http://schemas.microsoft.com/office/drawing/2014/main" id="{83D41F3B-3683-E6A9-52A1-FCEF86BA6F27}"/>
+              </a:ext>
+            </a:extLst>
+          </p:cNvPr>
+          <p:cNvSpPr>
+            <a:spLocks noGrp="1"/>
+          </p:cNvSpPr>
+          <p:nvPr>
+            <p:ph type="title"/>
+          </p:nvPr>
+        </p:nvSpPr>
+        <p:spPr/>
+        <p:txBody>
+          <a:bodyPr/>
+          <a:lstStyle/>
+          <a:p>
+            <a:r>
+              <a:rPr lang="en-US" dirty="0">
+                <a:latin typeface="Calibri" panose="020F0502020204030204" pitchFamily="34" charset="0"/>
+                <a:cs typeface="Calibri" panose="020F0502020204030204" pitchFamily="34" charset="0"/>
+              </a:rPr>
+              <a:t>Big picture for ATO detection</a:t>
+            </a:r>
+          </a:p>
+        </p:txBody>
+      </p:sp>
+      <p:sp>
+        <p:nvSpPr>
+          <p:cNvPr id="4" name="Text Placeholder 3">
+            <a:extLst>
+              <a:ext uri="{FF2B5EF4-FFF2-40B4-BE49-F238E27FC236}">
+                <a16:creationId xmlns:a16="http://schemas.microsoft.com/office/drawing/2014/main" id="{AABD4BC1-EB92-2AAA-359C-BF2066C24D47}"/>
+              </a:ext>
+            </a:extLst>
+          </p:cNvPr>
+          <p:cNvSpPr>
+            <a:spLocks noGrp="1"/>
+          </p:cNvSpPr>
+          <p:nvPr>
+            <p:ph type="body" sz="quarter" idx="23"/>
+          </p:nvPr>
+        </p:nvSpPr>
+        <p:spPr/>
+        <p:txBody>
+          <a:bodyPr/>
+          <a:lstStyle/>
+          <a:p>
+            <a:endParaRPr lang="en-US" dirty="0"/>
+          </a:p>
+        </p:txBody>
+      </p:sp>
+      <p:sp>
+        <p:nvSpPr>
+          <p:cNvPr id="3" name="Rectangle 2">
+            <a:extLst>
+              <a:ext uri="{FF2B5EF4-FFF2-40B4-BE49-F238E27FC236}">
+                <a16:creationId xmlns:a16="http://schemas.microsoft.com/office/drawing/2014/main" id="{9E33968A-F281-73A3-7CA8-57D4D29896ED}"/>
+              </a:ext>
+            </a:extLst>
+          </p:cNvPr>
+          <p:cNvSpPr/>
+          <p:nvPr/>
+        </p:nvSpPr>
+        <p:spPr>
+          <a:xfrm>
+            <a:off x="1975868" y="3226050"/>
+            <a:ext cx="1530256" cy="817420"/>
+          </a:xfrm>
+          <a:prstGeom prst="rect">
+            <a:avLst/>
+          </a:prstGeom>
+          <a:solidFill>
+            <a:srgbClr val="4372C4"/>
+          </a:solidFill>
+          <a:ln>
+            <a:noFill/>
+          </a:ln>
+        </p:spPr>
+        <p:style>
+          <a:lnRef idx="2">
+            <a:schemeClr val="accent1">
+              <a:shade val="50000"/>
+            </a:schemeClr>
+          </a:lnRef>
+          <a:fillRef idx="1">
+            <a:schemeClr val="accent1"/>
+          </a:fillRef>
+          <a:effectRef idx="0">
+            <a:schemeClr val="accent1"/>
+          </a:effectRef>
+          <a:fontRef idx="minor">
+            <a:schemeClr val="lt1"/>
+          </a:fontRef>
+        </p:style>
+        <p:txBody>
+          <a:bodyPr rtlCol="0" anchor="ctr"/>
+          <a:lstStyle/>
+          <a:p>
+            <a:pPr algn="ctr"/>
+            <a:r>
+              <a:rPr lang="en-US" sz="2000" dirty="0"/>
+              <a:t>Login</a:t>
+            </a:r>
+          </a:p>
+        </p:txBody>
+      </p:sp>
+      <p:sp>
+        <p:nvSpPr>
+          <p:cNvPr id="5" name="Rectangle 4">
+            <a:extLst>
+              <a:ext uri="{FF2B5EF4-FFF2-40B4-BE49-F238E27FC236}">
+                <a16:creationId xmlns:a16="http://schemas.microsoft.com/office/drawing/2014/main" id="{7D9FCFC1-ACC7-9824-E40F-63E52EA4451D}"/>
+              </a:ext>
+            </a:extLst>
+          </p:cNvPr>
+          <p:cNvSpPr/>
+          <p:nvPr/>
+        </p:nvSpPr>
+        <p:spPr>
+          <a:xfrm>
+            <a:off x="6803297" y="4706426"/>
+            <a:ext cx="1807303" cy="817420"/>
+          </a:xfrm>
+          <a:prstGeom prst="rect">
+            <a:avLst/>
+          </a:prstGeom>
+          <a:solidFill>
+            <a:srgbClr val="4372C4"/>
+          </a:solidFill>
+          <a:ln>
+            <a:noFill/>
+          </a:ln>
+        </p:spPr>
+        <p:style>
+          <a:lnRef idx="2">
+            <a:schemeClr val="accent1">
+              <a:shade val="50000"/>
+            </a:schemeClr>
+          </a:lnRef>
+          <a:fillRef idx="1">
+            <a:schemeClr val="accent1"/>
+          </a:fillRef>
+          <a:effectRef idx="0">
+            <a:schemeClr val="accent1"/>
+          </a:effectRef>
+          <a:fontRef idx="minor">
+            <a:schemeClr val="lt1"/>
+          </a:fontRef>
+        </p:style>
+        <p:txBody>
+          <a:bodyPr rtlCol="0" anchor="ctr"/>
+          <a:lstStyle/>
+          <a:p>
+            <a:pPr algn="ctr"/>
+            <a:r>
+              <a:rPr lang="en-US" sz="2000" dirty="0"/>
+              <a:t>Order-create</a:t>
+            </a:r>
+          </a:p>
+        </p:txBody>
+      </p:sp>
+      <p:cxnSp>
+        <p:nvCxnSpPr>
+          <p:cNvPr id="7" name="Elbow Connector 6">
+            <a:extLst>
+              <a:ext uri="{FF2B5EF4-FFF2-40B4-BE49-F238E27FC236}">
+                <a16:creationId xmlns:a16="http://schemas.microsoft.com/office/drawing/2014/main" id="{65CA402D-FAA1-232D-5561-363DDB4941D5}"/>
+              </a:ext>
+            </a:extLst>
+          </p:cNvPr>
+          <p:cNvCxnSpPr>
+            <a:cxnSpLocks/>
+            <a:endCxn id="17" idx="1"/>
+          </p:cNvCxnSpPr>
+          <p:nvPr/>
+        </p:nvCxnSpPr>
+        <p:spPr>
+          <a:xfrm flipV="1">
+            <a:off x="3506124" y="2154384"/>
+            <a:ext cx="3285682" cy="1457533"/>
+          </a:xfrm>
+          <a:prstGeom prst="bentConnector3">
+            <a:avLst/>
+          </a:prstGeom>
+          <a:ln w="22225">
+            <a:solidFill>
+              <a:srgbClr val="16349E"/>
+            </a:solidFill>
+            <a:tailEnd type="triangle"/>
+          </a:ln>
+        </p:spPr>
+        <p:style>
+          <a:lnRef idx="1">
+            <a:schemeClr val="accent1"/>
+          </a:lnRef>
+          <a:fillRef idx="0">
+            <a:schemeClr val="accent1"/>
+          </a:fillRef>
+          <a:effectRef idx="0">
+            <a:schemeClr val="accent1"/>
+          </a:effectRef>
+          <a:fontRef idx="minor">
+            <a:schemeClr val="tx1"/>
+          </a:fontRef>
+        </p:style>
+      </p:cxnSp>
+      <p:cxnSp>
+        <p:nvCxnSpPr>
+          <p:cNvPr id="9" name="Elbow Connector 8">
+            <a:extLst>
+              <a:ext uri="{FF2B5EF4-FFF2-40B4-BE49-F238E27FC236}">
+                <a16:creationId xmlns:a16="http://schemas.microsoft.com/office/drawing/2014/main" id="{D980791D-75C9-C3D5-B0E9-F650FE7114B6}"/>
+              </a:ext>
+            </a:extLst>
+          </p:cNvPr>
+          <p:cNvCxnSpPr>
+            <a:cxnSpLocks/>
+            <a:endCxn id="5" idx="1"/>
+          </p:cNvCxnSpPr>
+          <p:nvPr/>
+        </p:nvCxnSpPr>
+        <p:spPr>
+          <a:xfrm>
+            <a:off x="3494635" y="3611917"/>
+            <a:ext cx="3308662" cy="1503219"/>
+          </a:xfrm>
+          <a:prstGeom prst="bentConnector3">
+            <a:avLst>
+              <a:gd name="adj1" fmla="val 50000"/>
+            </a:avLst>
+          </a:prstGeom>
+          <a:ln w="22225">
+            <a:solidFill>
+              <a:srgbClr val="16349E"/>
+            </a:solidFill>
+            <a:tailEnd type="triangle"/>
+          </a:ln>
+        </p:spPr>
+        <p:style>
+          <a:lnRef idx="1">
+            <a:schemeClr val="accent1"/>
+          </a:lnRef>
+          <a:fillRef idx="0">
+            <a:schemeClr val="accent1"/>
+          </a:fillRef>
+          <a:effectRef idx="0">
+            <a:schemeClr val="accent1"/>
+          </a:effectRef>
+          <a:fontRef idx="minor">
+            <a:schemeClr val="tx1"/>
+          </a:fontRef>
+        </p:style>
+      </p:cxnSp>
+      <p:sp>
+        <p:nvSpPr>
+          <p:cNvPr id="17" name="Rectangle 16">
+            <a:extLst>
+              <a:ext uri="{FF2B5EF4-FFF2-40B4-BE49-F238E27FC236}">
+                <a16:creationId xmlns:a16="http://schemas.microsoft.com/office/drawing/2014/main" id="{549E035A-A15B-1C92-B214-0A2DA01B2BB3}"/>
+              </a:ext>
+            </a:extLst>
+          </p:cNvPr>
+          <p:cNvSpPr/>
+          <p:nvPr/>
+        </p:nvSpPr>
+        <p:spPr>
+          <a:xfrm>
+            <a:off x="6791806" y="1745674"/>
+            <a:ext cx="1818794" cy="817420"/>
+          </a:xfrm>
+          <a:prstGeom prst="rect">
+            <a:avLst/>
+          </a:prstGeom>
+          <a:solidFill>
+            <a:srgbClr val="DE4A16"/>
+          </a:solidFill>
+          <a:ln>
+            <a:noFill/>
+          </a:ln>
+        </p:spPr>
+        <p:style>
+          <a:lnRef idx="2">
+            <a:schemeClr val="accent1">
+              <a:shade val="50000"/>
+            </a:schemeClr>
+          </a:lnRef>
+          <a:fillRef idx="1">
+            <a:schemeClr val="accent1"/>
+          </a:fillRef>
+          <a:effectRef idx="0">
+            <a:schemeClr val="accent1"/>
+          </a:effectRef>
+          <a:fontRef idx="minor">
+            <a:schemeClr val="lt1"/>
+          </a:fontRef>
+        </p:style>
+        <p:txBody>
+          <a:bodyPr rtlCol="0" anchor="ctr"/>
+          <a:lstStyle/>
+          <a:p>
+            <a:pPr algn="ctr"/>
+            <a:r>
+              <a:rPr lang="en-US" sz="2000" dirty="0"/>
+              <a:t>Info-change</a:t>
+            </a:r>
+          </a:p>
+        </p:txBody>
+      </p:sp>
+      <p:cxnSp>
+        <p:nvCxnSpPr>
+          <p:cNvPr id="19" name="Straight Arrow Connector 18">
+            <a:extLst>
+              <a:ext uri="{FF2B5EF4-FFF2-40B4-BE49-F238E27FC236}">
+                <a16:creationId xmlns:a16="http://schemas.microsoft.com/office/drawing/2014/main" id="{EA994325-A943-B749-F839-5269AA3ED21B}"/>
+              </a:ext>
+            </a:extLst>
+          </p:cNvPr>
+          <p:cNvCxnSpPr>
+            <a:cxnSpLocks/>
+          </p:cNvCxnSpPr>
+          <p:nvPr/>
+        </p:nvCxnSpPr>
+        <p:spPr>
+          <a:xfrm>
+            <a:off x="3506124" y="3607050"/>
+            <a:ext cx="3285683" cy="0"/>
+          </a:xfrm>
+          <a:prstGeom prst="straightConnector1">
+            <a:avLst/>
+          </a:prstGeom>
+          <a:ln w="22225">
+            <a:solidFill>
+              <a:srgbClr val="16349E"/>
+            </a:solidFill>
+            <a:tailEnd type="triangle"/>
+          </a:ln>
+        </p:spPr>
+        <p:style>
+          <a:lnRef idx="1">
+            <a:schemeClr val="accent1"/>
+          </a:lnRef>
+          <a:fillRef idx="0">
+            <a:schemeClr val="accent1"/>
+          </a:fillRef>
+          <a:effectRef idx="0">
+            <a:schemeClr val="accent1"/>
+          </a:effectRef>
+          <a:fontRef idx="minor">
+            <a:schemeClr val="tx1"/>
+          </a:fontRef>
+        </p:style>
+      </p:cxnSp>
+      <p:sp>
+        <p:nvSpPr>
+          <p:cNvPr id="20" name="Rectangle 19">
+            <a:extLst>
+              <a:ext uri="{FF2B5EF4-FFF2-40B4-BE49-F238E27FC236}">
+                <a16:creationId xmlns:a16="http://schemas.microsoft.com/office/drawing/2014/main" id="{D20B1F2A-C2D2-0B44-BAFE-751B8FBA2B21}"/>
+              </a:ext>
+            </a:extLst>
+          </p:cNvPr>
+          <p:cNvSpPr/>
+          <p:nvPr/>
+        </p:nvSpPr>
+        <p:spPr>
+          <a:xfrm>
+            <a:off x="6791807" y="3212195"/>
+            <a:ext cx="1818793" cy="817420"/>
+          </a:xfrm>
+          <a:prstGeom prst="rect">
+            <a:avLst/>
+          </a:prstGeom>
+          <a:solidFill>
+            <a:srgbClr val="DE4A16"/>
+          </a:solidFill>
+          <a:ln>
+            <a:noFill/>
+          </a:ln>
+        </p:spPr>
+        <p:style>
+          <a:lnRef idx="2">
+            <a:schemeClr val="accent1">
+              <a:shade val="50000"/>
+            </a:schemeClr>
+          </a:lnRef>
+          <a:fillRef idx="1">
+            <a:schemeClr val="accent1"/>
+          </a:fillRef>
+          <a:effectRef idx="0">
+            <a:schemeClr val="accent1"/>
+          </a:effectRef>
+          <a:fontRef idx="minor">
+            <a:schemeClr val="lt1"/>
+          </a:fontRef>
+        </p:style>
+        <p:txBody>
+          <a:bodyPr rtlCol="0" anchor="ctr"/>
+          <a:lstStyle/>
+          <a:p>
+            <a:pPr algn="ctr"/>
+            <a:r>
+              <a:rPr lang="en-US" sz="2000" dirty="0"/>
+              <a:t>Refund</a:t>
+            </a:r>
+          </a:p>
+        </p:txBody>
+      </p:sp>
+      <p:sp>
+        <p:nvSpPr>
+          <p:cNvPr id="24" name="Rectangle 23">
+            <a:extLst>
+              <a:ext uri="{FF2B5EF4-FFF2-40B4-BE49-F238E27FC236}">
+                <a16:creationId xmlns:a16="http://schemas.microsoft.com/office/drawing/2014/main" id="{7E15FEF1-3FDE-7713-526C-E30C5D5E1290}"/>
+              </a:ext>
+            </a:extLst>
+          </p:cNvPr>
+          <p:cNvSpPr/>
+          <p:nvPr/>
+        </p:nvSpPr>
+        <p:spPr>
+          <a:xfrm>
+            <a:off x="1975869" y="4029615"/>
+            <a:ext cx="1530256" cy="504780"/>
+          </a:xfrm>
+          <a:prstGeom prst="rect">
+            <a:avLst/>
+          </a:prstGeom>
+          <a:solidFill>
+            <a:srgbClr val="F30381"/>
+          </a:solidFill>
+          <a:ln>
+            <a:noFill/>
+          </a:ln>
+        </p:spPr>
+        <p:style>
+          <a:lnRef idx="2">
+            <a:schemeClr val="accent1">
+              <a:shade val="50000"/>
+            </a:schemeClr>
+          </a:lnRef>
+          <a:fillRef idx="1">
+            <a:schemeClr val="accent1"/>
+          </a:fillRef>
+          <a:effectRef idx="0">
+            <a:schemeClr val="accent1"/>
+          </a:effectRef>
+          <a:fontRef idx="minor">
+            <a:schemeClr val="lt1"/>
+          </a:fontRef>
+        </p:style>
+        <p:txBody>
+          <a:bodyPr rtlCol="0" anchor="ctr"/>
+          <a:lstStyle/>
+          <a:p>
+            <a:pPr algn="ctr"/>
+            <a:r>
+              <a:rPr lang="en-US" dirty="0"/>
+              <a:t>Scam-seller</a:t>
+            </a:r>
+          </a:p>
+        </p:txBody>
+      </p:sp>
+      <p:sp>
+        <p:nvSpPr>
+          <p:cNvPr id="27" name="Rectangle 26">
+            <a:extLst>
+              <a:ext uri="{FF2B5EF4-FFF2-40B4-BE49-F238E27FC236}">
+                <a16:creationId xmlns:a16="http://schemas.microsoft.com/office/drawing/2014/main" id="{6EA34EF0-3A66-0B19-089C-B63CCCBA92B1}"/>
+              </a:ext>
+            </a:extLst>
+          </p:cNvPr>
+          <p:cNvSpPr/>
+          <p:nvPr/>
+        </p:nvSpPr>
+        <p:spPr>
+          <a:xfrm>
+            <a:off x="6803507" y="5514858"/>
+            <a:ext cx="1807093" cy="504780"/>
+          </a:xfrm>
+          <a:prstGeom prst="rect">
+            <a:avLst/>
+          </a:prstGeom>
+          <a:solidFill>
+            <a:srgbClr val="F30381"/>
+          </a:solidFill>
+          <a:ln>
+            <a:noFill/>
+          </a:ln>
+        </p:spPr>
+        <p:style>
+          <a:lnRef idx="2">
+            <a:schemeClr val="accent1">
+              <a:shade val="50000"/>
+            </a:schemeClr>
+          </a:lnRef>
+          <a:fillRef idx="1">
+            <a:schemeClr val="accent1"/>
+          </a:fillRef>
+          <a:effectRef idx="0">
+            <a:schemeClr val="accent1"/>
+          </a:effectRef>
+          <a:fontRef idx="minor">
+            <a:schemeClr val="lt1"/>
+          </a:fontRef>
+        </p:style>
+        <p:txBody>
+          <a:bodyPr rtlCol="0" anchor="ctr"/>
+          <a:lstStyle/>
+          <a:p>
+            <a:pPr algn="ctr"/>
+            <a:r>
+              <a:rPr lang="en-US" dirty="0"/>
+              <a:t>Direct ATO</a:t>
+            </a:r>
+          </a:p>
+        </p:txBody>
+      </p:sp>
+      <p:sp>
+        <p:nvSpPr>
+          <p:cNvPr id="28" name="Slide Number Placeholder 5">
+            <a:extLst>
+              <a:ext uri="{FF2B5EF4-FFF2-40B4-BE49-F238E27FC236}">
+                <a16:creationId xmlns:a16="http://schemas.microsoft.com/office/drawing/2014/main" id="{0D94C322-59C4-AC31-A2AA-57849DE03D4C}"/>
+              </a:ext>
+            </a:extLst>
+          </p:cNvPr>
+          <p:cNvSpPr txBox="1">
+            <a:spLocks/>
+          </p:cNvSpPr>
+          <p:nvPr/>
+        </p:nvSpPr>
+        <p:spPr>
+          <a:xfrm>
+            <a:off x="8610600" y="6356350"/>
+            <a:ext cx="2743200" cy="365125"/>
+          </a:xfrm>
+          <a:prstGeom prst="rect">
+            <a:avLst/>
+          </a:prstGeom>
+        </p:spPr>
+        <p:txBody>
+          <a:bodyPr vert="horz" lIns="91440" tIns="45720" rIns="91440" bIns="45720" rtlCol="0" anchor="ctr"/>
+          <a:lstStyle>
+            <a:defPPr>
+              <a:defRPr lang="zh-CN"/>
+            </a:defPPr>
+            <a:lvl1pPr marL="0" algn="r" defTabSz="914400" rtl="0" eaLnBrk="1" latinLnBrk="0" hangingPunct="1">
+              <a:defRPr sz="1200" kern="1200">
+                <a:solidFill>
+                  <a:schemeClr val="tx1">
+                    <a:tint val="75000"/>
+                  </a:schemeClr>
+                </a:solidFill>
+                <a:latin typeface="+mn-lt"/>
+                <a:ea typeface="+mn-ea"/>
+                <a:cs typeface="+mn-cs"/>
+              </a:defRPr>
+            </a:lvl1pPr>
+            <a:lvl2pPr marL="457200" algn="l" defTabSz="914400" rtl="0" eaLnBrk="1" latinLnBrk="0" hangingPunct="1">
+              <a:defRPr sz="1800" kern="1200">
+                <a:solidFill>
+                  <a:schemeClr val="tx1"/>
+                </a:solidFill>
+                <a:latin typeface="+mn-lt"/>
+                <a:ea typeface="+mn-ea"/>
+                <a:cs typeface="+mn-cs"/>
+              </a:defRPr>
+            </a:lvl2pPr>
+            <a:lvl3pPr marL="914400" algn="l" defTabSz="914400" rtl="0" eaLnBrk="1" latinLnBrk="0" hangingPunct="1">
+              <a:defRPr sz="1800" kern="1200">
+                <a:solidFill>
+                  <a:schemeClr val="tx1"/>
+                </a:solidFill>
+                <a:latin typeface="+mn-lt"/>
+                <a:ea typeface="+mn-ea"/>
+                <a:cs typeface="+mn-cs"/>
+              </a:defRPr>
+            </a:lvl3pPr>
+            <a:lvl4pPr marL="1371600" algn="l" defTabSz="914400" rtl="0" eaLnBrk="1" latinLnBrk="0" hangingPunct="1">
+              <a:defRPr sz="1800" kern="1200">
+                <a:solidFill>
+                  <a:schemeClr val="tx1"/>
+                </a:solidFill>
+                <a:latin typeface="+mn-lt"/>
+                <a:ea typeface="+mn-ea"/>
+                <a:cs typeface="+mn-cs"/>
+              </a:defRPr>
+            </a:lvl4pPr>
+            <a:lvl5pPr marL="1828800" algn="l" defTabSz="914400" rtl="0" eaLnBrk="1" latinLnBrk="0" hangingPunct="1">
+              <a:defRPr sz="1800" kern="1200">
+                <a:solidFill>
+                  <a:schemeClr val="tx1"/>
+                </a:solidFill>
+                <a:latin typeface="+mn-lt"/>
+                <a:ea typeface="+mn-ea"/>
+                <a:cs typeface="+mn-cs"/>
+              </a:defRPr>
+            </a:lvl5pPr>
+            <a:lvl6pPr marL="2286000" algn="l" defTabSz="914400" rtl="0" eaLnBrk="1" latinLnBrk="0" hangingPunct="1">
+              <a:defRPr sz="1800" kern="1200">
+                <a:solidFill>
+                  <a:schemeClr val="tx1"/>
+                </a:solidFill>
+                <a:latin typeface="+mn-lt"/>
+                <a:ea typeface="+mn-ea"/>
+                <a:cs typeface="+mn-cs"/>
+              </a:defRPr>
+            </a:lvl6pPr>
+            <a:lvl7pPr marL="2743200" algn="l" defTabSz="914400" rtl="0" eaLnBrk="1" latinLnBrk="0" hangingPunct="1">
+              <a:defRPr sz="1800" kern="1200">
+                <a:solidFill>
+                  <a:schemeClr val="tx1"/>
+                </a:solidFill>
+                <a:latin typeface="+mn-lt"/>
+                <a:ea typeface="+mn-ea"/>
+                <a:cs typeface="+mn-cs"/>
+              </a:defRPr>
+            </a:lvl7pPr>
+            <a:lvl8pPr marL="3200400" algn="l" defTabSz="914400" rtl="0" eaLnBrk="1" latinLnBrk="0" hangingPunct="1">
+              <a:defRPr sz="1800" kern="1200">
+                <a:solidFill>
+                  <a:schemeClr val="tx1"/>
+                </a:solidFill>
+                <a:latin typeface="+mn-lt"/>
+                <a:ea typeface="+mn-ea"/>
+                <a:cs typeface="+mn-cs"/>
+              </a:defRPr>
+            </a:lvl8pPr>
+            <a:lvl9pPr marL="3657600" algn="l" defTabSz="914400" rtl="0" eaLnBrk="1" latinLnBrk="0" hangingPunct="1">
+              <a:defRPr sz="1800" kern="1200">
+                <a:solidFill>
+                  <a:schemeClr val="tx1"/>
+                </a:solidFill>
+                <a:latin typeface="+mn-lt"/>
+                <a:ea typeface="+mn-ea"/>
+                <a:cs typeface="+mn-cs"/>
+              </a:defRPr>
+            </a:lvl9pPr>
+          </a:lstStyle>
+          <a:p>
+            <a:fld id="{9478C395-1283-4E41-8724-2D9F689566D8}" type="slidenum">
+              <a:rPr lang="en-SG" smtClean="0"/>
+              <a:pPr/>
+              <a:t>5</a:t>
+            </a:fld>
+            <a:endParaRPr lang="en-SG" dirty="0"/>
+          </a:p>
+        </p:txBody>
+      </p:sp>
+      <p:sp>
+        <p:nvSpPr>
+          <p:cNvPr id="29" name="文本框 2">
+            <a:extLst>
+              <a:ext uri="{FF2B5EF4-FFF2-40B4-BE49-F238E27FC236}">
+                <a16:creationId xmlns:a16="http://schemas.microsoft.com/office/drawing/2014/main" id="{AD6A6A9D-C496-B058-15FA-05978334477A}"/>
+              </a:ext>
+            </a:extLst>
+          </p:cNvPr>
+          <p:cNvSpPr txBox="1"/>
+          <p:nvPr/>
+        </p:nvSpPr>
+        <p:spPr>
+          <a:xfrm>
+            <a:off x="616812" y="1126685"/>
+            <a:ext cx="10294070" cy="446276"/>
+          </a:xfrm>
+          <a:prstGeom prst="rect">
+            <a:avLst/>
+          </a:prstGeom>
+          <a:noFill/>
+        </p:spPr>
+        <p:txBody>
+          <a:bodyPr wrap="square" rtlCol="0">
+            <a:spAutoFit/>
+          </a:bodyPr>
+          <a:lstStyle/>
+          <a:p>
+            <a:pPr marL="285750" indent="-285750">
+              <a:buFont typeface="Arial" panose="020B0604020202020204" pitchFamily="34" charset="0"/>
+              <a:buChar char="•"/>
+            </a:pPr>
+            <a:r>
+              <a:rPr lang="en-US" altLang="zh-CN" sz="2300" dirty="0">
+                <a:solidFill>
+                  <a:srgbClr val="002060"/>
+                </a:solidFill>
+              </a:rPr>
+              <a:t>Idea: For ATO detection, models should be made for different scenarios.</a:t>
+            </a:r>
+          </a:p>
+        </p:txBody>
+      </p:sp>
+      <p:sp>
+        <p:nvSpPr>
+          <p:cNvPr id="30" name="Rectangle 29">
+            <a:extLst>
+              <a:ext uri="{FF2B5EF4-FFF2-40B4-BE49-F238E27FC236}">
+                <a16:creationId xmlns:a16="http://schemas.microsoft.com/office/drawing/2014/main" id="{38E0AD38-368C-9481-62E9-FBB2C333C993}"/>
+              </a:ext>
+            </a:extLst>
+          </p:cNvPr>
+          <p:cNvSpPr/>
+          <p:nvPr/>
+        </p:nvSpPr>
+        <p:spPr>
+          <a:xfrm>
+            <a:off x="9976758" y="1743262"/>
+            <a:ext cx="247276" cy="240821"/>
+          </a:xfrm>
+          <a:prstGeom prst="rect">
+            <a:avLst/>
+          </a:prstGeom>
+          <a:solidFill>
+            <a:srgbClr val="4372C4"/>
+          </a:solidFill>
+          <a:ln>
+            <a:noFill/>
+          </a:ln>
+        </p:spPr>
+        <p:style>
+          <a:lnRef idx="2">
+            <a:schemeClr val="accent1">
+              <a:shade val="50000"/>
+            </a:schemeClr>
+          </a:lnRef>
+          <a:fillRef idx="1">
+            <a:schemeClr val="accent1"/>
+          </a:fillRef>
+          <a:effectRef idx="0">
+            <a:schemeClr val="accent1"/>
+          </a:effectRef>
+          <a:fontRef idx="minor">
+            <a:schemeClr val="lt1"/>
+          </a:fontRef>
+        </p:style>
+        <p:txBody>
+          <a:bodyPr rtlCol="0" anchor="ctr"/>
+          <a:lstStyle/>
+          <a:p>
+            <a:pPr algn="ctr"/>
+            <a:endParaRPr lang="en-US" sz="2000" dirty="0"/>
+          </a:p>
+        </p:txBody>
+      </p:sp>
+      <p:sp>
+        <p:nvSpPr>
+          <p:cNvPr id="31" name="文本框 2">
+            <a:extLst>
+              <a:ext uri="{FF2B5EF4-FFF2-40B4-BE49-F238E27FC236}">
+                <a16:creationId xmlns:a16="http://schemas.microsoft.com/office/drawing/2014/main" id="{8B588414-3843-B5F6-4017-BA97931CBFF1}"/>
+              </a:ext>
+            </a:extLst>
+          </p:cNvPr>
+          <p:cNvSpPr txBox="1"/>
+          <p:nvPr/>
+        </p:nvSpPr>
+        <p:spPr>
+          <a:xfrm>
+            <a:off x="10224034" y="1725172"/>
+            <a:ext cx="1745681" cy="276999"/>
+          </a:xfrm>
+          <a:prstGeom prst="rect">
+            <a:avLst/>
+          </a:prstGeom>
+          <a:noFill/>
+        </p:spPr>
+        <p:txBody>
+          <a:bodyPr wrap="square" rtlCol="0">
+            <a:spAutoFit/>
+          </a:bodyPr>
+          <a:lstStyle/>
+          <a:p>
+            <a:r>
+              <a:rPr lang="en-US" altLang="zh-CN" sz="1200" dirty="0">
+                <a:solidFill>
+                  <a:srgbClr val="002060"/>
+                </a:solidFill>
+              </a:rPr>
+              <a:t>Done Model</a:t>
+            </a:r>
+          </a:p>
+        </p:txBody>
+      </p:sp>
+      <p:sp>
+        <p:nvSpPr>
+          <p:cNvPr id="32" name="Rectangle 31">
+            <a:extLst>
+              <a:ext uri="{FF2B5EF4-FFF2-40B4-BE49-F238E27FC236}">
+                <a16:creationId xmlns:a16="http://schemas.microsoft.com/office/drawing/2014/main" id="{E752BF7C-481B-D007-3F4C-578CBA329A14}"/>
+              </a:ext>
+            </a:extLst>
+          </p:cNvPr>
+          <p:cNvSpPr/>
+          <p:nvPr/>
+        </p:nvSpPr>
+        <p:spPr>
+          <a:xfrm>
+            <a:off x="9976758" y="2154382"/>
+            <a:ext cx="247276" cy="240821"/>
+          </a:xfrm>
+          <a:prstGeom prst="rect">
+            <a:avLst/>
+          </a:prstGeom>
+          <a:solidFill>
+            <a:srgbClr val="DE4A16"/>
+          </a:solidFill>
+          <a:ln>
+            <a:noFill/>
+          </a:ln>
+        </p:spPr>
+        <p:style>
+          <a:lnRef idx="2">
+            <a:schemeClr val="accent1">
+              <a:shade val="50000"/>
+            </a:schemeClr>
+          </a:lnRef>
+          <a:fillRef idx="1">
+            <a:schemeClr val="accent1"/>
+          </a:fillRef>
+          <a:effectRef idx="0">
+            <a:schemeClr val="accent1"/>
+          </a:effectRef>
+          <a:fontRef idx="minor">
+            <a:schemeClr val="lt1"/>
+          </a:fontRef>
+        </p:style>
+        <p:txBody>
+          <a:bodyPr rtlCol="0" anchor="ctr"/>
+          <a:lstStyle/>
+          <a:p>
+            <a:pPr algn="ctr"/>
+            <a:endParaRPr lang="en-US" sz="2000" dirty="0"/>
+          </a:p>
+        </p:txBody>
+      </p:sp>
+      <p:sp>
+        <p:nvSpPr>
+          <p:cNvPr id="33" name="文本框 2">
+            <a:extLst>
+              <a:ext uri="{FF2B5EF4-FFF2-40B4-BE49-F238E27FC236}">
+                <a16:creationId xmlns:a16="http://schemas.microsoft.com/office/drawing/2014/main" id="{744CFDC8-242E-EE87-D316-788836B2380E}"/>
+              </a:ext>
+            </a:extLst>
+          </p:cNvPr>
+          <p:cNvSpPr txBox="1"/>
+          <p:nvPr/>
+        </p:nvSpPr>
+        <p:spPr>
+          <a:xfrm>
+            <a:off x="10224034" y="2136292"/>
+            <a:ext cx="1745681" cy="276999"/>
+          </a:xfrm>
+          <a:prstGeom prst="rect">
+            <a:avLst/>
+          </a:prstGeom>
+          <a:noFill/>
+        </p:spPr>
+        <p:txBody>
+          <a:bodyPr wrap="square" rtlCol="0">
+            <a:spAutoFit/>
+          </a:bodyPr>
+          <a:lstStyle/>
+          <a:p>
+            <a:r>
+              <a:rPr lang="en-US" altLang="zh-CN" sz="1200" dirty="0">
+                <a:solidFill>
+                  <a:srgbClr val="002060"/>
+                </a:solidFill>
+              </a:rPr>
+              <a:t>To-do Model</a:t>
+            </a:r>
+          </a:p>
+        </p:txBody>
+      </p:sp>
+      <p:sp>
+        <p:nvSpPr>
+          <p:cNvPr id="34" name="Rectangle 33">
+            <a:extLst>
+              <a:ext uri="{FF2B5EF4-FFF2-40B4-BE49-F238E27FC236}">
+                <a16:creationId xmlns:a16="http://schemas.microsoft.com/office/drawing/2014/main" id="{103BD66B-DACB-6A3F-D1D1-7651FDE867FA}"/>
+              </a:ext>
+            </a:extLst>
+          </p:cNvPr>
+          <p:cNvSpPr/>
+          <p:nvPr/>
+        </p:nvSpPr>
+        <p:spPr>
+          <a:xfrm>
+            <a:off x="9976758" y="2586631"/>
+            <a:ext cx="247276" cy="240821"/>
+          </a:xfrm>
+          <a:prstGeom prst="rect">
+            <a:avLst/>
+          </a:prstGeom>
+          <a:solidFill>
+            <a:srgbClr val="F30381"/>
+          </a:solidFill>
+          <a:ln>
+            <a:noFill/>
+          </a:ln>
+        </p:spPr>
+        <p:style>
+          <a:lnRef idx="2">
+            <a:schemeClr val="accent1">
+              <a:shade val="50000"/>
+            </a:schemeClr>
+          </a:lnRef>
+          <a:fillRef idx="1">
+            <a:schemeClr val="accent1"/>
+          </a:fillRef>
+          <a:effectRef idx="0">
+            <a:schemeClr val="accent1"/>
+          </a:effectRef>
+          <a:fontRef idx="minor">
+            <a:schemeClr val="lt1"/>
+          </a:fontRef>
+        </p:style>
+        <p:txBody>
+          <a:bodyPr rtlCol="0" anchor="ctr"/>
+          <a:lstStyle/>
+          <a:p>
+            <a:pPr algn="ctr"/>
+            <a:endParaRPr lang="en-US" sz="2000" dirty="0"/>
+          </a:p>
+        </p:txBody>
+      </p:sp>
+      <p:sp>
+        <p:nvSpPr>
+          <p:cNvPr id="35" name="文本框 2">
+            <a:extLst>
+              <a:ext uri="{FF2B5EF4-FFF2-40B4-BE49-F238E27FC236}">
+                <a16:creationId xmlns:a16="http://schemas.microsoft.com/office/drawing/2014/main" id="{2D85FB55-EEBA-9C77-5657-5D3A5351466B}"/>
+              </a:ext>
+            </a:extLst>
+          </p:cNvPr>
+          <p:cNvSpPr txBox="1"/>
+          <p:nvPr/>
+        </p:nvSpPr>
+        <p:spPr>
+          <a:xfrm>
+            <a:off x="10224034" y="2568541"/>
+            <a:ext cx="1745681" cy="276999"/>
+          </a:xfrm>
+          <a:prstGeom prst="rect">
+            <a:avLst/>
+          </a:prstGeom>
+          <a:noFill/>
+        </p:spPr>
+        <p:txBody>
+          <a:bodyPr wrap="square" rtlCol="0">
+            <a:spAutoFit/>
+          </a:bodyPr>
+          <a:lstStyle/>
+          <a:p>
+            <a:r>
+              <a:rPr lang="en-US" altLang="zh-CN" sz="1200" dirty="0">
+                <a:solidFill>
+                  <a:srgbClr val="002060"/>
+                </a:solidFill>
+              </a:rPr>
+              <a:t>Related MO</a:t>
+            </a:r>
+          </a:p>
+        </p:txBody>
+      </p:sp>
+    </p:spTree>
+    <p:extLst>
+      <p:ext uri="{BB962C8B-B14F-4D97-AF65-F5344CB8AC3E}">
+        <p14:creationId xmlns:p14="http://schemas.microsoft.com/office/powerpoint/2010/main" val="1943886749"/>
+      </p:ext>
+    </p:extLst>
+  </p:cSld>
+  <p:clrMapOvr>
+    <a:masterClrMapping/>
+  </p:clrMapOvr>
+</p:sld>
+</file>
+
+<file path=ppt/slides/slide6.xml><?xml version="1.0" encoding="utf-8"?>
+<p:sld xmlns:a="http://schemas.openxmlformats.org/drawingml/2006/main" xmlns:r="http://schemas.openxmlformats.org/officeDocument/2006/relationships" xmlns:p="http://schemas.openxmlformats.org/presentationml/2006/main">
+  <p:cSld>
+    <p:spTree>
+      <p:nvGrpSpPr>
+        <p:cNvPr id="1" name=""/>
+        <p:cNvGrpSpPr/>
+        <p:nvPr/>
+      </p:nvGrpSpPr>
+      <p:grpSpPr>
+        <a:xfrm>
+          <a:off x="0" y="0"/>
+          <a:ext cx="0" cy="0"/>
+          <a:chOff x="0" y="0"/>
+          <a:chExt cx="0" cy="0"/>
+        </a:xfrm>
+      </p:grpSpPr>
+      <p:sp>
+        <p:nvSpPr>
+          <p:cNvPr id="38" name="Rounded Rectangle 37">
+            <a:extLst>
+              <a:ext uri="{FF2B5EF4-FFF2-40B4-BE49-F238E27FC236}">
+                <a16:creationId xmlns:a16="http://schemas.microsoft.com/office/drawing/2014/main" id="{E7E98991-A109-D763-5819-BCE63C76E0AF}"/>
+              </a:ext>
+            </a:extLst>
+          </p:cNvPr>
+          <p:cNvSpPr/>
+          <p:nvPr/>
+        </p:nvSpPr>
+        <p:spPr>
+          <a:xfrm>
+            <a:off x="1011382" y="2407974"/>
+            <a:ext cx="9899500" cy="3960000"/>
+          </a:xfrm>
+          <a:prstGeom prst="roundRect">
+            <a:avLst/>
+          </a:prstGeom>
+          <a:solidFill>
+            <a:srgbClr val="4372C4">
+              <a:alpha val="9000"/>
+            </a:srgbClr>
+          </a:solidFill>
+          <a:ln>
+            <a:noFill/>
+          </a:ln>
+        </p:spPr>
+        <p:style>
+          <a:lnRef idx="2">
+            <a:schemeClr val="accent1">
+              <a:shade val="50000"/>
+            </a:schemeClr>
+          </a:lnRef>
+          <a:fillRef idx="1">
+            <a:schemeClr val="accent1"/>
+          </a:fillRef>
+          <a:effectRef idx="0">
+            <a:schemeClr val="accent1"/>
+          </a:effectRef>
+          <a:fontRef idx="minor">
+            <a:schemeClr val="lt1"/>
+          </a:fontRef>
+        </p:style>
+        <p:txBody>
+          <a:bodyPr rtlCol="0" anchor="ctr"/>
+          <a:lstStyle/>
+          <a:p>
+            <a:pPr algn="ctr"/>
+            <a:endParaRPr lang="en-US" dirty="0"/>
+          </a:p>
+        </p:txBody>
+      </p:sp>
+      <p:sp>
+        <p:nvSpPr>
+          <p:cNvPr id="2" name="Title 1">
+            <a:extLst>
+              <a:ext uri="{FF2B5EF4-FFF2-40B4-BE49-F238E27FC236}">
+                <a16:creationId xmlns:a16="http://schemas.microsoft.com/office/drawing/2014/main" id="{83D41F3B-3683-E6A9-52A1-FCEF86BA6F27}"/>
+              </a:ext>
+            </a:extLst>
+          </p:cNvPr>
+          <p:cNvSpPr>
+            <a:spLocks noGrp="1"/>
+          </p:cNvSpPr>
+          <p:nvPr>
+            <p:ph type="title"/>
+          </p:nvPr>
+        </p:nvSpPr>
+        <p:spPr/>
+        <p:txBody>
+          <a:bodyPr/>
+          <a:lstStyle/>
+          <a:p>
+            <a:r>
+              <a:rPr lang="en-US" dirty="0">
+                <a:latin typeface="Calibri" panose="020F0502020204030204" pitchFamily="34" charset="0"/>
+                <a:cs typeface="Calibri" panose="020F0502020204030204" pitchFamily="34" charset="0"/>
+              </a:rPr>
+              <a:t>Model in Login Scenario (Model Setting)</a:t>
+            </a:r>
+          </a:p>
+        </p:txBody>
+      </p:sp>
+      <p:sp>
+        <p:nvSpPr>
+          <p:cNvPr id="4" name="Text Placeholder 3">
+            <a:extLst>
+              <a:ext uri="{FF2B5EF4-FFF2-40B4-BE49-F238E27FC236}">
+                <a16:creationId xmlns:a16="http://schemas.microsoft.com/office/drawing/2014/main" id="{AABD4BC1-EB92-2AAA-359C-BF2066C24D47}"/>
+              </a:ext>
+            </a:extLst>
+          </p:cNvPr>
+          <p:cNvSpPr>
+            <a:spLocks noGrp="1"/>
+          </p:cNvSpPr>
+          <p:nvPr>
+            <p:ph type="body" sz="quarter" idx="23"/>
+          </p:nvPr>
+        </p:nvSpPr>
+        <p:spPr/>
+        <p:txBody>
+          <a:bodyPr/>
+          <a:lstStyle/>
+          <a:p>
+            <a:endParaRPr lang="en-US" dirty="0"/>
+          </a:p>
+        </p:txBody>
+      </p:sp>
+      <p:sp>
+        <p:nvSpPr>
+          <p:cNvPr id="28" name="Slide Number Placeholder 5">
+            <a:extLst>
+              <a:ext uri="{FF2B5EF4-FFF2-40B4-BE49-F238E27FC236}">
+                <a16:creationId xmlns:a16="http://schemas.microsoft.com/office/drawing/2014/main" id="{0D94C322-59C4-AC31-A2AA-57849DE03D4C}"/>
+              </a:ext>
+            </a:extLst>
+          </p:cNvPr>
+          <p:cNvSpPr txBox="1">
+            <a:spLocks/>
+          </p:cNvSpPr>
+          <p:nvPr/>
+        </p:nvSpPr>
+        <p:spPr>
+          <a:xfrm>
+            <a:off x="8610600" y="6356350"/>
+            <a:ext cx="2743200" cy="365125"/>
+          </a:xfrm>
+          <a:prstGeom prst="rect">
+            <a:avLst/>
+          </a:prstGeom>
+        </p:spPr>
+        <p:txBody>
+          <a:bodyPr vert="horz" lIns="91440" tIns="45720" rIns="91440" bIns="45720" rtlCol="0" anchor="ctr"/>
+          <a:lstStyle>
+            <a:defPPr>
+              <a:defRPr lang="zh-CN"/>
+            </a:defPPr>
+            <a:lvl1pPr marL="0" algn="r" defTabSz="914400" rtl="0" eaLnBrk="1" latinLnBrk="0" hangingPunct="1">
+              <a:defRPr sz="1200" kern="1200">
+                <a:solidFill>
+                  <a:schemeClr val="tx1">
+                    <a:tint val="75000"/>
+                  </a:schemeClr>
+                </a:solidFill>
+                <a:latin typeface="+mn-lt"/>
+                <a:ea typeface="+mn-ea"/>
+                <a:cs typeface="+mn-cs"/>
+              </a:defRPr>
+            </a:lvl1pPr>
+            <a:lvl2pPr marL="457200" algn="l" defTabSz="914400" rtl="0" eaLnBrk="1" latinLnBrk="0" hangingPunct="1">
+              <a:defRPr sz="1800" kern="1200">
+                <a:solidFill>
+                  <a:schemeClr val="tx1"/>
+                </a:solidFill>
+                <a:latin typeface="+mn-lt"/>
+                <a:ea typeface="+mn-ea"/>
+                <a:cs typeface="+mn-cs"/>
+              </a:defRPr>
+            </a:lvl2pPr>
+            <a:lvl3pPr marL="914400" algn="l" defTabSz="914400" rtl="0" eaLnBrk="1" latinLnBrk="0" hangingPunct="1">
+              <a:defRPr sz="1800" kern="1200">
+                <a:solidFill>
+                  <a:schemeClr val="tx1"/>
+                </a:solidFill>
+                <a:latin typeface="+mn-lt"/>
+                <a:ea typeface="+mn-ea"/>
+                <a:cs typeface="+mn-cs"/>
+              </a:defRPr>
+            </a:lvl3pPr>
+            <a:lvl4pPr marL="1371600" algn="l" defTabSz="914400" rtl="0" eaLnBrk="1" latinLnBrk="0" hangingPunct="1">
+              <a:defRPr sz="1800" kern="1200">
+                <a:solidFill>
+                  <a:schemeClr val="tx1"/>
+                </a:solidFill>
+                <a:latin typeface="+mn-lt"/>
+                <a:ea typeface="+mn-ea"/>
+                <a:cs typeface="+mn-cs"/>
+              </a:defRPr>
+            </a:lvl4pPr>
+            <a:lvl5pPr marL="1828800" algn="l" defTabSz="914400" rtl="0" eaLnBrk="1" latinLnBrk="0" hangingPunct="1">
+              <a:defRPr sz="1800" kern="1200">
+                <a:solidFill>
+                  <a:schemeClr val="tx1"/>
+                </a:solidFill>
+                <a:latin typeface="+mn-lt"/>
+                <a:ea typeface="+mn-ea"/>
+                <a:cs typeface="+mn-cs"/>
+              </a:defRPr>
+            </a:lvl5pPr>
+            <a:lvl6pPr marL="2286000" algn="l" defTabSz="914400" rtl="0" eaLnBrk="1" latinLnBrk="0" hangingPunct="1">
+              <a:defRPr sz="1800" kern="1200">
+                <a:solidFill>
+                  <a:schemeClr val="tx1"/>
+                </a:solidFill>
+                <a:latin typeface="+mn-lt"/>
+                <a:ea typeface="+mn-ea"/>
+                <a:cs typeface="+mn-cs"/>
+              </a:defRPr>
+            </a:lvl6pPr>
+            <a:lvl7pPr marL="2743200" algn="l" defTabSz="914400" rtl="0" eaLnBrk="1" latinLnBrk="0" hangingPunct="1">
+              <a:defRPr sz="1800" kern="1200">
+                <a:solidFill>
+                  <a:schemeClr val="tx1"/>
+                </a:solidFill>
+                <a:latin typeface="+mn-lt"/>
+                <a:ea typeface="+mn-ea"/>
+                <a:cs typeface="+mn-cs"/>
+              </a:defRPr>
+            </a:lvl7pPr>
+            <a:lvl8pPr marL="3200400" algn="l" defTabSz="914400" rtl="0" eaLnBrk="1" latinLnBrk="0" hangingPunct="1">
+              <a:defRPr sz="1800" kern="1200">
+                <a:solidFill>
+                  <a:schemeClr val="tx1"/>
+                </a:solidFill>
+                <a:latin typeface="+mn-lt"/>
+                <a:ea typeface="+mn-ea"/>
+                <a:cs typeface="+mn-cs"/>
+              </a:defRPr>
+            </a:lvl8pPr>
+            <a:lvl9pPr marL="3657600" algn="l" defTabSz="914400" rtl="0" eaLnBrk="1" latinLnBrk="0" hangingPunct="1">
+              <a:defRPr sz="1800" kern="1200">
+                <a:solidFill>
+                  <a:schemeClr val="tx1"/>
+                </a:solidFill>
+                <a:latin typeface="+mn-lt"/>
+                <a:ea typeface="+mn-ea"/>
+                <a:cs typeface="+mn-cs"/>
+              </a:defRPr>
+            </a:lvl9pPr>
+          </a:lstStyle>
+          <a:p>
+            <a:fld id="{9478C395-1283-4E41-8724-2D9F689566D8}" type="slidenum">
+              <a:rPr lang="en-SG" smtClean="0"/>
+              <a:pPr/>
+              <a:t>6</a:t>
+            </a:fld>
+            <a:endParaRPr lang="en-SG" dirty="0"/>
+          </a:p>
+        </p:txBody>
+      </p:sp>
+      <p:sp>
+        <p:nvSpPr>
+          <p:cNvPr id="29" name="文本框 2">
+            <a:extLst>
+              <a:ext uri="{FF2B5EF4-FFF2-40B4-BE49-F238E27FC236}">
+                <a16:creationId xmlns:a16="http://schemas.microsoft.com/office/drawing/2014/main" id="{AD6A6A9D-C496-B058-15FA-05978334477A}"/>
+              </a:ext>
+            </a:extLst>
+          </p:cNvPr>
+          <p:cNvSpPr txBox="1"/>
+          <p:nvPr/>
+        </p:nvSpPr>
+        <p:spPr>
+          <a:xfrm>
+            <a:off x="616812" y="1126685"/>
+            <a:ext cx="10294070" cy="1154162"/>
+          </a:xfrm>
+          <a:prstGeom prst="rect">
+            <a:avLst/>
+          </a:prstGeom>
+          <a:noFill/>
+        </p:spPr>
+        <p:txBody>
+          <a:bodyPr wrap="square" rtlCol="0">
+            <a:spAutoFit/>
+          </a:bodyPr>
+          <a:lstStyle/>
+          <a:p>
+            <a:pPr marL="285750" indent="-285750">
+              <a:buFont typeface="Arial" panose="020B0604020202020204" pitchFamily="34" charset="0"/>
+              <a:buChar char="•"/>
+            </a:pPr>
+            <a:r>
+              <a:rPr lang="en-US" altLang="zh-CN" sz="2300" dirty="0">
+                <a:solidFill>
+                  <a:srgbClr val="002060"/>
+                </a:solidFill>
+              </a:rPr>
+              <a:t>Idea: For </a:t>
+            </a:r>
+            <a:r>
+              <a:rPr lang="en-US" altLang="zh-CN" sz="2300" b="1" u="sng" dirty="0">
+                <a:solidFill>
+                  <a:srgbClr val="002060"/>
+                </a:solidFill>
+              </a:rPr>
+              <a:t>login detection</a:t>
+            </a:r>
+            <a:r>
+              <a:rPr lang="en-US" altLang="zh-CN" sz="2300" dirty="0">
+                <a:solidFill>
+                  <a:srgbClr val="002060"/>
+                </a:solidFill>
+              </a:rPr>
+              <a:t>, mainly focus on </a:t>
+            </a:r>
+            <a:r>
+              <a:rPr lang="en-US" altLang="zh-CN" sz="2300" b="1" u="sng" dirty="0">
+                <a:solidFill>
+                  <a:srgbClr val="002060"/>
+                </a:solidFill>
+              </a:rPr>
+              <a:t>the first abnormal login</a:t>
+            </a:r>
+            <a:r>
+              <a:rPr lang="en-US" altLang="zh-CN" sz="2300" dirty="0">
+                <a:solidFill>
+                  <a:srgbClr val="002060"/>
+                </a:solidFill>
+              </a:rPr>
+              <a:t> of those </a:t>
+            </a:r>
+            <a:r>
+              <a:rPr lang="en-US" altLang="zh-CN" sz="2300" b="1" u="sng" dirty="0">
+                <a:solidFill>
+                  <a:srgbClr val="002060"/>
+                </a:solidFill>
+              </a:rPr>
+              <a:t>scam-seller</a:t>
+            </a:r>
+            <a:r>
+              <a:rPr lang="en-US" altLang="zh-CN" sz="2300" dirty="0">
+                <a:solidFill>
+                  <a:srgbClr val="002060"/>
+                </a:solidFill>
+              </a:rPr>
+              <a:t> cases.</a:t>
+            </a:r>
+          </a:p>
+          <a:p>
+            <a:pPr marL="285750" indent="-285750">
+              <a:buFont typeface="Arial" panose="020B0604020202020204" pitchFamily="34" charset="0"/>
+              <a:buChar char="•"/>
+            </a:pPr>
+            <a:r>
+              <a:rPr lang="en-US" altLang="zh-CN" sz="2300" dirty="0">
+                <a:solidFill>
+                  <a:srgbClr val="002060"/>
+                </a:solidFill>
+              </a:rPr>
+              <a:t>Trigger point: new </a:t>
+            </a:r>
+            <a:r>
+              <a:rPr lang="en-US" altLang="zh-CN" sz="2300" dirty="0" err="1">
+                <a:solidFill>
+                  <a:srgbClr val="002060"/>
+                </a:solidFill>
+              </a:rPr>
+              <a:t>umid</a:t>
+            </a:r>
+            <a:r>
+              <a:rPr lang="en-US" altLang="zh-CN" sz="2300" dirty="0">
+                <a:solidFill>
+                  <a:srgbClr val="002060"/>
+                </a:solidFill>
+              </a:rPr>
+              <a:t> in previous 3 months.</a:t>
+            </a:r>
+          </a:p>
+        </p:txBody>
+      </p:sp>
+      <p:grpSp>
+        <p:nvGrpSpPr>
+          <p:cNvPr id="37" name="Group 36">
+            <a:extLst>
+              <a:ext uri="{FF2B5EF4-FFF2-40B4-BE49-F238E27FC236}">
+                <a16:creationId xmlns:a16="http://schemas.microsoft.com/office/drawing/2014/main" id="{F7EA5428-A48F-760E-1F97-E4686A53E9E3}"/>
+              </a:ext>
+            </a:extLst>
+          </p:cNvPr>
+          <p:cNvGrpSpPr/>
+          <p:nvPr/>
+        </p:nvGrpSpPr>
+        <p:grpSpPr>
+          <a:xfrm>
+            <a:off x="1330036" y="3074417"/>
+            <a:ext cx="9192134" cy="3014708"/>
+            <a:chOff x="1330036" y="2922012"/>
+            <a:chExt cx="9192134" cy="3014708"/>
+          </a:xfrm>
+        </p:grpSpPr>
+        <p:sp>
+          <p:nvSpPr>
+            <p:cNvPr id="6" name="Rectangle 5">
+              <a:extLst>
+                <a:ext uri="{FF2B5EF4-FFF2-40B4-BE49-F238E27FC236}">
+                  <a16:creationId xmlns:a16="http://schemas.microsoft.com/office/drawing/2014/main" id="{7C2638E9-0E61-4057-720D-D099A53A5E0E}"/>
+                </a:ext>
+              </a:extLst>
+            </p:cNvPr>
+            <p:cNvSpPr/>
+            <p:nvPr/>
+          </p:nvSpPr>
+          <p:spPr>
+            <a:xfrm>
+              <a:off x="1330036" y="5057946"/>
+              <a:ext cx="1828800" cy="878774"/>
+            </a:xfrm>
+            <a:prstGeom prst="rect">
+              <a:avLst/>
+            </a:prstGeom>
+            <a:solidFill>
+              <a:srgbClr val="4372C4">
+                <a:alpha val="80000"/>
+              </a:srgbClr>
+            </a:solidFill>
+            <a:ln>
+              <a:noFill/>
+            </a:ln>
+          </p:spPr>
+          <p:style>
+            <a:lnRef idx="2">
+              <a:schemeClr val="accent1">
+                <a:shade val="50000"/>
+              </a:schemeClr>
+            </a:lnRef>
+            <a:fillRef idx="1">
+              <a:schemeClr val="accent1"/>
+            </a:fillRef>
+            <a:effectRef idx="0">
+              <a:schemeClr val="accent1"/>
+            </a:effectRef>
+            <a:fontRef idx="minor">
+              <a:schemeClr val="lt1"/>
+            </a:fontRef>
+          </p:style>
+          <p:txBody>
+            <a:bodyPr rtlCol="0" anchor="ctr"/>
+            <a:lstStyle/>
+            <a:p>
+              <a:pPr algn="ctr"/>
+              <a:r>
+                <a:rPr lang="en-US" dirty="0"/>
+                <a:t>Abnormal environment</a:t>
+              </a:r>
+            </a:p>
+          </p:txBody>
+        </p:sp>
+        <p:sp>
+          <p:nvSpPr>
+            <p:cNvPr id="8" name="Rectangle 7">
+              <a:extLst>
+                <a:ext uri="{FF2B5EF4-FFF2-40B4-BE49-F238E27FC236}">
+                  <a16:creationId xmlns:a16="http://schemas.microsoft.com/office/drawing/2014/main" id="{532CAF16-E667-958E-866F-85E4B13EB1C2}"/>
+                </a:ext>
+              </a:extLst>
+            </p:cNvPr>
+            <p:cNvSpPr/>
+            <p:nvPr/>
+          </p:nvSpPr>
+          <p:spPr>
+            <a:xfrm>
+              <a:off x="3833750" y="5057946"/>
+              <a:ext cx="1828800" cy="878774"/>
+            </a:xfrm>
+            <a:prstGeom prst="rect">
+              <a:avLst/>
+            </a:prstGeom>
+            <a:solidFill>
+              <a:srgbClr val="4372C4">
+                <a:alpha val="80000"/>
+              </a:srgbClr>
+            </a:solidFill>
+            <a:ln>
+              <a:noFill/>
+            </a:ln>
+          </p:spPr>
+          <p:style>
+            <a:lnRef idx="2">
+              <a:schemeClr val="accent1">
+                <a:shade val="50000"/>
+              </a:schemeClr>
+            </a:lnRef>
+            <a:fillRef idx="1">
+              <a:schemeClr val="accent1"/>
+            </a:fillRef>
+            <a:effectRef idx="0">
+              <a:schemeClr val="accent1"/>
+            </a:effectRef>
+            <a:fontRef idx="minor">
+              <a:schemeClr val="lt1"/>
+            </a:fontRef>
+          </p:style>
+          <p:txBody>
+            <a:bodyPr rtlCol="0" anchor="ctr"/>
+            <a:lstStyle/>
+            <a:p>
+              <a:pPr algn="ctr"/>
+              <a:r>
+                <a:rPr lang="en-US" dirty="0"/>
+                <a:t>Order side</a:t>
+              </a:r>
+            </a:p>
+          </p:txBody>
+        </p:sp>
+        <p:sp>
+          <p:nvSpPr>
+            <p:cNvPr id="10" name="Rectangle 9">
+              <a:extLst>
+                <a:ext uri="{FF2B5EF4-FFF2-40B4-BE49-F238E27FC236}">
+                  <a16:creationId xmlns:a16="http://schemas.microsoft.com/office/drawing/2014/main" id="{54DA0FF4-69EB-801F-AF17-1665358840CE}"/>
+                </a:ext>
+              </a:extLst>
+            </p:cNvPr>
+            <p:cNvSpPr/>
+            <p:nvPr/>
+          </p:nvSpPr>
+          <p:spPr>
+            <a:xfrm>
+              <a:off x="6268302" y="5057946"/>
+              <a:ext cx="1828800" cy="878774"/>
+            </a:xfrm>
+            <a:prstGeom prst="rect">
+              <a:avLst/>
+            </a:prstGeom>
+            <a:solidFill>
+              <a:srgbClr val="4372C4">
+                <a:alpha val="80000"/>
+              </a:srgbClr>
+            </a:solidFill>
+            <a:ln>
+              <a:noFill/>
+            </a:ln>
+          </p:spPr>
+          <p:style>
+            <a:lnRef idx="2">
+              <a:schemeClr val="accent1">
+                <a:shade val="50000"/>
+              </a:schemeClr>
+            </a:lnRef>
+            <a:fillRef idx="1">
+              <a:schemeClr val="accent1"/>
+            </a:fillRef>
+            <a:effectRef idx="0">
+              <a:schemeClr val="accent1"/>
+            </a:effectRef>
+            <a:fontRef idx="minor">
+              <a:schemeClr val="lt1"/>
+            </a:fontRef>
+          </p:style>
+          <p:txBody>
+            <a:bodyPr rtlCol="0" anchor="ctr"/>
+            <a:lstStyle/>
+            <a:p>
+              <a:pPr algn="ctr"/>
+              <a:r>
+                <a:rPr lang="en-US" dirty="0"/>
+                <a:t>Seller side</a:t>
+              </a:r>
+            </a:p>
+          </p:txBody>
+        </p:sp>
+        <p:sp>
+          <p:nvSpPr>
+            <p:cNvPr id="11" name="Rectangle 10">
+              <a:extLst>
+                <a:ext uri="{FF2B5EF4-FFF2-40B4-BE49-F238E27FC236}">
+                  <a16:creationId xmlns:a16="http://schemas.microsoft.com/office/drawing/2014/main" id="{C0B69C32-90F9-C505-5089-CE3F384CBB10}"/>
+                </a:ext>
+              </a:extLst>
+            </p:cNvPr>
+            <p:cNvSpPr/>
+            <p:nvPr/>
+          </p:nvSpPr>
+          <p:spPr>
+            <a:xfrm>
+              <a:off x="8677013" y="5057946"/>
+              <a:ext cx="1828800" cy="878774"/>
+            </a:xfrm>
+            <a:prstGeom prst="rect">
+              <a:avLst/>
+            </a:prstGeom>
+            <a:solidFill>
+              <a:srgbClr val="4372C4">
+                <a:alpha val="80000"/>
+              </a:srgbClr>
+            </a:solidFill>
+            <a:ln>
+              <a:noFill/>
+            </a:ln>
+          </p:spPr>
+          <p:style>
+            <a:lnRef idx="2">
+              <a:schemeClr val="accent1">
+                <a:shade val="50000"/>
+              </a:schemeClr>
+            </a:lnRef>
+            <a:fillRef idx="1">
+              <a:schemeClr val="accent1"/>
+            </a:fillRef>
+            <a:effectRef idx="0">
+              <a:schemeClr val="accent1"/>
+            </a:effectRef>
+            <a:fontRef idx="minor">
+              <a:schemeClr val="lt1"/>
+            </a:fontRef>
+          </p:style>
+          <p:txBody>
+            <a:bodyPr rtlCol="0" anchor="ctr"/>
+            <a:lstStyle/>
+            <a:p>
+              <a:pPr algn="ctr"/>
+              <a:r>
+                <a:rPr lang="en-US" dirty="0"/>
+                <a:t>Clustering</a:t>
+              </a:r>
+            </a:p>
+          </p:txBody>
+        </p:sp>
+        <p:sp>
+          <p:nvSpPr>
+            <p:cNvPr id="12" name="Rectangle 11">
+              <a:extLst>
+                <a:ext uri="{FF2B5EF4-FFF2-40B4-BE49-F238E27FC236}">
+                  <a16:creationId xmlns:a16="http://schemas.microsoft.com/office/drawing/2014/main" id="{98C0CC61-2B3A-B566-DB06-EF9775CF0B71}"/>
+                </a:ext>
+              </a:extLst>
+            </p:cNvPr>
+            <p:cNvSpPr/>
+            <p:nvPr/>
+          </p:nvSpPr>
+          <p:spPr>
+            <a:xfrm>
+              <a:off x="1330036" y="2923310"/>
+              <a:ext cx="1828800" cy="1440110"/>
+            </a:xfrm>
+            <a:prstGeom prst="rect">
+              <a:avLst/>
+            </a:prstGeom>
+            <a:solidFill>
+              <a:srgbClr val="4372C4">
+                <a:alpha val="45000"/>
+              </a:srgbClr>
+            </a:solidFill>
+            <a:ln>
+              <a:noFill/>
+            </a:ln>
+          </p:spPr>
+          <p:style>
+            <a:lnRef idx="2">
+              <a:schemeClr val="accent1">
+                <a:shade val="50000"/>
+              </a:schemeClr>
+            </a:lnRef>
+            <a:fillRef idx="1">
+              <a:schemeClr val="accent1"/>
+            </a:fillRef>
+            <a:effectRef idx="0">
+              <a:schemeClr val="accent1"/>
+            </a:effectRef>
+            <a:fontRef idx="minor">
+              <a:schemeClr val="lt1"/>
+            </a:fontRef>
+          </p:style>
+          <p:txBody>
+            <a:bodyPr rtlCol="0" anchor="ctr"/>
+            <a:lstStyle/>
+            <a:p>
+              <a:pPr marL="285750" indent="-285750">
+                <a:buFont typeface="Arial" panose="020B0604020202020204" pitchFamily="34" charset="0"/>
+                <a:buChar char="•"/>
+              </a:pPr>
+              <a:r>
+                <a:rPr lang="en-US" sz="1400" dirty="0">
+                  <a:solidFill>
+                    <a:schemeClr val="bg1"/>
+                  </a:solidFill>
+                </a:rPr>
+                <a:t>new ip2</a:t>
+              </a:r>
+            </a:p>
+            <a:p>
+              <a:pPr marL="285750" indent="-285750">
+                <a:buFont typeface="Arial" panose="020B0604020202020204" pitchFamily="34" charset="0"/>
+                <a:buChar char="•"/>
+              </a:pPr>
+              <a:r>
+                <a:rPr lang="en-US" sz="1400" dirty="0">
+                  <a:solidFill>
+                    <a:schemeClr val="bg1"/>
+                  </a:solidFill>
+                </a:rPr>
+                <a:t>new ip3</a:t>
+              </a:r>
+            </a:p>
+            <a:p>
+              <a:pPr marL="285750" indent="-285750">
+                <a:buFont typeface="Arial" panose="020B0604020202020204" pitchFamily="34" charset="0"/>
+                <a:buChar char="•"/>
+              </a:pPr>
+              <a:r>
+                <a:rPr lang="en-US" sz="1400" dirty="0">
+                  <a:solidFill>
+                    <a:schemeClr val="bg1"/>
+                  </a:solidFill>
+                </a:rPr>
+                <a:t>number of login</a:t>
+              </a:r>
+            </a:p>
+            <a:p>
+              <a:pPr marL="285750" indent="-285750">
+                <a:buFont typeface="Arial" panose="020B0604020202020204" pitchFamily="34" charset="0"/>
+                <a:buChar char="•"/>
+              </a:pPr>
+              <a:r>
+                <a:rPr lang="en-US" sz="1400" dirty="0">
+                  <a:solidFill>
+                    <a:schemeClr val="bg1"/>
+                  </a:solidFill>
+                </a:rPr>
+                <a:t>etc.</a:t>
+              </a:r>
+            </a:p>
+            <a:p>
+              <a:pPr marL="285750" indent="-285750">
+                <a:buFont typeface="Arial" panose="020B0604020202020204" pitchFamily="34" charset="0"/>
+                <a:buChar char="•"/>
+              </a:pPr>
+              <a:endParaRPr lang="en-US" sz="1400" dirty="0">
+                <a:solidFill>
+                  <a:schemeClr val="bg1"/>
+                </a:solidFill>
+              </a:endParaRPr>
+            </a:p>
+            <a:p>
+              <a:pPr marL="285750" indent="-285750">
+                <a:buFont typeface="Arial" panose="020B0604020202020204" pitchFamily="34" charset="0"/>
+                <a:buChar char="•"/>
+              </a:pPr>
+              <a:endParaRPr lang="en-US" sz="1400" dirty="0">
+                <a:solidFill>
+                  <a:schemeClr val="bg1"/>
+                </a:solidFill>
+              </a:endParaRPr>
+            </a:p>
+          </p:txBody>
+        </p:sp>
+        <p:sp>
+          <p:nvSpPr>
+            <p:cNvPr id="16" name="Rectangle 15">
+              <a:extLst>
+                <a:ext uri="{FF2B5EF4-FFF2-40B4-BE49-F238E27FC236}">
+                  <a16:creationId xmlns:a16="http://schemas.microsoft.com/office/drawing/2014/main" id="{3AEEC609-AC81-D011-C92C-97D202BBCB8B}"/>
+                </a:ext>
+              </a:extLst>
+            </p:cNvPr>
+            <p:cNvSpPr/>
+            <p:nvPr/>
+          </p:nvSpPr>
+          <p:spPr>
+            <a:xfrm>
+              <a:off x="3799169" y="2923310"/>
+              <a:ext cx="1828800" cy="1440110"/>
+            </a:xfrm>
+            <a:prstGeom prst="rect">
+              <a:avLst/>
+            </a:prstGeom>
+            <a:solidFill>
+              <a:srgbClr val="4372C4">
+                <a:alpha val="45000"/>
+              </a:srgbClr>
+            </a:solidFill>
+            <a:ln>
+              <a:noFill/>
+            </a:ln>
+          </p:spPr>
+          <p:style>
+            <a:lnRef idx="2">
+              <a:schemeClr val="accent1">
+                <a:shade val="50000"/>
+              </a:schemeClr>
+            </a:lnRef>
+            <a:fillRef idx="1">
+              <a:schemeClr val="accent1"/>
+            </a:fillRef>
+            <a:effectRef idx="0">
+              <a:schemeClr val="accent1"/>
+            </a:effectRef>
+            <a:fontRef idx="minor">
+              <a:schemeClr val="lt1"/>
+            </a:fontRef>
+          </p:style>
+          <p:txBody>
+            <a:bodyPr rtlCol="0" anchor="ctr"/>
+            <a:lstStyle/>
+            <a:p>
+              <a:pPr marL="285750" indent="-285750">
+                <a:buFont typeface="Arial" panose="020B0604020202020204" pitchFamily="34" charset="0"/>
+                <a:buChar char="•"/>
+              </a:pPr>
+              <a:r>
+                <a:rPr lang="en-US" sz="1400" dirty="0"/>
+                <a:t>avg/std price</a:t>
+              </a:r>
+            </a:p>
+            <a:p>
+              <a:pPr marL="285750" indent="-285750">
+                <a:buFont typeface="Arial" panose="020B0604020202020204" pitchFamily="34" charset="0"/>
+                <a:buChar char="•"/>
+              </a:pPr>
+              <a:r>
+                <a:rPr lang="en-US" sz="1400" dirty="0"/>
+                <a:t>avg/std </a:t>
+              </a:r>
+              <a:r>
+                <a:rPr lang="en-US" sz="1400" dirty="0" err="1"/>
+                <a:t>dscnt</a:t>
+              </a:r>
+              <a:r>
+                <a:rPr lang="en-US" sz="1400" dirty="0"/>
+                <a:t> rate</a:t>
+              </a:r>
+            </a:p>
+            <a:p>
+              <a:pPr marL="285750" indent="-285750">
+                <a:buFont typeface="Arial" panose="020B0604020202020204" pitchFamily="34" charset="0"/>
+                <a:buChar char="•"/>
+              </a:pPr>
+              <a:r>
+                <a:rPr lang="en-US" sz="1400" dirty="0"/>
+                <a:t>avg/std ship fee</a:t>
+              </a:r>
+            </a:p>
+            <a:p>
+              <a:pPr marL="285750" indent="-285750">
+                <a:buFont typeface="Arial" panose="020B0604020202020204" pitchFamily="34" charset="0"/>
+                <a:buChar char="•"/>
+              </a:pPr>
+              <a:r>
+                <a:rPr lang="en-US" sz="1400" dirty="0"/>
+                <a:t>suspect payment method</a:t>
+              </a:r>
+            </a:p>
+            <a:p>
+              <a:pPr marL="285750" indent="-285750">
+                <a:buFont typeface="Arial" panose="020B0604020202020204" pitchFamily="34" charset="0"/>
+                <a:buChar char="•"/>
+              </a:pPr>
+              <a:r>
+                <a:rPr lang="en-US" sz="1400" dirty="0"/>
+                <a:t>etc.</a:t>
+              </a:r>
+            </a:p>
+          </p:txBody>
+        </p:sp>
+        <p:sp>
+          <p:nvSpPr>
+            <p:cNvPr id="18" name="Up Arrow 17">
+              <a:extLst>
+                <a:ext uri="{FF2B5EF4-FFF2-40B4-BE49-F238E27FC236}">
+                  <a16:creationId xmlns:a16="http://schemas.microsoft.com/office/drawing/2014/main" id="{AEF1D933-8A1E-80FD-CADB-21B454E5716D}"/>
+                </a:ext>
+              </a:extLst>
+            </p:cNvPr>
+            <p:cNvSpPr/>
+            <p:nvPr/>
+          </p:nvSpPr>
+          <p:spPr>
+            <a:xfrm>
+              <a:off x="2105890" y="4403367"/>
+              <a:ext cx="277092" cy="614631"/>
+            </a:xfrm>
+            <a:prstGeom prst="upArrow">
+              <a:avLst/>
+            </a:prstGeom>
+            <a:solidFill>
+              <a:srgbClr val="4372C4">
+                <a:alpha val="71938"/>
+              </a:srgbClr>
+            </a:solidFill>
+            <a:ln>
+              <a:noFill/>
+            </a:ln>
+          </p:spPr>
+          <p:style>
+            <a:lnRef idx="2">
+              <a:schemeClr val="accent1">
+                <a:shade val="50000"/>
+              </a:schemeClr>
+            </a:lnRef>
+            <a:fillRef idx="1">
+              <a:schemeClr val="accent1"/>
+            </a:fillRef>
+            <a:effectRef idx="0">
+              <a:schemeClr val="accent1"/>
+            </a:effectRef>
+            <a:fontRef idx="minor">
+              <a:schemeClr val="lt1"/>
+            </a:fontRef>
+          </p:style>
+          <p:txBody>
+            <a:bodyPr rtlCol="0" anchor="ctr"/>
+            <a:lstStyle/>
+            <a:p>
+              <a:pPr algn="ctr"/>
+              <a:endParaRPr lang="en-US" dirty="0"/>
+            </a:p>
+          </p:txBody>
+        </p:sp>
+        <p:sp>
+          <p:nvSpPr>
+            <p:cNvPr id="21" name="Up Arrow 20">
+              <a:extLst>
+                <a:ext uri="{FF2B5EF4-FFF2-40B4-BE49-F238E27FC236}">
+                  <a16:creationId xmlns:a16="http://schemas.microsoft.com/office/drawing/2014/main" id="{9E5709C3-5B11-B043-EED7-0AB3317221B1}"/>
+                </a:ext>
+              </a:extLst>
+            </p:cNvPr>
+            <p:cNvSpPr/>
+            <p:nvPr/>
+          </p:nvSpPr>
+          <p:spPr>
+            <a:xfrm>
+              <a:off x="4575023" y="4403367"/>
+              <a:ext cx="277092" cy="614631"/>
+            </a:xfrm>
+            <a:prstGeom prst="upArrow">
+              <a:avLst/>
+            </a:prstGeom>
+            <a:solidFill>
+              <a:srgbClr val="4372C4">
+                <a:alpha val="71938"/>
+              </a:srgbClr>
+            </a:solidFill>
+            <a:ln>
+              <a:noFill/>
+            </a:ln>
+          </p:spPr>
+          <p:style>
+            <a:lnRef idx="2">
+              <a:schemeClr val="accent1">
+                <a:shade val="50000"/>
+              </a:schemeClr>
+            </a:lnRef>
+            <a:fillRef idx="1">
+              <a:schemeClr val="accent1"/>
+            </a:fillRef>
+            <a:effectRef idx="0">
+              <a:schemeClr val="accent1"/>
+            </a:effectRef>
+            <a:fontRef idx="minor">
+              <a:schemeClr val="lt1"/>
+            </a:fontRef>
+          </p:style>
+          <p:txBody>
+            <a:bodyPr rtlCol="0" anchor="ctr"/>
+            <a:lstStyle/>
+            <a:p>
+              <a:pPr algn="ctr"/>
+              <a:endParaRPr lang="en-US" dirty="0"/>
+            </a:p>
+          </p:txBody>
+        </p:sp>
+        <p:sp>
+          <p:nvSpPr>
+            <p:cNvPr id="22" name="Up Arrow 21">
+              <a:extLst>
+                <a:ext uri="{FF2B5EF4-FFF2-40B4-BE49-F238E27FC236}">
+                  <a16:creationId xmlns:a16="http://schemas.microsoft.com/office/drawing/2014/main" id="{258A52A7-5279-1FC9-297D-902852B3D550}"/>
+                </a:ext>
+              </a:extLst>
+            </p:cNvPr>
+            <p:cNvSpPr/>
+            <p:nvPr/>
+          </p:nvSpPr>
+          <p:spPr>
+            <a:xfrm>
+              <a:off x="7044156" y="4403367"/>
+              <a:ext cx="277092" cy="614631"/>
+            </a:xfrm>
+            <a:prstGeom prst="upArrow">
+              <a:avLst/>
+            </a:prstGeom>
+            <a:solidFill>
+              <a:srgbClr val="4372C4">
+                <a:alpha val="71938"/>
+              </a:srgbClr>
+            </a:solidFill>
+            <a:ln>
+              <a:noFill/>
+            </a:ln>
+          </p:spPr>
+          <p:style>
+            <a:lnRef idx="2">
+              <a:schemeClr val="accent1">
+                <a:shade val="50000"/>
+              </a:schemeClr>
+            </a:lnRef>
+            <a:fillRef idx="1">
+              <a:schemeClr val="accent1"/>
+            </a:fillRef>
+            <a:effectRef idx="0">
+              <a:schemeClr val="accent1"/>
+            </a:effectRef>
+            <a:fontRef idx="minor">
+              <a:schemeClr val="lt1"/>
+            </a:fontRef>
+          </p:style>
+          <p:txBody>
+            <a:bodyPr rtlCol="0" anchor="ctr"/>
+            <a:lstStyle/>
+            <a:p>
+              <a:pPr algn="ctr"/>
+              <a:endParaRPr lang="en-US" dirty="0"/>
+            </a:p>
+          </p:txBody>
+        </p:sp>
+        <p:sp>
+          <p:nvSpPr>
+            <p:cNvPr id="23" name="Up Arrow 22">
+              <a:extLst>
+                <a:ext uri="{FF2B5EF4-FFF2-40B4-BE49-F238E27FC236}">
+                  <a16:creationId xmlns:a16="http://schemas.microsoft.com/office/drawing/2014/main" id="{F9DC4A91-21BD-BC70-CF0F-4F8DC5BE3096}"/>
+                </a:ext>
+              </a:extLst>
+            </p:cNvPr>
+            <p:cNvSpPr/>
+            <p:nvPr/>
+          </p:nvSpPr>
+          <p:spPr>
+            <a:xfrm>
+              <a:off x="9452867" y="4403367"/>
+              <a:ext cx="277092" cy="614631"/>
+            </a:xfrm>
+            <a:prstGeom prst="upArrow">
+              <a:avLst/>
+            </a:prstGeom>
+            <a:solidFill>
+              <a:srgbClr val="4372C4">
+                <a:alpha val="71938"/>
+              </a:srgbClr>
+            </a:solidFill>
+            <a:ln>
+              <a:noFill/>
+            </a:ln>
+          </p:spPr>
+          <p:style>
+            <a:lnRef idx="2">
+              <a:schemeClr val="accent1">
+                <a:shade val="50000"/>
+              </a:schemeClr>
+            </a:lnRef>
+            <a:fillRef idx="1">
+              <a:schemeClr val="accent1"/>
+            </a:fillRef>
+            <a:effectRef idx="0">
+              <a:schemeClr val="accent1"/>
+            </a:effectRef>
+            <a:fontRef idx="minor">
+              <a:schemeClr val="lt1"/>
+            </a:fontRef>
+          </p:style>
+          <p:txBody>
+            <a:bodyPr rtlCol="0" anchor="ctr"/>
+            <a:lstStyle/>
+            <a:p>
+              <a:pPr algn="ctr"/>
+              <a:endParaRPr lang="en-US" dirty="0"/>
+            </a:p>
+          </p:txBody>
+        </p:sp>
+        <p:sp>
+          <p:nvSpPr>
+            <p:cNvPr id="25" name="Rectangle 24">
+              <a:extLst>
+                <a:ext uri="{FF2B5EF4-FFF2-40B4-BE49-F238E27FC236}">
+                  <a16:creationId xmlns:a16="http://schemas.microsoft.com/office/drawing/2014/main" id="{9FFD88F2-2049-ACAD-3E90-3E35CD776A8D}"/>
+                </a:ext>
+              </a:extLst>
+            </p:cNvPr>
+            <p:cNvSpPr/>
+            <p:nvPr/>
+          </p:nvSpPr>
+          <p:spPr>
+            <a:xfrm>
+              <a:off x="6251946" y="2922012"/>
+              <a:ext cx="1828800" cy="1440110"/>
+            </a:xfrm>
+            <a:prstGeom prst="rect">
+              <a:avLst/>
+            </a:prstGeom>
+            <a:solidFill>
+              <a:srgbClr val="4372C4">
+                <a:alpha val="45000"/>
+              </a:srgbClr>
+            </a:solidFill>
+            <a:ln>
+              <a:noFill/>
+            </a:ln>
+          </p:spPr>
+          <p:style>
+            <a:lnRef idx="2">
+              <a:schemeClr val="accent1">
+                <a:shade val="50000"/>
+              </a:schemeClr>
+            </a:lnRef>
+            <a:fillRef idx="1">
+              <a:schemeClr val="accent1"/>
+            </a:fillRef>
+            <a:effectRef idx="0">
+              <a:schemeClr val="accent1"/>
+            </a:effectRef>
+            <a:fontRef idx="minor">
+              <a:schemeClr val="lt1"/>
+            </a:fontRef>
+          </p:style>
+          <p:txBody>
+            <a:bodyPr rtlCol="0" anchor="ctr"/>
+            <a:lstStyle/>
+            <a:p>
+              <a:pPr marL="285750" indent="-285750">
+                <a:buFont typeface="Arial" panose="020B0604020202020204" pitchFamily="34" charset="0"/>
+                <a:buChar char="•"/>
+              </a:pPr>
+              <a:r>
+                <a:rPr lang="en-US" sz="1400" dirty="0"/>
+                <a:t>max cancel rate for previous seller</a:t>
+              </a:r>
+            </a:p>
+            <a:p>
+              <a:pPr marL="285750" indent="-285750">
+                <a:buFont typeface="Arial" panose="020B0604020202020204" pitchFamily="34" charset="0"/>
+                <a:buChar char="•"/>
+              </a:pPr>
+              <a:r>
+                <a:rPr lang="en-US" sz="1400" dirty="0"/>
+                <a:t>max avg price for previous seller</a:t>
+              </a:r>
+            </a:p>
+            <a:p>
+              <a:pPr marL="285750" indent="-285750">
+                <a:buFont typeface="Arial" panose="020B0604020202020204" pitchFamily="34" charset="0"/>
+                <a:buChar char="•"/>
+              </a:pPr>
+              <a:r>
+                <a:rPr lang="en-US" sz="1400" dirty="0"/>
+                <a:t>etc.</a:t>
+              </a:r>
+            </a:p>
+            <a:p>
+              <a:pPr marL="285750" indent="-285750">
+                <a:buFont typeface="Arial" panose="020B0604020202020204" pitchFamily="34" charset="0"/>
+                <a:buChar char="•"/>
+              </a:pPr>
+              <a:endParaRPr lang="en-US" sz="1400" dirty="0"/>
+            </a:p>
+          </p:txBody>
+        </p:sp>
+        <p:sp>
+          <p:nvSpPr>
+            <p:cNvPr id="26" name="Rectangle 25">
+              <a:extLst>
+                <a:ext uri="{FF2B5EF4-FFF2-40B4-BE49-F238E27FC236}">
+                  <a16:creationId xmlns:a16="http://schemas.microsoft.com/office/drawing/2014/main" id="{506A56A8-EE36-FCA9-7AAE-ED802C10B1AB}"/>
+                </a:ext>
+              </a:extLst>
+            </p:cNvPr>
+            <p:cNvSpPr/>
+            <p:nvPr/>
+          </p:nvSpPr>
+          <p:spPr>
+            <a:xfrm>
+              <a:off x="8693370" y="2922012"/>
+              <a:ext cx="1828800" cy="1440110"/>
+            </a:xfrm>
+            <a:prstGeom prst="rect">
+              <a:avLst/>
+            </a:prstGeom>
+            <a:solidFill>
+              <a:srgbClr val="4372C4">
+                <a:alpha val="45000"/>
+              </a:srgbClr>
+            </a:solidFill>
+            <a:ln>
+              <a:noFill/>
+            </a:ln>
+          </p:spPr>
+          <p:style>
+            <a:lnRef idx="2">
+              <a:schemeClr val="accent1">
+                <a:shade val="50000"/>
+              </a:schemeClr>
+            </a:lnRef>
+            <a:fillRef idx="1">
+              <a:schemeClr val="accent1"/>
+            </a:fillRef>
+            <a:effectRef idx="0">
+              <a:schemeClr val="accent1"/>
+            </a:effectRef>
+            <a:fontRef idx="minor">
+              <a:schemeClr val="lt1"/>
+            </a:fontRef>
+          </p:style>
+          <p:txBody>
+            <a:bodyPr rtlCol="0" anchor="ctr"/>
+            <a:lstStyle/>
+            <a:p>
+              <a:pPr marL="285750" indent="-285750">
+                <a:buFont typeface="Arial" panose="020B0604020202020204" pitchFamily="34" charset="0"/>
+                <a:buChar char="•"/>
+              </a:pPr>
+              <a:r>
+                <a:rPr lang="en-US" sz="1400" dirty="0"/>
+                <a:t>number of different accounts for same </a:t>
+              </a:r>
+              <a:r>
+                <a:rPr lang="en-US" sz="1400" dirty="0" err="1"/>
+                <a:t>umid</a:t>
+              </a:r>
+              <a:endParaRPr lang="en-US" sz="1400" dirty="0"/>
+            </a:p>
+            <a:p>
+              <a:endParaRPr lang="en-US" sz="1400" dirty="0"/>
+            </a:p>
+            <a:p>
+              <a:pPr marL="285750" indent="-285750">
+                <a:buFont typeface="Arial" panose="020B0604020202020204" pitchFamily="34" charset="0"/>
+                <a:buChar char="•"/>
+              </a:pPr>
+              <a:endParaRPr lang="en-US" sz="1400" dirty="0"/>
+            </a:p>
+            <a:p>
+              <a:pPr marL="285750" indent="-285750">
+                <a:buFont typeface="Arial" panose="020B0604020202020204" pitchFamily="34" charset="0"/>
+                <a:buChar char="•"/>
+              </a:pPr>
+              <a:endParaRPr lang="en-US" sz="1400" dirty="0"/>
+            </a:p>
+          </p:txBody>
+        </p:sp>
+      </p:grpSp>
+      <p:sp>
+        <p:nvSpPr>
+          <p:cNvPr id="39" name="文本框 2">
+            <a:extLst>
+              <a:ext uri="{FF2B5EF4-FFF2-40B4-BE49-F238E27FC236}">
+                <a16:creationId xmlns:a16="http://schemas.microsoft.com/office/drawing/2014/main" id="{DE63D58F-8ABE-B2D0-C942-32129368C06C}"/>
+              </a:ext>
+            </a:extLst>
+          </p:cNvPr>
+          <p:cNvSpPr txBox="1"/>
+          <p:nvPr/>
+        </p:nvSpPr>
+        <p:spPr>
+          <a:xfrm>
+            <a:off x="4306096" y="2485170"/>
+            <a:ext cx="2915502" cy="446276"/>
+          </a:xfrm>
+          <a:prstGeom prst="rect">
+            <a:avLst/>
+          </a:prstGeom>
+          <a:noFill/>
+        </p:spPr>
+        <p:txBody>
+          <a:bodyPr wrap="square" rtlCol="0">
+            <a:spAutoFit/>
+          </a:bodyPr>
+          <a:lstStyle/>
+          <a:p>
+            <a:r>
+              <a:rPr lang="en-US" altLang="zh-CN" sz="2300" dirty="0">
+                <a:solidFill>
+                  <a:srgbClr val="002060"/>
+                </a:solidFill>
+              </a:rPr>
+              <a:t>Model: </a:t>
+            </a:r>
+            <a:r>
+              <a:rPr lang="en-US" altLang="zh-CN" sz="2300" u="sng" dirty="0">
+                <a:solidFill>
+                  <a:srgbClr val="002060"/>
+                </a:solidFill>
+              </a:rPr>
+              <a:t>Random Forest</a:t>
+            </a:r>
+          </a:p>
+        </p:txBody>
+      </p:sp>
+    </p:spTree>
+    <p:extLst>
+      <p:ext uri="{BB962C8B-B14F-4D97-AF65-F5344CB8AC3E}">
+        <p14:creationId xmlns:p14="http://schemas.microsoft.com/office/powerpoint/2010/main" val="1447170869"/>
+      </p:ext>
+    </p:extLst>
+  </p:cSld>
+  <p:clrMapOvr>
+    <a:masterClrMapping/>
+  </p:clrMapOvr>
+</p:sld>
+</file>
+
+<file path=ppt/slides/slide7.xml><?xml version="1.0" encoding="utf-8"?>
+<p:sld xmlns:a="http://schemas.openxmlformats.org/drawingml/2006/main" xmlns:r="http://schemas.openxmlformats.org/officeDocument/2006/relationships" xmlns:p="http://schemas.openxmlformats.org/presentationml/2006/main">
+  <p:cSld>
+    <p:spTree>
+      <p:nvGrpSpPr>
+        <p:cNvPr id="1" name=""/>
+        <p:cNvGrpSpPr/>
+        <p:nvPr/>
+      </p:nvGrpSpPr>
+      <p:grpSpPr>
+        <a:xfrm>
+          <a:off x="0" y="0"/>
+          <a:ext cx="0" cy="0"/>
+          <a:chOff x="0" y="0"/>
+          <a:chExt cx="0" cy="0"/>
+        </a:xfrm>
+      </p:grpSpPr>
+      <p:sp>
+        <p:nvSpPr>
+          <p:cNvPr id="2" name="Title 1">
+            <a:extLst>
+              <a:ext uri="{FF2B5EF4-FFF2-40B4-BE49-F238E27FC236}">
+                <a16:creationId xmlns:a16="http://schemas.microsoft.com/office/drawing/2014/main" id="{83D41F3B-3683-E6A9-52A1-FCEF86BA6F27}"/>
+              </a:ext>
+            </a:extLst>
+          </p:cNvPr>
+          <p:cNvSpPr>
+            <a:spLocks noGrp="1"/>
+          </p:cNvSpPr>
+          <p:nvPr>
+            <p:ph type="title"/>
+          </p:nvPr>
+        </p:nvSpPr>
+        <p:spPr/>
+        <p:txBody>
+          <a:bodyPr/>
+          <a:lstStyle/>
+          <a:p>
+            <a:r>
+              <a:rPr lang="en-US" dirty="0">
+                <a:latin typeface="Calibri" panose="020F0502020204030204" pitchFamily="34" charset="0"/>
+                <a:cs typeface="Calibri" panose="020F0502020204030204" pitchFamily="34" charset="0"/>
+              </a:rPr>
+              <a:t>Model in Login Scenario (Model Performance)</a:t>
+            </a:r>
+          </a:p>
+        </p:txBody>
+      </p:sp>
+      <p:sp>
+        <p:nvSpPr>
+          <p:cNvPr id="4" name="Text Placeholder 3">
+            <a:extLst>
+              <a:ext uri="{FF2B5EF4-FFF2-40B4-BE49-F238E27FC236}">
+                <a16:creationId xmlns:a16="http://schemas.microsoft.com/office/drawing/2014/main" id="{AABD4BC1-EB92-2AAA-359C-BF2066C24D47}"/>
+              </a:ext>
+            </a:extLst>
+          </p:cNvPr>
+          <p:cNvSpPr>
+            <a:spLocks noGrp="1"/>
+          </p:cNvSpPr>
+          <p:nvPr>
+            <p:ph type="body" sz="quarter" idx="23"/>
+          </p:nvPr>
+        </p:nvSpPr>
+        <p:spPr/>
+        <p:txBody>
+          <a:bodyPr/>
+          <a:lstStyle/>
+          <a:p>
+            <a:endParaRPr lang="en-US" dirty="0"/>
+          </a:p>
+        </p:txBody>
+      </p:sp>
+      <p:sp>
+        <p:nvSpPr>
+          <p:cNvPr id="8" name="文本框 2">
+            <a:extLst>
+              <a:ext uri="{FF2B5EF4-FFF2-40B4-BE49-F238E27FC236}">
+                <a16:creationId xmlns:a16="http://schemas.microsoft.com/office/drawing/2014/main" id="{E39E5411-81A2-89BE-9C61-238C3B7E6C83}"/>
+              </a:ext>
+            </a:extLst>
+          </p:cNvPr>
+          <p:cNvSpPr txBox="1"/>
+          <p:nvPr/>
+        </p:nvSpPr>
+        <p:spPr>
+          <a:xfrm>
+            <a:off x="616812" y="1182105"/>
+            <a:ext cx="10294070" cy="446276"/>
+          </a:xfrm>
+          <a:prstGeom prst="rect">
+            <a:avLst/>
+          </a:prstGeom>
+          <a:noFill/>
+        </p:spPr>
+        <p:txBody>
+          <a:bodyPr wrap="square" rtlCol="0">
+            <a:spAutoFit/>
+          </a:bodyPr>
+          <a:lstStyle/>
+          <a:p>
+            <a:pPr marL="285750" indent="-285750">
+              <a:buFont typeface="Arial" panose="020B0604020202020204" pitchFamily="34" charset="0"/>
+              <a:buChar char="•"/>
+            </a:pPr>
+            <a:r>
+              <a:rPr lang="en-US" altLang="zh-CN" sz="2300" b="1" dirty="0">
+                <a:solidFill>
+                  <a:srgbClr val="002060"/>
+                </a:solidFill>
+              </a:rPr>
+              <a:t>Review Result</a:t>
+            </a:r>
+          </a:p>
+        </p:txBody>
+      </p:sp>
+      <p:sp>
+        <p:nvSpPr>
+          <p:cNvPr id="3" name="Slide Number Placeholder 5">
+            <a:extLst>
+              <a:ext uri="{FF2B5EF4-FFF2-40B4-BE49-F238E27FC236}">
+                <a16:creationId xmlns:a16="http://schemas.microsoft.com/office/drawing/2014/main" id="{331AE1B9-2BEB-852D-0570-8D2EA351C0F8}"/>
+              </a:ext>
+            </a:extLst>
+          </p:cNvPr>
+          <p:cNvSpPr txBox="1">
+            <a:spLocks/>
+          </p:cNvSpPr>
+          <p:nvPr/>
+        </p:nvSpPr>
+        <p:spPr>
+          <a:xfrm>
+            <a:off x="8610600" y="6356350"/>
+            <a:ext cx="2743200" cy="365125"/>
+          </a:xfrm>
+          <a:prstGeom prst="rect">
+            <a:avLst/>
+          </a:prstGeom>
+        </p:spPr>
+        <p:txBody>
+          <a:bodyPr vert="horz" lIns="91440" tIns="45720" rIns="91440" bIns="45720" rtlCol="0" anchor="ctr"/>
+          <a:lstStyle>
+            <a:defPPr>
+              <a:defRPr lang="zh-CN"/>
+            </a:defPPr>
+            <a:lvl1pPr marL="0" algn="r" defTabSz="914400" rtl="0" eaLnBrk="1" latinLnBrk="0" hangingPunct="1">
+              <a:defRPr sz="1200" kern="1200">
+                <a:solidFill>
+                  <a:schemeClr val="tx1">
+                    <a:tint val="75000"/>
+                  </a:schemeClr>
+                </a:solidFill>
+                <a:latin typeface="+mn-lt"/>
+                <a:ea typeface="+mn-ea"/>
+                <a:cs typeface="+mn-cs"/>
+              </a:defRPr>
+            </a:lvl1pPr>
+            <a:lvl2pPr marL="457200" algn="l" defTabSz="914400" rtl="0" eaLnBrk="1" latinLnBrk="0" hangingPunct="1">
+              <a:defRPr sz="1800" kern="1200">
+                <a:solidFill>
+                  <a:schemeClr val="tx1"/>
+                </a:solidFill>
+                <a:latin typeface="+mn-lt"/>
+                <a:ea typeface="+mn-ea"/>
+                <a:cs typeface="+mn-cs"/>
+              </a:defRPr>
+            </a:lvl2pPr>
+            <a:lvl3pPr marL="914400" algn="l" defTabSz="914400" rtl="0" eaLnBrk="1" latinLnBrk="0" hangingPunct="1">
+              <a:defRPr sz="1800" kern="1200">
+                <a:solidFill>
+                  <a:schemeClr val="tx1"/>
+                </a:solidFill>
+                <a:latin typeface="+mn-lt"/>
+                <a:ea typeface="+mn-ea"/>
+                <a:cs typeface="+mn-cs"/>
+              </a:defRPr>
+            </a:lvl3pPr>
+            <a:lvl4pPr marL="1371600" algn="l" defTabSz="914400" rtl="0" eaLnBrk="1" latinLnBrk="0" hangingPunct="1">
+              <a:defRPr sz="1800" kern="1200">
+                <a:solidFill>
+                  <a:schemeClr val="tx1"/>
+                </a:solidFill>
+                <a:latin typeface="+mn-lt"/>
+                <a:ea typeface="+mn-ea"/>
+                <a:cs typeface="+mn-cs"/>
+              </a:defRPr>
+            </a:lvl4pPr>
+            <a:lvl5pPr marL="1828800" algn="l" defTabSz="914400" rtl="0" eaLnBrk="1" latinLnBrk="0" hangingPunct="1">
+              <a:defRPr sz="1800" kern="1200">
+                <a:solidFill>
+                  <a:schemeClr val="tx1"/>
+                </a:solidFill>
+                <a:latin typeface="+mn-lt"/>
+                <a:ea typeface="+mn-ea"/>
+                <a:cs typeface="+mn-cs"/>
+              </a:defRPr>
+            </a:lvl5pPr>
+            <a:lvl6pPr marL="2286000" algn="l" defTabSz="914400" rtl="0" eaLnBrk="1" latinLnBrk="0" hangingPunct="1">
+              <a:defRPr sz="1800" kern="1200">
+                <a:solidFill>
+                  <a:schemeClr val="tx1"/>
+                </a:solidFill>
+                <a:latin typeface="+mn-lt"/>
+                <a:ea typeface="+mn-ea"/>
+                <a:cs typeface="+mn-cs"/>
+              </a:defRPr>
+            </a:lvl6pPr>
+            <a:lvl7pPr marL="2743200" algn="l" defTabSz="914400" rtl="0" eaLnBrk="1" latinLnBrk="0" hangingPunct="1">
+              <a:defRPr sz="1800" kern="1200">
+                <a:solidFill>
+                  <a:schemeClr val="tx1"/>
+                </a:solidFill>
+                <a:latin typeface="+mn-lt"/>
+                <a:ea typeface="+mn-ea"/>
+                <a:cs typeface="+mn-cs"/>
+              </a:defRPr>
+            </a:lvl7pPr>
+            <a:lvl8pPr marL="3200400" algn="l" defTabSz="914400" rtl="0" eaLnBrk="1" latinLnBrk="0" hangingPunct="1">
+              <a:defRPr sz="1800" kern="1200">
+                <a:solidFill>
+                  <a:schemeClr val="tx1"/>
+                </a:solidFill>
+                <a:latin typeface="+mn-lt"/>
+                <a:ea typeface="+mn-ea"/>
+                <a:cs typeface="+mn-cs"/>
+              </a:defRPr>
+            </a:lvl8pPr>
+            <a:lvl9pPr marL="3657600" algn="l" defTabSz="914400" rtl="0" eaLnBrk="1" latinLnBrk="0" hangingPunct="1">
+              <a:defRPr sz="1800" kern="1200">
+                <a:solidFill>
+                  <a:schemeClr val="tx1"/>
+                </a:solidFill>
+                <a:latin typeface="+mn-lt"/>
+                <a:ea typeface="+mn-ea"/>
+                <a:cs typeface="+mn-cs"/>
+              </a:defRPr>
+            </a:lvl9pPr>
+          </a:lstStyle>
+          <a:p>
+            <a:fld id="{9478C395-1283-4E41-8724-2D9F689566D8}" type="slidenum">
+              <a:rPr lang="en-SG" smtClean="0"/>
+              <a:pPr/>
+              <a:t>7</a:t>
+            </a:fld>
+            <a:endParaRPr lang="en-SG" dirty="0"/>
+          </a:p>
+        </p:txBody>
+      </p:sp>
+      <p:sp>
+        <p:nvSpPr>
+          <p:cNvPr id="5" name="文本框 2">
+            <a:extLst>
+              <a:ext uri="{FF2B5EF4-FFF2-40B4-BE49-F238E27FC236}">
+                <a16:creationId xmlns:a16="http://schemas.microsoft.com/office/drawing/2014/main" id="{DDBFE400-CC33-0D01-13F4-E5623AB432EE}"/>
+              </a:ext>
+            </a:extLst>
+          </p:cNvPr>
+          <p:cNvSpPr txBox="1"/>
+          <p:nvPr/>
+        </p:nvSpPr>
+        <p:spPr>
+          <a:xfrm>
+            <a:off x="628649" y="1628381"/>
+            <a:ext cx="10294070" cy="1508105"/>
+          </a:xfrm>
+          <a:prstGeom prst="rect">
+            <a:avLst/>
+          </a:prstGeom>
+          <a:noFill/>
+        </p:spPr>
+        <p:txBody>
+          <a:bodyPr wrap="square" rtlCol="0">
+            <a:spAutoFit/>
+          </a:bodyPr>
+          <a:lstStyle/>
+          <a:p>
+            <a:r>
+              <a:rPr lang="en-US" altLang="zh-CN" sz="2300" dirty="0">
+                <a:solidFill>
+                  <a:srgbClr val="002060"/>
+                </a:solidFill>
+              </a:rPr>
+              <a:t>Data: 0621-0627 Login Records</a:t>
+            </a:r>
+            <a:r>
+              <a:rPr lang="zh-CN" altLang="en-US" sz="2300" dirty="0">
+                <a:solidFill>
+                  <a:srgbClr val="002060"/>
+                </a:solidFill>
+              </a:rPr>
+              <a:t> </a:t>
+            </a:r>
+            <a:r>
+              <a:rPr lang="en-US" altLang="zh-CN" sz="2300" dirty="0">
+                <a:solidFill>
+                  <a:srgbClr val="002060"/>
+                </a:solidFill>
+              </a:rPr>
+              <a:t>(</a:t>
+            </a:r>
+            <a:r>
+              <a:rPr lang="en-US" altLang="zh-CN" sz="2300" b="1" u="sng" dirty="0">
+                <a:solidFill>
+                  <a:srgbClr val="002060"/>
+                </a:solidFill>
+              </a:rPr>
+              <a:t>140k</a:t>
+            </a:r>
+            <a:r>
+              <a:rPr lang="en-US" altLang="zh-CN" sz="2300" dirty="0">
+                <a:solidFill>
+                  <a:srgbClr val="002060"/>
+                </a:solidFill>
+              </a:rPr>
+              <a:t>)</a:t>
+            </a:r>
+          </a:p>
+          <a:p>
+            <a:r>
+              <a:rPr lang="en-US" altLang="zh-CN" sz="2300" dirty="0">
+                <a:solidFill>
+                  <a:srgbClr val="002060"/>
+                </a:solidFill>
+              </a:rPr>
+              <a:t>Black Prediction: </a:t>
+            </a:r>
+            <a:r>
+              <a:rPr lang="en-US" altLang="zh-CN" sz="2300" b="1" u="sng" dirty="0">
+                <a:solidFill>
+                  <a:srgbClr val="002060"/>
+                </a:solidFill>
+              </a:rPr>
+              <a:t>65</a:t>
+            </a:r>
+            <a:r>
+              <a:rPr lang="en-US" altLang="zh-CN" sz="2300" dirty="0">
+                <a:solidFill>
+                  <a:srgbClr val="002060"/>
+                </a:solidFill>
+              </a:rPr>
+              <a:t> cases (detection rate: </a:t>
+            </a:r>
+            <a:r>
+              <a:rPr lang="en-US" altLang="zh-CN" sz="2300" b="1" u="sng" dirty="0">
+                <a:solidFill>
+                  <a:srgbClr val="002060"/>
+                </a:solidFill>
+              </a:rPr>
+              <a:t>0.046%</a:t>
+            </a:r>
+            <a:r>
+              <a:rPr lang="en-US" altLang="zh-CN" sz="2300" dirty="0">
+                <a:solidFill>
+                  <a:srgbClr val="002060"/>
+                </a:solidFill>
+              </a:rPr>
+              <a:t>)</a:t>
+            </a:r>
+          </a:p>
+          <a:p>
+            <a:r>
+              <a:rPr lang="en-US" altLang="zh-CN" sz="2300" dirty="0">
+                <a:solidFill>
+                  <a:srgbClr val="002060"/>
+                </a:solidFill>
+              </a:rPr>
+              <a:t>Precision: </a:t>
+            </a:r>
+            <a:r>
+              <a:rPr lang="en-US" altLang="zh-CN" sz="2300" b="1" u="sng" dirty="0">
+                <a:solidFill>
+                  <a:srgbClr val="002060"/>
+                </a:solidFill>
+              </a:rPr>
+              <a:t>81.25%</a:t>
+            </a:r>
+            <a:r>
+              <a:rPr lang="en-US" altLang="zh-CN" sz="2300" dirty="0">
+                <a:solidFill>
+                  <a:srgbClr val="002060"/>
+                </a:solidFill>
+              </a:rPr>
+              <a:t> after manually review</a:t>
+            </a:r>
+          </a:p>
+          <a:p>
+            <a:r>
+              <a:rPr lang="en-US" altLang="zh-CN" sz="2300" dirty="0">
+                <a:solidFill>
+                  <a:srgbClr val="002060"/>
+                </a:solidFill>
+              </a:rPr>
+              <a:t>Recall: approximately </a:t>
+            </a:r>
+            <a:r>
+              <a:rPr lang="en-US" altLang="zh-CN" sz="2300" b="1" u="sng" dirty="0">
+                <a:solidFill>
+                  <a:srgbClr val="002060"/>
+                </a:solidFill>
+              </a:rPr>
+              <a:t>30%</a:t>
+            </a:r>
+          </a:p>
+        </p:txBody>
+      </p:sp>
+      <p:sp>
+        <p:nvSpPr>
+          <p:cNvPr id="7" name="文本框 2">
+            <a:extLst>
+              <a:ext uri="{FF2B5EF4-FFF2-40B4-BE49-F238E27FC236}">
+                <a16:creationId xmlns:a16="http://schemas.microsoft.com/office/drawing/2014/main" id="{87B7D0BC-2969-05F7-17BA-B0F627DF5B8E}"/>
+              </a:ext>
+            </a:extLst>
+          </p:cNvPr>
+          <p:cNvSpPr txBox="1"/>
+          <p:nvPr/>
+        </p:nvSpPr>
+        <p:spPr>
+          <a:xfrm>
+            <a:off x="616812" y="3183139"/>
+            <a:ext cx="10294070" cy="446276"/>
+          </a:xfrm>
+          <a:prstGeom prst="rect">
+            <a:avLst/>
+          </a:prstGeom>
+          <a:noFill/>
+        </p:spPr>
+        <p:txBody>
+          <a:bodyPr wrap="square" rtlCol="0">
+            <a:spAutoFit/>
+          </a:bodyPr>
+          <a:lstStyle/>
+          <a:p>
+            <a:pPr marL="285750" indent="-285750">
+              <a:buFont typeface="Arial" panose="020B0604020202020204" pitchFamily="34" charset="0"/>
+              <a:buChar char="•"/>
+            </a:pPr>
+            <a:r>
+              <a:rPr lang="en-US" altLang="zh-CN" sz="2300" b="1" dirty="0">
+                <a:solidFill>
+                  <a:srgbClr val="002060"/>
+                </a:solidFill>
+              </a:rPr>
+              <a:t>Prediction score distribution</a:t>
+            </a:r>
+          </a:p>
+        </p:txBody>
+      </p:sp>
+      <p:pic>
+        <p:nvPicPr>
+          <p:cNvPr id="9" name="Picture 8">
+            <a:extLst>
+              <a:ext uri="{FF2B5EF4-FFF2-40B4-BE49-F238E27FC236}">
+                <a16:creationId xmlns:a16="http://schemas.microsoft.com/office/drawing/2014/main" id="{FF8889BE-E0E5-B6B2-054C-E905AC505017}"/>
+              </a:ext>
+            </a:extLst>
+          </p:cNvPr>
+          <p:cNvPicPr>
+            <a:picLocks noChangeAspect="1"/>
+          </p:cNvPicPr>
+          <p:nvPr/>
+        </p:nvPicPr>
+        <p:blipFill>
+          <a:blip r:embed="rId3"/>
+          <a:stretch>
+            <a:fillRect/>
+          </a:stretch>
+        </p:blipFill>
+        <p:spPr>
+          <a:xfrm>
+            <a:off x="871105" y="3827965"/>
+            <a:ext cx="5224895" cy="2095546"/>
+          </a:xfrm>
+          <a:prstGeom prst="rect">
+            <a:avLst/>
+          </a:prstGeom>
+        </p:spPr>
+      </p:pic>
+      <p:pic>
+        <p:nvPicPr>
+          <p:cNvPr id="10" name="Picture 9">
+            <a:extLst>
+              <a:ext uri="{FF2B5EF4-FFF2-40B4-BE49-F238E27FC236}">
+                <a16:creationId xmlns:a16="http://schemas.microsoft.com/office/drawing/2014/main" id="{1FCDE681-F4B7-9485-7CA8-8CF9779BE00D}"/>
+              </a:ext>
+            </a:extLst>
+          </p:cNvPr>
+          <p:cNvPicPr>
+            <a:picLocks noChangeAspect="1"/>
+          </p:cNvPicPr>
+          <p:nvPr/>
+        </p:nvPicPr>
+        <p:blipFill>
+          <a:blip r:embed="rId4"/>
+          <a:stretch>
+            <a:fillRect/>
+          </a:stretch>
+        </p:blipFill>
+        <p:spPr>
+          <a:xfrm>
+            <a:off x="6096000" y="3824090"/>
+            <a:ext cx="5257800" cy="2114447"/>
+          </a:xfrm>
+          <a:prstGeom prst="rect">
+            <a:avLst/>
+          </a:prstGeom>
+        </p:spPr>
+      </p:pic>
+    </p:spTree>
+    <p:extLst>
+      <p:ext uri="{BB962C8B-B14F-4D97-AF65-F5344CB8AC3E}">
+        <p14:creationId xmlns:p14="http://schemas.microsoft.com/office/powerpoint/2010/main" val="2289664511"/>
+      </p:ext>
+    </p:extLst>
+  </p:cSld>
+  <p:clrMapOvr>
+    <a:masterClrMapping/>
+  </p:clrMapOvr>
+</p:sld>
+</file>
+
+<file path=ppt/slides/slide8.xml><?xml version="1.0" encoding="utf-8"?>
+<p:sld xmlns:a="http://schemas.openxmlformats.org/drawingml/2006/main" xmlns:r="http://schemas.openxmlformats.org/officeDocument/2006/relationships" xmlns:p="http://schemas.openxmlformats.org/presentationml/2006/main">
+  <p:cSld>
+    <p:spTree>
+      <p:nvGrpSpPr>
+        <p:cNvPr id="1" name=""/>
+        <p:cNvGrpSpPr/>
+        <p:nvPr/>
+      </p:nvGrpSpPr>
+      <p:grpSpPr>
+        <a:xfrm>
+          <a:off x="0" y="0"/>
+          <a:ext cx="0" cy="0"/>
+          <a:chOff x="0" y="0"/>
+          <a:chExt cx="0" cy="0"/>
+        </a:xfrm>
+      </p:grpSpPr>
+      <p:sp>
+        <p:nvSpPr>
+          <p:cNvPr id="2" name="Title 1">
+            <a:extLst>
+              <a:ext uri="{FF2B5EF4-FFF2-40B4-BE49-F238E27FC236}">
+                <a16:creationId xmlns:a16="http://schemas.microsoft.com/office/drawing/2014/main" id="{83D41F3B-3683-E6A9-52A1-FCEF86BA6F27}"/>
+              </a:ext>
+            </a:extLst>
+          </p:cNvPr>
+          <p:cNvSpPr>
+            <a:spLocks noGrp="1"/>
+          </p:cNvSpPr>
+          <p:nvPr>
+            <p:ph type="title"/>
+          </p:nvPr>
+        </p:nvSpPr>
+        <p:spPr/>
+        <p:txBody>
+          <a:bodyPr/>
+          <a:lstStyle/>
+          <a:p>
+            <a:r>
+              <a:rPr lang="en-US" dirty="0">
+                <a:latin typeface="Calibri" panose="020F0502020204030204" pitchFamily="34" charset="0"/>
+                <a:cs typeface="Calibri" panose="020F0502020204030204" pitchFamily="34" charset="0"/>
+              </a:rPr>
+              <a:t>Model in Order-create Scenario (Model Setting)</a:t>
+            </a:r>
+          </a:p>
+        </p:txBody>
+      </p:sp>
+      <p:sp>
+        <p:nvSpPr>
+          <p:cNvPr id="4" name="Text Placeholder 3">
+            <a:extLst>
+              <a:ext uri="{FF2B5EF4-FFF2-40B4-BE49-F238E27FC236}">
+                <a16:creationId xmlns:a16="http://schemas.microsoft.com/office/drawing/2014/main" id="{AABD4BC1-EB92-2AAA-359C-BF2066C24D47}"/>
+              </a:ext>
+            </a:extLst>
+          </p:cNvPr>
+          <p:cNvSpPr>
+            <a:spLocks noGrp="1"/>
+          </p:cNvSpPr>
+          <p:nvPr>
+            <p:ph type="body" sz="quarter" idx="23"/>
+          </p:nvPr>
+        </p:nvSpPr>
+        <p:spPr/>
+        <p:txBody>
+          <a:bodyPr/>
+          <a:lstStyle/>
+          <a:p>
+            <a:endParaRPr lang="en-US" dirty="0"/>
+          </a:p>
+        </p:txBody>
+      </p:sp>
+      <p:sp>
+        <p:nvSpPr>
+          <p:cNvPr id="3" name="Slide Number Placeholder 5">
+            <a:extLst>
+              <a:ext uri="{FF2B5EF4-FFF2-40B4-BE49-F238E27FC236}">
+                <a16:creationId xmlns:a16="http://schemas.microsoft.com/office/drawing/2014/main" id="{331AE1B9-2BEB-852D-0570-8D2EA351C0F8}"/>
+              </a:ext>
+            </a:extLst>
+          </p:cNvPr>
+          <p:cNvSpPr txBox="1">
+            <a:spLocks/>
+          </p:cNvSpPr>
+          <p:nvPr/>
+        </p:nvSpPr>
+        <p:spPr>
+          <a:xfrm>
+            <a:off x="8610600" y="6356350"/>
+            <a:ext cx="2743200" cy="365125"/>
+          </a:xfrm>
+          <a:prstGeom prst="rect">
+            <a:avLst/>
+          </a:prstGeom>
+        </p:spPr>
+        <p:txBody>
+          <a:bodyPr vert="horz" lIns="91440" tIns="45720" rIns="91440" bIns="45720" rtlCol="0" anchor="ctr"/>
+          <a:lstStyle>
+            <a:defPPr>
+              <a:defRPr lang="zh-CN"/>
+            </a:defPPr>
+            <a:lvl1pPr marL="0" algn="r" defTabSz="914400" rtl="0" eaLnBrk="1" latinLnBrk="0" hangingPunct="1">
+              <a:defRPr sz="1200" kern="1200">
+                <a:solidFill>
+                  <a:schemeClr val="tx1">
+                    <a:tint val="75000"/>
+                  </a:schemeClr>
+                </a:solidFill>
+                <a:latin typeface="+mn-lt"/>
+                <a:ea typeface="+mn-ea"/>
+                <a:cs typeface="+mn-cs"/>
+              </a:defRPr>
+            </a:lvl1pPr>
+            <a:lvl2pPr marL="457200" algn="l" defTabSz="914400" rtl="0" eaLnBrk="1" latinLnBrk="0" hangingPunct="1">
+              <a:defRPr sz="1800" kern="1200">
+                <a:solidFill>
+                  <a:schemeClr val="tx1"/>
+                </a:solidFill>
+                <a:latin typeface="+mn-lt"/>
+                <a:ea typeface="+mn-ea"/>
+                <a:cs typeface="+mn-cs"/>
+              </a:defRPr>
+            </a:lvl2pPr>
+            <a:lvl3pPr marL="914400" algn="l" defTabSz="914400" rtl="0" eaLnBrk="1" latinLnBrk="0" hangingPunct="1">
+              <a:defRPr sz="1800" kern="1200">
+                <a:solidFill>
+                  <a:schemeClr val="tx1"/>
+                </a:solidFill>
+                <a:latin typeface="+mn-lt"/>
+                <a:ea typeface="+mn-ea"/>
+                <a:cs typeface="+mn-cs"/>
+              </a:defRPr>
+            </a:lvl3pPr>
+            <a:lvl4pPr marL="1371600" algn="l" defTabSz="914400" rtl="0" eaLnBrk="1" latinLnBrk="0" hangingPunct="1">
+              <a:defRPr sz="1800" kern="1200">
+                <a:solidFill>
+                  <a:schemeClr val="tx1"/>
+                </a:solidFill>
+                <a:latin typeface="+mn-lt"/>
+                <a:ea typeface="+mn-ea"/>
+                <a:cs typeface="+mn-cs"/>
+              </a:defRPr>
+            </a:lvl4pPr>
+            <a:lvl5pPr marL="1828800" algn="l" defTabSz="914400" rtl="0" eaLnBrk="1" latinLnBrk="0" hangingPunct="1">
+              <a:defRPr sz="1800" kern="1200">
+                <a:solidFill>
+                  <a:schemeClr val="tx1"/>
+                </a:solidFill>
+                <a:latin typeface="+mn-lt"/>
+                <a:ea typeface="+mn-ea"/>
+                <a:cs typeface="+mn-cs"/>
+              </a:defRPr>
+            </a:lvl5pPr>
+            <a:lvl6pPr marL="2286000" algn="l" defTabSz="914400" rtl="0" eaLnBrk="1" latinLnBrk="0" hangingPunct="1">
+              <a:defRPr sz="1800" kern="1200">
+                <a:solidFill>
+                  <a:schemeClr val="tx1"/>
+                </a:solidFill>
+                <a:latin typeface="+mn-lt"/>
+                <a:ea typeface="+mn-ea"/>
+                <a:cs typeface="+mn-cs"/>
+              </a:defRPr>
+            </a:lvl6pPr>
+            <a:lvl7pPr marL="2743200" algn="l" defTabSz="914400" rtl="0" eaLnBrk="1" latinLnBrk="0" hangingPunct="1">
+              <a:defRPr sz="1800" kern="1200">
+                <a:solidFill>
+                  <a:schemeClr val="tx1"/>
+                </a:solidFill>
+                <a:latin typeface="+mn-lt"/>
+                <a:ea typeface="+mn-ea"/>
+                <a:cs typeface="+mn-cs"/>
+              </a:defRPr>
+            </a:lvl7pPr>
+            <a:lvl8pPr marL="3200400" algn="l" defTabSz="914400" rtl="0" eaLnBrk="1" latinLnBrk="0" hangingPunct="1">
+              <a:defRPr sz="1800" kern="1200">
+                <a:solidFill>
+                  <a:schemeClr val="tx1"/>
+                </a:solidFill>
+                <a:latin typeface="+mn-lt"/>
+                <a:ea typeface="+mn-ea"/>
+                <a:cs typeface="+mn-cs"/>
+              </a:defRPr>
+            </a:lvl8pPr>
+            <a:lvl9pPr marL="3657600" algn="l" defTabSz="914400" rtl="0" eaLnBrk="1" latinLnBrk="0" hangingPunct="1">
+              <a:defRPr sz="1800" kern="1200">
+                <a:solidFill>
+                  <a:schemeClr val="tx1"/>
+                </a:solidFill>
+                <a:latin typeface="+mn-lt"/>
+                <a:ea typeface="+mn-ea"/>
+                <a:cs typeface="+mn-cs"/>
+              </a:defRPr>
+            </a:lvl9pPr>
+          </a:lstStyle>
+          <a:p>
+            <a:fld id="{9478C395-1283-4E41-8724-2D9F689566D8}" type="slidenum">
+              <a:rPr lang="en-SG" smtClean="0"/>
+              <a:pPr/>
+              <a:t>8</a:t>
+            </a:fld>
+            <a:endParaRPr lang="en-SG" dirty="0"/>
+          </a:p>
+        </p:txBody>
+      </p:sp>
+      <p:sp>
+        <p:nvSpPr>
+          <p:cNvPr id="6" name="文本框 2">
+            <a:extLst>
+              <a:ext uri="{FF2B5EF4-FFF2-40B4-BE49-F238E27FC236}">
+                <a16:creationId xmlns:a16="http://schemas.microsoft.com/office/drawing/2014/main" id="{9048FF97-0358-F497-5BEC-830B22DFD69A}"/>
+              </a:ext>
+            </a:extLst>
+          </p:cNvPr>
+          <p:cNvSpPr txBox="1"/>
+          <p:nvPr/>
+        </p:nvSpPr>
+        <p:spPr>
+          <a:xfrm>
+            <a:off x="616812" y="1126685"/>
+            <a:ext cx="10294070" cy="1508105"/>
+          </a:xfrm>
+          <a:prstGeom prst="rect">
+            <a:avLst/>
+          </a:prstGeom>
+          <a:noFill/>
+        </p:spPr>
+        <p:txBody>
+          <a:bodyPr wrap="square" rtlCol="0">
+            <a:spAutoFit/>
+          </a:bodyPr>
+          <a:lstStyle/>
+          <a:p>
+            <a:pPr marL="285750" indent="-285750">
+              <a:buFont typeface="Arial" panose="020B0604020202020204" pitchFamily="34" charset="0"/>
+              <a:buChar char="•"/>
+            </a:pPr>
+            <a:r>
+              <a:rPr lang="en-US" altLang="zh-CN" sz="2300" dirty="0">
+                <a:solidFill>
+                  <a:srgbClr val="002060"/>
+                </a:solidFill>
+              </a:rPr>
+              <a:t>Idea: For </a:t>
+            </a:r>
+            <a:r>
+              <a:rPr lang="en-US" altLang="zh-CN" sz="2300" b="1" u="sng" dirty="0">
+                <a:solidFill>
+                  <a:srgbClr val="002060"/>
+                </a:solidFill>
+              </a:rPr>
+              <a:t>Order-create detection</a:t>
+            </a:r>
+            <a:r>
+              <a:rPr lang="en-US" altLang="zh-CN" sz="2300" dirty="0">
+                <a:solidFill>
+                  <a:srgbClr val="002060"/>
+                </a:solidFill>
+              </a:rPr>
+              <a:t>, mainly focus on those </a:t>
+            </a:r>
+            <a:r>
+              <a:rPr lang="en-US" altLang="zh-CN" sz="2300" b="1" u="sng" dirty="0">
+                <a:solidFill>
+                  <a:srgbClr val="002060"/>
+                </a:solidFill>
+              </a:rPr>
+              <a:t>Direct ATO</a:t>
+            </a:r>
+            <a:r>
+              <a:rPr lang="en-US" altLang="zh-CN" sz="2300" dirty="0">
+                <a:solidFill>
+                  <a:srgbClr val="002060"/>
+                </a:solidFill>
+              </a:rPr>
+              <a:t> cases to compensate for login detection.</a:t>
+            </a:r>
+          </a:p>
+          <a:p>
+            <a:pPr marL="285750" indent="-285750">
+              <a:buFont typeface="Arial" panose="020B0604020202020204" pitchFamily="34" charset="0"/>
+              <a:buChar char="•"/>
+            </a:pPr>
+            <a:r>
+              <a:rPr lang="en-US" altLang="zh-CN" sz="2300" dirty="0">
+                <a:solidFill>
+                  <a:srgbClr val="002060"/>
+                </a:solidFill>
+              </a:rPr>
+              <a:t>Time-line for each sample: ends at </a:t>
+            </a:r>
+            <a:r>
+              <a:rPr lang="en-US" altLang="zh-CN" sz="2300" b="1" u="sng" dirty="0">
+                <a:solidFill>
+                  <a:srgbClr val="002060"/>
+                </a:solidFill>
+              </a:rPr>
+              <a:t>order-creation time</a:t>
+            </a:r>
+            <a:r>
+              <a:rPr lang="en-US" altLang="zh-CN" sz="2300" dirty="0">
+                <a:solidFill>
+                  <a:srgbClr val="002060"/>
+                </a:solidFill>
+              </a:rPr>
+              <a:t>, and starts from the </a:t>
+            </a:r>
+            <a:r>
+              <a:rPr lang="en-US" altLang="zh-CN" sz="2300" b="1" u="sng" dirty="0">
+                <a:solidFill>
+                  <a:srgbClr val="002060"/>
+                </a:solidFill>
+              </a:rPr>
+              <a:t>closest login time</a:t>
+            </a:r>
+            <a:r>
+              <a:rPr lang="en-US" altLang="zh-CN" sz="2300" dirty="0">
+                <a:solidFill>
+                  <a:srgbClr val="002060"/>
+                </a:solidFill>
+              </a:rPr>
+              <a:t> with the same </a:t>
+            </a:r>
+            <a:r>
+              <a:rPr lang="en-US" altLang="zh-CN" sz="2300" dirty="0" err="1">
+                <a:solidFill>
+                  <a:srgbClr val="002060"/>
+                </a:solidFill>
+              </a:rPr>
+              <a:t>umid</a:t>
+            </a:r>
+            <a:r>
+              <a:rPr lang="en-US" altLang="zh-CN" sz="2300" dirty="0">
+                <a:solidFill>
+                  <a:srgbClr val="002060"/>
+                </a:solidFill>
+              </a:rPr>
+              <a:t> (as order-creation).</a:t>
+            </a:r>
+          </a:p>
+        </p:txBody>
+      </p:sp>
+      <p:sp>
+        <p:nvSpPr>
+          <p:cNvPr id="7" name="Rounded Rectangle 6">
+            <a:extLst>
+              <a:ext uri="{FF2B5EF4-FFF2-40B4-BE49-F238E27FC236}">
+                <a16:creationId xmlns:a16="http://schemas.microsoft.com/office/drawing/2014/main" id="{0114A609-89B2-2902-C414-040A92D97F13}"/>
+              </a:ext>
+            </a:extLst>
+          </p:cNvPr>
+          <p:cNvSpPr/>
+          <p:nvPr/>
+        </p:nvSpPr>
+        <p:spPr>
+          <a:xfrm>
+            <a:off x="1011382" y="2770910"/>
+            <a:ext cx="9899500" cy="3597064"/>
+          </a:xfrm>
+          <a:prstGeom prst="roundRect">
+            <a:avLst/>
+          </a:prstGeom>
+          <a:solidFill>
+            <a:srgbClr val="4372C4">
+              <a:alpha val="9000"/>
+            </a:srgbClr>
+          </a:solidFill>
+          <a:ln>
+            <a:noFill/>
+          </a:ln>
+        </p:spPr>
+        <p:style>
+          <a:lnRef idx="2">
+            <a:schemeClr val="accent1">
+              <a:shade val="50000"/>
+            </a:schemeClr>
+          </a:lnRef>
+          <a:fillRef idx="1">
+            <a:schemeClr val="accent1"/>
+          </a:fillRef>
+          <a:effectRef idx="0">
+            <a:schemeClr val="accent1"/>
+          </a:effectRef>
+          <a:fontRef idx="minor">
+            <a:schemeClr val="lt1"/>
+          </a:fontRef>
+        </p:style>
+        <p:txBody>
+          <a:bodyPr rtlCol="0" anchor="ctr"/>
+          <a:lstStyle/>
+          <a:p>
+            <a:pPr algn="ctr"/>
+            <a:endParaRPr lang="en-US" dirty="0"/>
+          </a:p>
+        </p:txBody>
+      </p:sp>
+      <p:sp>
+        <p:nvSpPr>
+          <p:cNvPr id="9" name="Rectangle 8">
+            <a:extLst>
+              <a:ext uri="{FF2B5EF4-FFF2-40B4-BE49-F238E27FC236}">
+                <a16:creationId xmlns:a16="http://schemas.microsoft.com/office/drawing/2014/main" id="{546F6BA0-6051-727B-A2D5-88B7B0EE3BE3}"/>
+              </a:ext>
+            </a:extLst>
+          </p:cNvPr>
+          <p:cNvSpPr/>
+          <p:nvPr/>
+        </p:nvSpPr>
+        <p:spPr>
+          <a:xfrm>
+            <a:off x="1434618" y="4524605"/>
+            <a:ext cx="2479964" cy="878774"/>
+          </a:xfrm>
+          <a:prstGeom prst="rect">
+            <a:avLst/>
+          </a:prstGeom>
+          <a:solidFill>
+            <a:srgbClr val="4372C4">
+              <a:alpha val="60000"/>
+            </a:srgbClr>
+          </a:solidFill>
+          <a:ln>
+            <a:noFill/>
+          </a:ln>
+        </p:spPr>
+        <p:style>
+          <a:lnRef idx="2">
+            <a:schemeClr val="accent1">
+              <a:shade val="50000"/>
+            </a:schemeClr>
+          </a:lnRef>
+          <a:fillRef idx="1">
+            <a:schemeClr val="accent1"/>
+          </a:fillRef>
+          <a:effectRef idx="0">
+            <a:schemeClr val="accent1"/>
+          </a:effectRef>
+          <a:fontRef idx="minor">
+            <a:schemeClr val="lt1"/>
+          </a:fontRef>
+        </p:style>
+        <p:txBody>
+          <a:bodyPr rtlCol="0" anchor="ctr"/>
+          <a:lstStyle/>
+          <a:p>
+            <a:pPr algn="ctr"/>
+            <a:r>
+              <a:rPr lang="en-US" dirty="0"/>
+              <a:t>Transformer Extractor</a:t>
+            </a:r>
+          </a:p>
+          <a:p>
+            <a:pPr algn="ctr"/>
+            <a:r>
+              <a:rPr lang="en-US" dirty="0"/>
+              <a:t>For Click Path</a:t>
+            </a:r>
+          </a:p>
+        </p:txBody>
+      </p:sp>
+      <p:sp>
+        <p:nvSpPr>
+          <p:cNvPr id="10" name="Rectangle 9">
+            <a:extLst>
+              <a:ext uri="{FF2B5EF4-FFF2-40B4-BE49-F238E27FC236}">
+                <a16:creationId xmlns:a16="http://schemas.microsoft.com/office/drawing/2014/main" id="{E85E0864-FB36-6637-99CB-BBCE528A176B}"/>
+              </a:ext>
+            </a:extLst>
+          </p:cNvPr>
+          <p:cNvSpPr/>
+          <p:nvPr/>
+        </p:nvSpPr>
+        <p:spPr>
+          <a:xfrm>
+            <a:off x="4523865" y="4524605"/>
+            <a:ext cx="2479964" cy="878774"/>
+          </a:xfrm>
+          <a:prstGeom prst="rect">
+            <a:avLst/>
+          </a:prstGeom>
+          <a:solidFill>
+            <a:srgbClr val="4372C4">
+              <a:alpha val="60000"/>
+            </a:srgbClr>
+          </a:solidFill>
+          <a:ln>
+            <a:noFill/>
+          </a:ln>
+        </p:spPr>
+        <p:style>
+          <a:lnRef idx="2">
+            <a:schemeClr val="accent1">
+              <a:shade val="50000"/>
+            </a:schemeClr>
+          </a:lnRef>
+          <a:fillRef idx="1">
+            <a:schemeClr val="accent1"/>
+          </a:fillRef>
+          <a:effectRef idx="0">
+            <a:schemeClr val="accent1"/>
+          </a:effectRef>
+          <a:fontRef idx="minor">
+            <a:schemeClr val="lt1"/>
+          </a:fontRef>
+        </p:style>
+        <p:txBody>
+          <a:bodyPr rtlCol="0" anchor="ctr"/>
+          <a:lstStyle/>
+          <a:p>
+            <a:pPr algn="ctr"/>
+            <a:r>
+              <a:rPr lang="en-US" dirty="0"/>
+              <a:t>Statistical Feature Extractor For Click Path</a:t>
+            </a:r>
+          </a:p>
+        </p:txBody>
+      </p:sp>
+      <p:sp>
+        <p:nvSpPr>
+          <p:cNvPr id="11" name="Rectangle 10">
+            <a:extLst>
+              <a:ext uri="{FF2B5EF4-FFF2-40B4-BE49-F238E27FC236}">
+                <a16:creationId xmlns:a16="http://schemas.microsoft.com/office/drawing/2014/main" id="{44FAA68D-3C3F-95B2-AD45-642914495053}"/>
+              </a:ext>
+            </a:extLst>
+          </p:cNvPr>
+          <p:cNvSpPr/>
+          <p:nvPr/>
+        </p:nvSpPr>
+        <p:spPr>
+          <a:xfrm>
+            <a:off x="7654905" y="4525278"/>
+            <a:ext cx="2604900" cy="1633702"/>
+          </a:xfrm>
+          <a:prstGeom prst="rect">
+            <a:avLst/>
+          </a:prstGeom>
+          <a:solidFill>
+            <a:srgbClr val="4372C4">
+              <a:alpha val="60000"/>
+            </a:srgbClr>
+          </a:solidFill>
+          <a:ln>
+            <a:noFill/>
+          </a:ln>
+        </p:spPr>
+        <p:style>
+          <a:lnRef idx="2">
+            <a:schemeClr val="accent1">
+              <a:shade val="50000"/>
+            </a:schemeClr>
+          </a:lnRef>
+          <a:fillRef idx="1">
+            <a:schemeClr val="accent1"/>
+          </a:fillRef>
+          <a:effectRef idx="0">
+            <a:schemeClr val="accent1"/>
+          </a:effectRef>
+          <a:fontRef idx="minor">
+            <a:schemeClr val="lt1"/>
+          </a:fontRef>
+        </p:style>
+        <p:txBody>
+          <a:bodyPr rtlCol="0" anchor="ctr"/>
+          <a:lstStyle/>
+          <a:p>
+            <a:r>
+              <a:rPr lang="en-US" dirty="0"/>
+              <a:t>Other Statistical Features</a:t>
+            </a:r>
+          </a:p>
+          <a:p>
+            <a:endParaRPr lang="en-US" dirty="0"/>
+          </a:p>
+          <a:p>
+            <a:endParaRPr lang="en-US" dirty="0"/>
+          </a:p>
+          <a:p>
+            <a:endParaRPr lang="en-US" dirty="0"/>
+          </a:p>
+          <a:p>
+            <a:endParaRPr lang="en-US" dirty="0"/>
+          </a:p>
+        </p:txBody>
+      </p:sp>
+      <p:sp>
+        <p:nvSpPr>
+          <p:cNvPr id="12" name="Rectangle 11">
+            <a:extLst>
+              <a:ext uri="{FF2B5EF4-FFF2-40B4-BE49-F238E27FC236}">
+                <a16:creationId xmlns:a16="http://schemas.microsoft.com/office/drawing/2014/main" id="{BB354139-FD3D-FBC0-51CF-4E5923AFB722}"/>
+              </a:ext>
+            </a:extLst>
+          </p:cNvPr>
+          <p:cNvSpPr/>
+          <p:nvPr/>
+        </p:nvSpPr>
+        <p:spPr>
+          <a:xfrm>
+            <a:off x="7760931" y="4963992"/>
+            <a:ext cx="2392847" cy="297873"/>
+          </a:xfrm>
+          <a:prstGeom prst="rect">
+            <a:avLst/>
+          </a:prstGeom>
+          <a:solidFill>
+            <a:srgbClr val="16349E">
+              <a:alpha val="57000"/>
+            </a:srgbClr>
+          </a:solidFill>
+        </p:spPr>
+        <p:style>
+          <a:lnRef idx="2">
+            <a:schemeClr val="accent1">
+              <a:shade val="50000"/>
+            </a:schemeClr>
+          </a:lnRef>
+          <a:fillRef idx="1">
+            <a:schemeClr val="accent1"/>
+          </a:fillRef>
+          <a:effectRef idx="0">
+            <a:schemeClr val="accent1"/>
+          </a:effectRef>
+          <a:fontRef idx="minor">
+            <a:schemeClr val="lt1"/>
+          </a:fontRef>
+        </p:style>
+        <p:txBody>
+          <a:bodyPr rtlCol="0" anchor="ctr"/>
+          <a:lstStyle/>
+          <a:p>
+            <a:pPr algn="ctr"/>
+            <a:r>
+              <a:rPr lang="en-US" sz="1600" dirty="0"/>
+              <a:t>Order level</a:t>
+            </a:r>
+          </a:p>
+        </p:txBody>
+      </p:sp>
+      <p:sp>
+        <p:nvSpPr>
+          <p:cNvPr id="13" name="Rectangle 12">
+            <a:extLst>
+              <a:ext uri="{FF2B5EF4-FFF2-40B4-BE49-F238E27FC236}">
+                <a16:creationId xmlns:a16="http://schemas.microsoft.com/office/drawing/2014/main" id="{6E40E38A-B4F4-0792-169E-4ACE35C62C62}"/>
+              </a:ext>
+            </a:extLst>
+          </p:cNvPr>
+          <p:cNvSpPr/>
+          <p:nvPr/>
+        </p:nvSpPr>
+        <p:spPr>
+          <a:xfrm>
+            <a:off x="7760931" y="5350258"/>
+            <a:ext cx="2392847" cy="297873"/>
+          </a:xfrm>
+          <a:prstGeom prst="rect">
+            <a:avLst/>
+          </a:prstGeom>
+          <a:solidFill>
+            <a:srgbClr val="16349E">
+              <a:alpha val="57000"/>
+            </a:srgbClr>
+          </a:solidFill>
+        </p:spPr>
+        <p:style>
+          <a:lnRef idx="2">
+            <a:schemeClr val="accent1">
+              <a:shade val="50000"/>
+            </a:schemeClr>
+          </a:lnRef>
+          <a:fillRef idx="1">
+            <a:schemeClr val="accent1"/>
+          </a:fillRef>
+          <a:effectRef idx="0">
+            <a:schemeClr val="accent1"/>
+          </a:effectRef>
+          <a:fontRef idx="minor">
+            <a:schemeClr val="lt1"/>
+          </a:fontRef>
+        </p:style>
+        <p:txBody>
+          <a:bodyPr rtlCol="0" anchor="ctr"/>
+          <a:lstStyle/>
+          <a:p>
+            <a:pPr algn="ctr"/>
+            <a:r>
+              <a:rPr lang="en-US" sz="1600" dirty="0"/>
+              <a:t>Info-change level</a:t>
+            </a:r>
+          </a:p>
+        </p:txBody>
+      </p:sp>
+      <p:sp>
+        <p:nvSpPr>
+          <p:cNvPr id="14" name="Rectangle 13">
+            <a:extLst>
+              <a:ext uri="{FF2B5EF4-FFF2-40B4-BE49-F238E27FC236}">
+                <a16:creationId xmlns:a16="http://schemas.microsoft.com/office/drawing/2014/main" id="{10BF8CA4-5912-D3A0-A6B2-8F6642F308AA}"/>
+              </a:ext>
+            </a:extLst>
+          </p:cNvPr>
+          <p:cNvSpPr/>
+          <p:nvPr/>
+        </p:nvSpPr>
+        <p:spPr>
+          <a:xfrm>
+            <a:off x="7760930" y="5731315"/>
+            <a:ext cx="2392847" cy="297873"/>
+          </a:xfrm>
+          <a:prstGeom prst="rect">
+            <a:avLst/>
+          </a:prstGeom>
+          <a:solidFill>
+            <a:srgbClr val="16349E">
+              <a:alpha val="57000"/>
+            </a:srgbClr>
+          </a:solidFill>
+        </p:spPr>
+        <p:style>
+          <a:lnRef idx="2">
+            <a:schemeClr val="accent1">
+              <a:shade val="50000"/>
+            </a:schemeClr>
+          </a:lnRef>
+          <a:fillRef idx="1">
+            <a:schemeClr val="accent1"/>
+          </a:fillRef>
+          <a:effectRef idx="0">
+            <a:schemeClr val="accent1"/>
+          </a:effectRef>
+          <a:fontRef idx="minor">
+            <a:schemeClr val="lt1"/>
+          </a:fontRef>
+        </p:style>
+        <p:txBody>
+          <a:bodyPr rtlCol="0" anchor="ctr"/>
+          <a:lstStyle/>
+          <a:p>
+            <a:pPr algn="ctr"/>
+            <a:r>
+              <a:rPr lang="en-US" sz="1600" dirty="0"/>
+              <a:t>Login level</a:t>
+            </a:r>
+          </a:p>
+        </p:txBody>
+      </p:sp>
+      <p:sp>
+        <p:nvSpPr>
+          <p:cNvPr id="15" name="Rectangle 14">
+            <a:extLst>
+              <a:ext uri="{FF2B5EF4-FFF2-40B4-BE49-F238E27FC236}">
+                <a16:creationId xmlns:a16="http://schemas.microsoft.com/office/drawing/2014/main" id="{3E72D6AE-8F66-FB07-3028-0F9D66FD0A12}"/>
+              </a:ext>
+            </a:extLst>
+          </p:cNvPr>
+          <p:cNvSpPr/>
+          <p:nvPr/>
+        </p:nvSpPr>
+        <p:spPr>
+          <a:xfrm>
+            <a:off x="1434618" y="5731315"/>
+            <a:ext cx="5569210" cy="297873"/>
+          </a:xfrm>
+          <a:prstGeom prst="rect">
+            <a:avLst/>
+          </a:prstGeom>
+          <a:solidFill>
+            <a:srgbClr val="16349E">
+              <a:alpha val="76000"/>
+            </a:srgbClr>
+          </a:solidFill>
+        </p:spPr>
+        <p:style>
+          <a:lnRef idx="2">
+            <a:schemeClr val="accent1">
+              <a:shade val="50000"/>
+            </a:schemeClr>
+          </a:lnRef>
+          <a:fillRef idx="1">
+            <a:schemeClr val="accent1"/>
+          </a:fillRef>
+          <a:effectRef idx="0">
+            <a:schemeClr val="accent1"/>
+          </a:effectRef>
+          <a:fontRef idx="minor">
+            <a:schemeClr val="lt1"/>
+          </a:fontRef>
+        </p:style>
+        <p:txBody>
+          <a:bodyPr rtlCol="0" anchor="ctr"/>
+          <a:lstStyle/>
+          <a:p>
+            <a:pPr algn="ctr"/>
+            <a:r>
+              <a:rPr lang="en-US" sz="1600" dirty="0"/>
+              <a:t>Click Path Sequence</a:t>
+            </a:r>
+          </a:p>
+        </p:txBody>
+      </p:sp>
+      <p:sp>
+        <p:nvSpPr>
+          <p:cNvPr id="16" name="Up Arrow 15">
+            <a:extLst>
+              <a:ext uri="{FF2B5EF4-FFF2-40B4-BE49-F238E27FC236}">
+                <a16:creationId xmlns:a16="http://schemas.microsoft.com/office/drawing/2014/main" id="{DB3F81D9-E486-211D-DEB6-18945D16280D}"/>
+              </a:ext>
+            </a:extLst>
+          </p:cNvPr>
+          <p:cNvSpPr/>
+          <p:nvPr/>
+        </p:nvSpPr>
+        <p:spPr>
+          <a:xfrm>
+            <a:off x="2545313" y="5416369"/>
+            <a:ext cx="258574" cy="297873"/>
+          </a:xfrm>
+          <a:prstGeom prst="upArrow">
+            <a:avLst/>
+          </a:prstGeom>
+          <a:solidFill>
+            <a:srgbClr val="4372C4">
+              <a:alpha val="85000"/>
+            </a:srgbClr>
+          </a:solidFill>
+          <a:ln>
+            <a:noFill/>
+          </a:ln>
+        </p:spPr>
+        <p:style>
+          <a:lnRef idx="2">
+            <a:schemeClr val="accent1">
+              <a:shade val="50000"/>
+            </a:schemeClr>
+          </a:lnRef>
+          <a:fillRef idx="1">
+            <a:schemeClr val="accent1"/>
+          </a:fillRef>
+          <a:effectRef idx="0">
+            <a:schemeClr val="accent1"/>
+          </a:effectRef>
+          <a:fontRef idx="minor">
+            <a:schemeClr val="lt1"/>
+          </a:fontRef>
+        </p:style>
+        <p:txBody>
+          <a:bodyPr rtlCol="0" anchor="ctr"/>
+          <a:lstStyle/>
+          <a:p>
+            <a:pPr algn="ctr"/>
+            <a:endParaRPr lang="en-US" dirty="0"/>
+          </a:p>
+        </p:txBody>
+      </p:sp>
+      <p:sp>
+        <p:nvSpPr>
+          <p:cNvPr id="17" name="Up Arrow 16">
+            <a:extLst>
+              <a:ext uri="{FF2B5EF4-FFF2-40B4-BE49-F238E27FC236}">
+                <a16:creationId xmlns:a16="http://schemas.microsoft.com/office/drawing/2014/main" id="{9FAE0DF0-430F-D449-7EBC-7F58253DBEA4}"/>
+              </a:ext>
+            </a:extLst>
+          </p:cNvPr>
+          <p:cNvSpPr/>
+          <p:nvPr/>
+        </p:nvSpPr>
+        <p:spPr>
+          <a:xfrm>
+            <a:off x="5634560" y="5417978"/>
+            <a:ext cx="258574" cy="297873"/>
+          </a:xfrm>
+          <a:prstGeom prst="upArrow">
+            <a:avLst/>
+          </a:prstGeom>
+          <a:solidFill>
+            <a:srgbClr val="4372C4">
+              <a:alpha val="85000"/>
+            </a:srgbClr>
+          </a:solidFill>
+          <a:ln>
+            <a:noFill/>
+          </a:ln>
+        </p:spPr>
+        <p:style>
+          <a:lnRef idx="2">
+            <a:schemeClr val="accent1">
+              <a:shade val="50000"/>
+            </a:schemeClr>
+          </a:lnRef>
+          <a:fillRef idx="1">
+            <a:schemeClr val="accent1"/>
+          </a:fillRef>
+          <a:effectRef idx="0">
+            <a:schemeClr val="accent1"/>
+          </a:effectRef>
+          <a:fontRef idx="minor">
+            <a:schemeClr val="lt1"/>
+          </a:fontRef>
+        </p:style>
+        <p:txBody>
+          <a:bodyPr rtlCol="0" anchor="ctr"/>
+          <a:lstStyle/>
+          <a:p>
+            <a:pPr algn="ctr"/>
+            <a:endParaRPr lang="en-US" dirty="0"/>
+          </a:p>
+        </p:txBody>
+      </p:sp>
+      <p:sp>
+        <p:nvSpPr>
+          <p:cNvPr id="18" name="Up Arrow 17">
+            <a:extLst>
+              <a:ext uri="{FF2B5EF4-FFF2-40B4-BE49-F238E27FC236}">
+                <a16:creationId xmlns:a16="http://schemas.microsoft.com/office/drawing/2014/main" id="{BA447523-1DE8-AE68-50F7-2708A3E9D0B6}"/>
+              </a:ext>
+            </a:extLst>
+          </p:cNvPr>
+          <p:cNvSpPr/>
+          <p:nvPr/>
+        </p:nvSpPr>
+        <p:spPr>
+          <a:xfrm>
+            <a:off x="2545313" y="4045527"/>
+            <a:ext cx="258574" cy="464047"/>
+          </a:xfrm>
+          <a:prstGeom prst="upArrow">
+            <a:avLst/>
+          </a:prstGeom>
+          <a:solidFill>
+            <a:srgbClr val="4372C4">
+              <a:alpha val="85000"/>
+            </a:srgbClr>
+          </a:solidFill>
+          <a:ln>
+            <a:noFill/>
+          </a:ln>
+        </p:spPr>
+        <p:style>
+          <a:lnRef idx="2">
+            <a:schemeClr val="accent1">
+              <a:shade val="50000"/>
+            </a:schemeClr>
+          </a:lnRef>
+          <a:fillRef idx="1">
+            <a:schemeClr val="accent1"/>
+          </a:fillRef>
+          <a:effectRef idx="0">
+            <a:schemeClr val="accent1"/>
+          </a:effectRef>
+          <a:fontRef idx="minor">
+            <a:schemeClr val="lt1"/>
+          </a:fontRef>
+        </p:style>
+        <p:txBody>
+          <a:bodyPr rtlCol="0" anchor="ctr"/>
+          <a:lstStyle/>
+          <a:p>
+            <a:pPr algn="ctr"/>
+            <a:endParaRPr lang="en-US" dirty="0"/>
+          </a:p>
+        </p:txBody>
+      </p:sp>
+      <p:sp>
+        <p:nvSpPr>
+          <p:cNvPr id="19" name="Up Arrow 18">
+            <a:extLst>
+              <a:ext uri="{FF2B5EF4-FFF2-40B4-BE49-F238E27FC236}">
+                <a16:creationId xmlns:a16="http://schemas.microsoft.com/office/drawing/2014/main" id="{B86FBD12-8617-BE74-087C-D099C944BDA5}"/>
+              </a:ext>
+            </a:extLst>
+          </p:cNvPr>
+          <p:cNvSpPr/>
+          <p:nvPr/>
+        </p:nvSpPr>
+        <p:spPr>
+          <a:xfrm>
+            <a:off x="5639829" y="4045527"/>
+            <a:ext cx="258574" cy="464047"/>
+          </a:xfrm>
+          <a:prstGeom prst="upArrow">
+            <a:avLst/>
+          </a:prstGeom>
+          <a:solidFill>
+            <a:srgbClr val="4372C4">
+              <a:alpha val="85000"/>
+            </a:srgbClr>
+          </a:solidFill>
+          <a:ln>
+            <a:noFill/>
+          </a:ln>
+        </p:spPr>
+        <p:style>
+          <a:lnRef idx="2">
+            <a:schemeClr val="accent1">
+              <a:shade val="50000"/>
+            </a:schemeClr>
+          </a:lnRef>
+          <a:fillRef idx="1">
+            <a:schemeClr val="accent1"/>
+          </a:fillRef>
+          <a:effectRef idx="0">
+            <a:schemeClr val="accent1"/>
+          </a:effectRef>
+          <a:fontRef idx="minor">
+            <a:schemeClr val="lt1"/>
+          </a:fontRef>
+        </p:style>
+        <p:txBody>
+          <a:bodyPr rtlCol="0" anchor="ctr"/>
+          <a:lstStyle/>
+          <a:p>
+            <a:pPr algn="ctr"/>
+            <a:endParaRPr lang="en-US" dirty="0"/>
+          </a:p>
+        </p:txBody>
+      </p:sp>
+      <p:sp>
+        <p:nvSpPr>
+          <p:cNvPr id="20" name="Up Arrow 19">
+            <a:extLst>
+              <a:ext uri="{FF2B5EF4-FFF2-40B4-BE49-F238E27FC236}">
+                <a16:creationId xmlns:a16="http://schemas.microsoft.com/office/drawing/2014/main" id="{5E230512-A0EF-99F7-0B3B-34F4473562B2}"/>
+              </a:ext>
+            </a:extLst>
+          </p:cNvPr>
+          <p:cNvSpPr/>
+          <p:nvPr/>
+        </p:nvSpPr>
+        <p:spPr>
+          <a:xfrm>
+            <a:off x="8828066" y="4045527"/>
+            <a:ext cx="258574" cy="464047"/>
+          </a:xfrm>
+          <a:prstGeom prst="upArrow">
+            <a:avLst/>
+          </a:prstGeom>
+          <a:solidFill>
+            <a:srgbClr val="4372C4">
+              <a:alpha val="85000"/>
+            </a:srgbClr>
+          </a:solidFill>
+          <a:ln>
+            <a:noFill/>
+          </a:ln>
+        </p:spPr>
+        <p:style>
+          <a:lnRef idx="2">
+            <a:schemeClr val="accent1">
+              <a:shade val="50000"/>
+            </a:schemeClr>
+          </a:lnRef>
+          <a:fillRef idx="1">
+            <a:schemeClr val="accent1"/>
+          </a:fillRef>
+          <a:effectRef idx="0">
+            <a:schemeClr val="accent1"/>
+          </a:effectRef>
+          <a:fontRef idx="minor">
+            <a:schemeClr val="lt1"/>
+          </a:fontRef>
+        </p:style>
+        <p:txBody>
+          <a:bodyPr rtlCol="0" anchor="ctr"/>
+          <a:lstStyle/>
+          <a:p>
+            <a:pPr algn="ctr"/>
+            <a:endParaRPr lang="en-US" dirty="0"/>
+          </a:p>
+        </p:txBody>
+      </p:sp>
+      <p:sp>
+        <p:nvSpPr>
+          <p:cNvPr id="21" name="Rectangle 20">
+            <a:extLst>
+              <a:ext uri="{FF2B5EF4-FFF2-40B4-BE49-F238E27FC236}">
+                <a16:creationId xmlns:a16="http://schemas.microsoft.com/office/drawing/2014/main" id="{D9D1A742-D394-1E02-4B04-B95A3A637780}"/>
+              </a:ext>
+            </a:extLst>
+          </p:cNvPr>
+          <p:cNvSpPr/>
+          <p:nvPr/>
+        </p:nvSpPr>
+        <p:spPr>
+          <a:xfrm>
+            <a:off x="1434617" y="3352927"/>
+            <a:ext cx="8825187" cy="661672"/>
+          </a:xfrm>
+          <a:prstGeom prst="rect">
+            <a:avLst/>
+          </a:prstGeom>
+          <a:solidFill>
+            <a:srgbClr val="4372C4">
+              <a:alpha val="27000"/>
+            </a:srgbClr>
+          </a:solidFill>
+          <a:ln>
+            <a:noFill/>
+          </a:ln>
+        </p:spPr>
+        <p:style>
+          <a:lnRef idx="2">
+            <a:schemeClr val="accent1">
+              <a:shade val="50000"/>
+            </a:schemeClr>
+          </a:lnRef>
+          <a:fillRef idx="1">
+            <a:schemeClr val="accent1"/>
+          </a:fillRef>
+          <a:effectRef idx="0">
+            <a:schemeClr val="accent1"/>
+          </a:effectRef>
+          <a:fontRef idx="minor">
+            <a:schemeClr val="lt1"/>
+          </a:fontRef>
+        </p:style>
+        <p:txBody>
+          <a:bodyPr rtlCol="0" anchor="ctr"/>
+          <a:lstStyle/>
+          <a:p>
+            <a:pPr algn="ctr"/>
+            <a:r>
+              <a:rPr lang="en-US" sz="2000" dirty="0"/>
+              <a:t>Random Forest Model</a:t>
+            </a:r>
+          </a:p>
+        </p:txBody>
+      </p:sp>
+      <p:sp>
+        <p:nvSpPr>
+          <p:cNvPr id="22" name="文本框 2">
+            <a:extLst>
+              <a:ext uri="{FF2B5EF4-FFF2-40B4-BE49-F238E27FC236}">
+                <a16:creationId xmlns:a16="http://schemas.microsoft.com/office/drawing/2014/main" id="{DE19313E-6AAC-FA5A-3C20-F8E1BB013A69}"/>
+              </a:ext>
+            </a:extLst>
+          </p:cNvPr>
+          <p:cNvSpPr txBox="1"/>
+          <p:nvPr/>
+        </p:nvSpPr>
+        <p:spPr>
+          <a:xfrm>
+            <a:off x="4630588" y="2861863"/>
+            <a:ext cx="2266517" cy="400110"/>
+          </a:xfrm>
+          <a:prstGeom prst="rect">
+            <a:avLst/>
+          </a:prstGeom>
+          <a:noFill/>
+        </p:spPr>
+        <p:txBody>
+          <a:bodyPr wrap="square" rtlCol="0">
+            <a:spAutoFit/>
+          </a:bodyPr>
+          <a:lstStyle/>
+          <a:p>
+            <a:r>
+              <a:rPr lang="en-US" altLang="zh-CN" sz="2000" b="1" dirty="0">
+                <a:solidFill>
+                  <a:srgbClr val="002060"/>
+                </a:solidFill>
+              </a:rPr>
+              <a:t>Model Architecture</a:t>
+            </a:r>
+            <a:endParaRPr lang="en-US" altLang="zh-CN" sz="2000" b="1" u="sng" dirty="0">
+              <a:solidFill>
+                <a:srgbClr val="002060"/>
+              </a:solidFill>
+            </a:endParaRPr>
+          </a:p>
+        </p:txBody>
+      </p:sp>
+    </p:spTree>
+    <p:extLst>
+      <p:ext uri="{BB962C8B-B14F-4D97-AF65-F5344CB8AC3E}">
+        <p14:creationId xmlns:p14="http://schemas.microsoft.com/office/powerpoint/2010/main" val="4226189097"/>
+      </p:ext>
+    </p:extLst>
+  </p:cSld>
+  <p:clrMapOvr>
+    <a:masterClrMapping/>
+  </p:clrMapOvr>
+</p:sld>
+</file>
+
+<file path=ppt/slides/slide9.xml><?xml version="1.0" encoding="utf-8"?>
+<p:sld xmlns:a="http://schemas.openxmlformats.org/drawingml/2006/main" xmlns:r="http://schemas.openxmlformats.org/officeDocument/2006/relationships" xmlns:p="http://schemas.openxmlformats.org/presentationml/2006/main">
+  <p:cSld>
+    <p:spTree>
+      <p:nvGrpSpPr>
+        <p:cNvPr id="1" name=""/>
+        <p:cNvGrpSpPr/>
+        <p:nvPr/>
+      </p:nvGrpSpPr>
+      <p:grpSpPr>
+        <a:xfrm>
+          <a:off x="0" y="0"/>
+          <a:ext cx="0" cy="0"/>
+          <a:chOff x="0" y="0"/>
+          <a:chExt cx="0" cy="0"/>
+        </a:xfrm>
+      </p:grpSpPr>
+      <p:sp>
+        <p:nvSpPr>
+          <p:cNvPr id="6" name="Rounded Rectangle 5">
+            <a:extLst>
+              <a:ext uri="{FF2B5EF4-FFF2-40B4-BE49-F238E27FC236}">
+                <a16:creationId xmlns:a16="http://schemas.microsoft.com/office/drawing/2014/main" id="{2A3D6D68-E2DB-218B-C4A6-4F76C973F60A}"/>
+              </a:ext>
+            </a:extLst>
+          </p:cNvPr>
+          <p:cNvSpPr/>
+          <p:nvPr/>
+        </p:nvSpPr>
+        <p:spPr>
+          <a:xfrm>
+            <a:off x="773200" y="1688477"/>
+            <a:ext cx="4196733" cy="1547407"/>
+          </a:xfrm>
+          <a:prstGeom prst="roundRect">
+            <a:avLst/>
+          </a:prstGeom>
+          <a:solidFill>
+            <a:srgbClr val="4372C4">
+              <a:alpha val="9000"/>
+            </a:srgbClr>
+          </a:solidFill>
+          <a:ln>
+            <a:noFill/>
+          </a:ln>
+        </p:spPr>
+        <p:style>
+          <a:lnRef idx="2">
+            <a:schemeClr val="accent1">
+              <a:shade val="50000"/>
+            </a:schemeClr>
+          </a:lnRef>
+          <a:fillRef idx="1">
+            <a:schemeClr val="accent1"/>
+          </a:fillRef>
+          <a:effectRef idx="0">
+            <a:schemeClr val="accent1"/>
+          </a:effectRef>
+          <a:fontRef idx="minor">
+            <a:schemeClr val="lt1"/>
+          </a:fontRef>
+        </p:style>
+        <p:txBody>
+          <a:bodyPr rtlCol="0" anchor="ctr"/>
+          <a:lstStyle/>
+          <a:p>
+            <a:pPr algn="ctr"/>
+            <a:endParaRPr lang="en-US" dirty="0"/>
+          </a:p>
+        </p:txBody>
+      </p:sp>
+      <p:sp>
+        <p:nvSpPr>
+          <p:cNvPr id="2" name="Title 1">
+            <a:extLst>
+              <a:ext uri="{FF2B5EF4-FFF2-40B4-BE49-F238E27FC236}">
+                <a16:creationId xmlns:a16="http://schemas.microsoft.com/office/drawing/2014/main" id="{83D41F3B-3683-E6A9-52A1-FCEF86BA6F27}"/>
+              </a:ext>
+            </a:extLst>
+          </p:cNvPr>
+          <p:cNvSpPr>
+            <a:spLocks noGrp="1"/>
+          </p:cNvSpPr>
+          <p:nvPr>
+            <p:ph type="title"/>
+          </p:nvPr>
+        </p:nvSpPr>
+        <p:spPr/>
+        <p:txBody>
+          <a:bodyPr/>
+          <a:lstStyle/>
+          <a:p>
+            <a:r>
+              <a:rPr lang="en-US" dirty="0">
+                <a:latin typeface="Calibri" panose="020F0502020204030204" pitchFamily="34" charset="0"/>
+                <a:cs typeface="Calibri" panose="020F0502020204030204" pitchFamily="34" charset="0"/>
+              </a:rPr>
+              <a:t>Model in Order-create Scenario (Model Performance)</a:t>
+            </a:r>
+          </a:p>
+        </p:txBody>
+      </p:sp>
+      <p:sp>
+        <p:nvSpPr>
+          <p:cNvPr id="4" name="Text Placeholder 3">
+            <a:extLst>
+              <a:ext uri="{FF2B5EF4-FFF2-40B4-BE49-F238E27FC236}">
+                <a16:creationId xmlns:a16="http://schemas.microsoft.com/office/drawing/2014/main" id="{AABD4BC1-EB92-2AAA-359C-BF2066C24D47}"/>
+              </a:ext>
+            </a:extLst>
+          </p:cNvPr>
+          <p:cNvSpPr>
+            <a:spLocks noGrp="1"/>
+          </p:cNvSpPr>
+          <p:nvPr>
+            <p:ph type="body" sz="quarter" idx="23"/>
+          </p:nvPr>
+        </p:nvSpPr>
+        <p:spPr/>
+        <p:txBody>
+          <a:bodyPr/>
+          <a:lstStyle/>
+          <a:p>
+            <a:endParaRPr lang="en-US" dirty="0"/>
+          </a:p>
+        </p:txBody>
+      </p:sp>
+      <p:sp>
+        <p:nvSpPr>
+          <p:cNvPr id="8" name="文本框 2">
+            <a:extLst>
+              <a:ext uri="{FF2B5EF4-FFF2-40B4-BE49-F238E27FC236}">
+                <a16:creationId xmlns:a16="http://schemas.microsoft.com/office/drawing/2014/main" id="{E39E5411-81A2-89BE-9C61-238C3B7E6C83}"/>
+              </a:ext>
+            </a:extLst>
+          </p:cNvPr>
+          <p:cNvSpPr txBox="1"/>
+          <p:nvPr/>
+        </p:nvSpPr>
+        <p:spPr>
+          <a:xfrm>
+            <a:off x="616812" y="1182105"/>
+            <a:ext cx="10294070" cy="446276"/>
+          </a:xfrm>
+          <a:prstGeom prst="rect">
+            <a:avLst/>
+          </a:prstGeom>
+          <a:noFill/>
+        </p:spPr>
+        <p:txBody>
+          <a:bodyPr wrap="square" rtlCol="0">
+            <a:spAutoFit/>
+          </a:bodyPr>
+          <a:lstStyle/>
+          <a:p>
+            <a:pPr marL="285750" indent="-285750">
+              <a:buFont typeface="Arial" panose="020B0604020202020204" pitchFamily="34" charset="0"/>
+              <a:buChar char="•"/>
+            </a:pPr>
+            <a:r>
+              <a:rPr lang="en-US" altLang="zh-CN" sz="2300" b="1" dirty="0">
+                <a:solidFill>
+                  <a:srgbClr val="002060"/>
+                </a:solidFill>
+              </a:rPr>
+              <a:t>Testing Set Performance</a:t>
+            </a:r>
+          </a:p>
+        </p:txBody>
+      </p:sp>
+      <p:sp>
+        <p:nvSpPr>
+          <p:cNvPr id="3" name="Slide Number Placeholder 5">
+            <a:extLst>
+              <a:ext uri="{FF2B5EF4-FFF2-40B4-BE49-F238E27FC236}">
+                <a16:creationId xmlns:a16="http://schemas.microsoft.com/office/drawing/2014/main" id="{331AE1B9-2BEB-852D-0570-8D2EA351C0F8}"/>
+              </a:ext>
+            </a:extLst>
+          </p:cNvPr>
+          <p:cNvSpPr txBox="1">
+            <a:spLocks/>
+          </p:cNvSpPr>
+          <p:nvPr/>
+        </p:nvSpPr>
+        <p:spPr>
+          <a:xfrm>
+            <a:off x="8610600" y="6356350"/>
+            <a:ext cx="2743200" cy="365125"/>
+          </a:xfrm>
+          <a:prstGeom prst="rect">
+            <a:avLst/>
+          </a:prstGeom>
+        </p:spPr>
+        <p:txBody>
+          <a:bodyPr vert="horz" lIns="91440" tIns="45720" rIns="91440" bIns="45720" rtlCol="0" anchor="ctr"/>
+          <a:lstStyle>
+            <a:defPPr>
+              <a:defRPr lang="zh-CN"/>
+            </a:defPPr>
+            <a:lvl1pPr marL="0" algn="r" defTabSz="914400" rtl="0" eaLnBrk="1" latinLnBrk="0" hangingPunct="1">
+              <a:defRPr sz="1200" kern="1200">
+                <a:solidFill>
+                  <a:schemeClr val="tx1">
+                    <a:tint val="75000"/>
+                  </a:schemeClr>
+                </a:solidFill>
+                <a:latin typeface="+mn-lt"/>
+                <a:ea typeface="+mn-ea"/>
+                <a:cs typeface="+mn-cs"/>
+              </a:defRPr>
+            </a:lvl1pPr>
+            <a:lvl2pPr marL="457200" algn="l" defTabSz="914400" rtl="0" eaLnBrk="1" latinLnBrk="0" hangingPunct="1">
+              <a:defRPr sz="1800" kern="1200">
+                <a:solidFill>
+                  <a:schemeClr val="tx1"/>
+                </a:solidFill>
+                <a:latin typeface="+mn-lt"/>
+                <a:ea typeface="+mn-ea"/>
+                <a:cs typeface="+mn-cs"/>
+              </a:defRPr>
+            </a:lvl2pPr>
+            <a:lvl3pPr marL="914400" algn="l" defTabSz="914400" rtl="0" eaLnBrk="1" latinLnBrk="0" hangingPunct="1">
+              <a:defRPr sz="1800" kern="1200">
+                <a:solidFill>
+                  <a:schemeClr val="tx1"/>
+                </a:solidFill>
+                <a:latin typeface="+mn-lt"/>
+                <a:ea typeface="+mn-ea"/>
+                <a:cs typeface="+mn-cs"/>
+              </a:defRPr>
+            </a:lvl3pPr>
+            <a:lvl4pPr marL="1371600" algn="l" defTabSz="914400" rtl="0" eaLnBrk="1" latinLnBrk="0" hangingPunct="1">
+              <a:defRPr sz="1800" kern="1200">
+                <a:solidFill>
+                  <a:schemeClr val="tx1"/>
+                </a:solidFill>
+                <a:latin typeface="+mn-lt"/>
+                <a:ea typeface="+mn-ea"/>
+                <a:cs typeface="+mn-cs"/>
+              </a:defRPr>
+            </a:lvl4pPr>
+            <a:lvl5pPr marL="1828800" algn="l" defTabSz="914400" rtl="0" eaLnBrk="1" latinLnBrk="0" hangingPunct="1">
+              <a:defRPr sz="1800" kern="1200">
+                <a:solidFill>
+                  <a:schemeClr val="tx1"/>
+                </a:solidFill>
+                <a:latin typeface="+mn-lt"/>
+                <a:ea typeface="+mn-ea"/>
+                <a:cs typeface="+mn-cs"/>
+              </a:defRPr>
+            </a:lvl5pPr>
+            <a:lvl6pPr marL="2286000" algn="l" defTabSz="914400" rtl="0" eaLnBrk="1" latinLnBrk="0" hangingPunct="1">
+              <a:defRPr sz="1800" kern="1200">
+                <a:solidFill>
+                  <a:schemeClr val="tx1"/>
+                </a:solidFill>
+                <a:latin typeface="+mn-lt"/>
+                <a:ea typeface="+mn-ea"/>
+                <a:cs typeface="+mn-cs"/>
+              </a:defRPr>
+            </a:lvl6pPr>
+            <a:lvl7pPr marL="2743200" algn="l" defTabSz="914400" rtl="0" eaLnBrk="1" latinLnBrk="0" hangingPunct="1">
+              <a:defRPr sz="1800" kern="1200">
+                <a:solidFill>
+                  <a:schemeClr val="tx1"/>
+                </a:solidFill>
+                <a:latin typeface="+mn-lt"/>
+                <a:ea typeface="+mn-ea"/>
+                <a:cs typeface="+mn-cs"/>
+              </a:defRPr>
+            </a:lvl7pPr>
+            <a:lvl8pPr marL="3200400" algn="l" defTabSz="914400" rtl="0" eaLnBrk="1" latinLnBrk="0" hangingPunct="1">
+              <a:defRPr sz="1800" kern="1200">
+                <a:solidFill>
+                  <a:schemeClr val="tx1"/>
+                </a:solidFill>
+                <a:latin typeface="+mn-lt"/>
+                <a:ea typeface="+mn-ea"/>
+                <a:cs typeface="+mn-cs"/>
+              </a:defRPr>
+            </a:lvl8pPr>
+            <a:lvl9pPr marL="3657600" algn="l" defTabSz="914400" rtl="0" eaLnBrk="1" latinLnBrk="0" hangingPunct="1">
+              <a:defRPr sz="1800" kern="1200">
+                <a:solidFill>
+                  <a:schemeClr val="tx1"/>
+                </a:solidFill>
+                <a:latin typeface="+mn-lt"/>
+                <a:ea typeface="+mn-ea"/>
+                <a:cs typeface="+mn-cs"/>
+              </a:defRPr>
+            </a:lvl9pPr>
+          </a:lstStyle>
+          <a:p>
+            <a:fld id="{9478C395-1283-4E41-8724-2D9F689566D8}" type="slidenum">
+              <a:rPr lang="en-SG" smtClean="0"/>
+              <a:pPr/>
+              <a:t>9</a:t>
+            </a:fld>
+            <a:endParaRPr lang="en-SG" dirty="0"/>
+          </a:p>
+        </p:txBody>
+      </p:sp>
+      <p:sp>
+        <p:nvSpPr>
+          <p:cNvPr id="5" name="文本框 2">
+            <a:extLst>
+              <a:ext uri="{FF2B5EF4-FFF2-40B4-BE49-F238E27FC236}">
+                <a16:creationId xmlns:a16="http://schemas.microsoft.com/office/drawing/2014/main" id="{DDBFE400-CC33-0D01-13F4-E5623AB432EE}"/>
+              </a:ext>
+            </a:extLst>
+          </p:cNvPr>
+          <p:cNvSpPr txBox="1"/>
+          <p:nvPr/>
+        </p:nvSpPr>
+        <p:spPr>
+          <a:xfrm>
+            <a:off x="1076997" y="1890960"/>
+            <a:ext cx="3444587" cy="1107996"/>
+          </a:xfrm>
+          <a:prstGeom prst="rect">
+            <a:avLst/>
+          </a:prstGeom>
+          <a:noFill/>
+        </p:spPr>
+        <p:txBody>
+          <a:bodyPr wrap="square" rtlCol="0">
+            <a:spAutoFit/>
+          </a:bodyPr>
+          <a:lstStyle/>
+          <a:p>
+            <a:r>
+              <a:rPr lang="en-US" altLang="zh-CN" sz="2000" dirty="0">
+                <a:solidFill>
+                  <a:srgbClr val="002060"/>
+                </a:solidFill>
+              </a:rPr>
+              <a:t>Only click path embedding:</a:t>
+            </a:r>
+          </a:p>
+          <a:p>
+            <a:pPr marL="800100" lvl="1" indent="-342900">
+              <a:buFont typeface="Arial" panose="020B0604020202020204" pitchFamily="34" charset="0"/>
+              <a:buChar char="•"/>
+            </a:pPr>
+            <a:r>
+              <a:rPr lang="en-US" altLang="zh-CN" sz="2300" dirty="0">
+                <a:solidFill>
+                  <a:srgbClr val="002060"/>
+                </a:solidFill>
+              </a:rPr>
+              <a:t>Precision: 0.96</a:t>
+            </a:r>
+          </a:p>
+          <a:p>
+            <a:pPr marL="800100" lvl="1" indent="-342900">
+              <a:buFont typeface="Arial" panose="020B0604020202020204" pitchFamily="34" charset="0"/>
+              <a:buChar char="•"/>
+            </a:pPr>
+            <a:r>
+              <a:rPr lang="en-US" altLang="zh-CN" sz="2300" dirty="0">
+                <a:solidFill>
+                  <a:srgbClr val="002060"/>
+                </a:solidFill>
+              </a:rPr>
+              <a:t>Recall: 0.88</a:t>
+            </a:r>
+          </a:p>
+        </p:txBody>
+      </p:sp>
+      <p:sp>
+        <p:nvSpPr>
+          <p:cNvPr id="12" name="Rounded Rectangle 11">
+            <a:extLst>
+              <a:ext uri="{FF2B5EF4-FFF2-40B4-BE49-F238E27FC236}">
+                <a16:creationId xmlns:a16="http://schemas.microsoft.com/office/drawing/2014/main" id="{817AFC48-5ECF-3EAB-CB1C-1A24BED5EE67}"/>
+              </a:ext>
+            </a:extLst>
+          </p:cNvPr>
+          <p:cNvSpPr/>
+          <p:nvPr/>
+        </p:nvSpPr>
+        <p:spPr>
+          <a:xfrm>
+            <a:off x="6406805" y="1671255"/>
+            <a:ext cx="4196733" cy="1547407"/>
+          </a:xfrm>
+          <a:prstGeom prst="roundRect">
+            <a:avLst/>
+          </a:prstGeom>
+          <a:solidFill>
+            <a:srgbClr val="4372C4">
+              <a:alpha val="9000"/>
+            </a:srgbClr>
+          </a:solidFill>
+          <a:ln>
+            <a:noFill/>
+          </a:ln>
+        </p:spPr>
+        <p:style>
+          <a:lnRef idx="2">
+            <a:schemeClr val="accent1">
+              <a:shade val="50000"/>
+            </a:schemeClr>
+          </a:lnRef>
+          <a:fillRef idx="1">
+            <a:schemeClr val="accent1"/>
+          </a:fillRef>
+          <a:effectRef idx="0">
+            <a:schemeClr val="accent1"/>
+          </a:effectRef>
+          <a:fontRef idx="minor">
+            <a:schemeClr val="lt1"/>
+          </a:fontRef>
+        </p:style>
+        <p:txBody>
+          <a:bodyPr rtlCol="0" anchor="ctr"/>
+          <a:lstStyle/>
+          <a:p>
+            <a:pPr algn="ctr"/>
+            <a:endParaRPr lang="en-US" dirty="0"/>
+          </a:p>
+        </p:txBody>
+      </p:sp>
+      <p:sp>
+        <p:nvSpPr>
+          <p:cNvPr id="13" name="文本框 2">
+            <a:extLst>
+              <a:ext uri="{FF2B5EF4-FFF2-40B4-BE49-F238E27FC236}">
+                <a16:creationId xmlns:a16="http://schemas.microsoft.com/office/drawing/2014/main" id="{17F32EF2-DE9C-DD25-9B73-2F4ED34FFE6B}"/>
+              </a:ext>
+            </a:extLst>
+          </p:cNvPr>
+          <p:cNvSpPr txBox="1"/>
+          <p:nvPr/>
+        </p:nvSpPr>
+        <p:spPr>
+          <a:xfrm>
+            <a:off x="6594840" y="1754295"/>
+            <a:ext cx="3820661" cy="1415772"/>
+          </a:xfrm>
+          <a:prstGeom prst="rect">
+            <a:avLst/>
+          </a:prstGeom>
+          <a:noFill/>
+        </p:spPr>
+        <p:txBody>
+          <a:bodyPr wrap="square" rtlCol="0">
+            <a:spAutoFit/>
+          </a:bodyPr>
+          <a:lstStyle/>
+          <a:p>
+            <a:r>
+              <a:rPr lang="en-US" altLang="zh-CN" sz="2000" dirty="0">
+                <a:solidFill>
+                  <a:srgbClr val="002060"/>
+                </a:solidFill>
+              </a:rPr>
+              <a:t>Click path embedding + Statistical Features:</a:t>
+            </a:r>
+          </a:p>
+          <a:p>
+            <a:pPr marL="800100" lvl="1" indent="-342900">
+              <a:buFont typeface="Arial" panose="020B0604020202020204" pitchFamily="34" charset="0"/>
+              <a:buChar char="•"/>
+            </a:pPr>
+            <a:r>
+              <a:rPr lang="en-US" altLang="zh-CN" sz="2300" dirty="0">
+                <a:solidFill>
+                  <a:srgbClr val="002060"/>
+                </a:solidFill>
+              </a:rPr>
+              <a:t>Precision: 0.98</a:t>
+            </a:r>
+          </a:p>
+          <a:p>
+            <a:pPr marL="800100" lvl="1" indent="-342900">
+              <a:buFont typeface="Arial" panose="020B0604020202020204" pitchFamily="34" charset="0"/>
+              <a:buChar char="•"/>
+            </a:pPr>
+            <a:r>
+              <a:rPr lang="en-US" altLang="zh-CN" sz="2300" dirty="0">
+                <a:solidFill>
+                  <a:srgbClr val="002060"/>
+                </a:solidFill>
+              </a:rPr>
+              <a:t>Recall: 0.90</a:t>
+            </a:r>
+          </a:p>
+        </p:txBody>
+      </p:sp>
+      <p:pic>
+        <p:nvPicPr>
+          <p:cNvPr id="14" name="Picture 13">
+            <a:extLst>
+              <a:ext uri="{FF2B5EF4-FFF2-40B4-BE49-F238E27FC236}">
+                <a16:creationId xmlns:a16="http://schemas.microsoft.com/office/drawing/2014/main" id="{CDFB7224-99BB-C740-A520-AC0CB3AD45D2}"/>
+              </a:ext>
+            </a:extLst>
+          </p:cNvPr>
+          <p:cNvPicPr>
+            <a:picLocks noChangeAspect="1"/>
+          </p:cNvPicPr>
+          <p:nvPr/>
+        </p:nvPicPr>
+        <p:blipFill>
+          <a:blip r:embed="rId3"/>
+          <a:stretch>
+            <a:fillRect/>
+          </a:stretch>
+        </p:blipFill>
+        <p:spPr>
+          <a:xfrm>
+            <a:off x="628649" y="4087556"/>
+            <a:ext cx="5179015" cy="2163934"/>
+          </a:xfrm>
+          <a:prstGeom prst="rect">
+            <a:avLst/>
+          </a:prstGeom>
+        </p:spPr>
+      </p:pic>
+      <p:sp>
+        <p:nvSpPr>
+          <p:cNvPr id="15" name="文本框 2">
+            <a:extLst>
+              <a:ext uri="{FF2B5EF4-FFF2-40B4-BE49-F238E27FC236}">
+                <a16:creationId xmlns:a16="http://schemas.microsoft.com/office/drawing/2014/main" id="{80DFB8A4-2A77-D738-184C-31832209972D}"/>
+              </a:ext>
+            </a:extLst>
+          </p:cNvPr>
+          <p:cNvSpPr txBox="1"/>
+          <p:nvPr/>
+        </p:nvSpPr>
+        <p:spPr>
+          <a:xfrm>
+            <a:off x="616812" y="3438367"/>
+            <a:ext cx="10294070" cy="446276"/>
+          </a:xfrm>
+          <a:prstGeom prst="rect">
+            <a:avLst/>
+          </a:prstGeom>
+          <a:noFill/>
+        </p:spPr>
+        <p:txBody>
+          <a:bodyPr wrap="square" rtlCol="0">
+            <a:spAutoFit/>
+          </a:bodyPr>
+          <a:lstStyle/>
+          <a:p>
+            <a:pPr marL="285750" indent="-285750">
+              <a:buFont typeface="Arial" panose="020B0604020202020204" pitchFamily="34" charset="0"/>
+              <a:buChar char="•"/>
+            </a:pPr>
+            <a:r>
+              <a:rPr lang="en-US" altLang="zh-CN" sz="2300" b="1" dirty="0">
+                <a:solidFill>
+                  <a:srgbClr val="002060"/>
+                </a:solidFill>
+              </a:rPr>
+              <a:t>PCA analysis on embedding</a:t>
+            </a:r>
+          </a:p>
+        </p:txBody>
+      </p:sp>
+      <p:pic>
+        <p:nvPicPr>
+          <p:cNvPr id="16" name="Picture 15">
+            <a:extLst>
+              <a:ext uri="{FF2B5EF4-FFF2-40B4-BE49-F238E27FC236}">
+                <a16:creationId xmlns:a16="http://schemas.microsoft.com/office/drawing/2014/main" id="{EB6E2DFC-E5B4-FC39-1213-D987E4859012}"/>
+              </a:ext>
+            </a:extLst>
+          </p:cNvPr>
+          <p:cNvPicPr>
+            <a:picLocks noChangeAspect="1"/>
+          </p:cNvPicPr>
+          <p:nvPr/>
+        </p:nvPicPr>
+        <p:blipFill>
+          <a:blip r:embed="rId4"/>
+          <a:stretch>
+            <a:fillRect/>
+          </a:stretch>
+        </p:blipFill>
+        <p:spPr>
+          <a:xfrm>
+            <a:off x="6225886" y="4087126"/>
+            <a:ext cx="5023919" cy="2060017"/>
+          </a:xfrm>
+          <a:prstGeom prst="rect">
+            <a:avLst/>
+          </a:prstGeom>
+        </p:spPr>
+      </p:pic>
+    </p:spTree>
+    <p:extLst>
+      <p:ext uri="{BB962C8B-B14F-4D97-AF65-F5344CB8AC3E}">
+        <p14:creationId xmlns:p14="http://schemas.microsoft.com/office/powerpoint/2010/main" val="3322379352"/>
       </p:ext>
     </p:extLst>
   </p:cSld>
